--- a/Session_4_Polyglot_Persistence.pptx
+++ b/Session_4_Polyglot_Persistence.pptx
@@ -234,7 +234,7 @@
           <a:p>
             <a:fld id="{372E5B6B-8713-8747-AE5B-F1241B2BF5F0}" type="datetimeFigureOut">
               <a:rPr lang="en-US" smtClean="0"/>
-              <a:t>9/23/16</a:t>
+              <a:t>9/27/16</a:t>
             </a:fld>
             <a:endParaRPr lang="en-US" dirty="0"/>
           </a:p>
@@ -400,7 +400,7 @@
           <a:p>
             <a:fld id="{7E7B7340-DDD5-1B49-81AA-25BC4050C073}" type="datetimeFigureOut">
               <a:rPr lang="en-US" smtClean="0"/>
-              <a:t>9/23/16</a:t>
+              <a:t>9/27/16</a:t>
             </a:fld>
             <a:endParaRPr lang="en-US" dirty="0"/>
           </a:p>
@@ -5897,30 +5897,6 @@
           </a:p>
         </p:txBody>
       </p:sp>
-      <p:pic>
-        <p:nvPicPr>
-          <p:cNvPr id="7" name="Picture 6"/>
-          <p:cNvPicPr>
-            <a:picLocks noChangeAspect="1"/>
-          </p:cNvPicPr>
-          <p:nvPr/>
-        </p:nvPicPr>
-        <p:blipFill>
-          <a:blip r:embed="rId5"/>
-          <a:stretch>
-            <a:fillRect/>
-          </a:stretch>
-        </p:blipFill>
-        <p:spPr>
-          <a:xfrm>
-            <a:off x="8196204" y="1558"/>
-            <a:ext cx="947796" cy="947796"/>
-          </a:xfrm>
-          <a:prstGeom prst="rect">
-            <a:avLst/>
-          </a:prstGeom>
-        </p:spPr>
-      </p:pic>
     </p:spTree>
     <p:extLst>
       <p:ext uri="{BB962C8B-B14F-4D97-AF65-F5344CB8AC3E}">

--- a/Session_4_Polyglot_Persistence.pptx
+++ b/Session_4_Polyglot_Persistence.pptx
@@ -7,26 +7,18 @@
     <p:sldMasterId id="2147483724" r:id="rId3"/>
   </p:sldMasterIdLst>
   <p:notesMasterIdLst>
-    <p:notesMasterId r:id="rId18"/>
+    <p:notesMasterId r:id="rId10"/>
   </p:notesMasterIdLst>
   <p:handoutMasterIdLst>
-    <p:handoutMasterId r:id="rId19"/>
+    <p:handoutMasterId r:id="rId11"/>
   </p:handoutMasterIdLst>
   <p:sldIdLst>
     <p:sldId id="353" r:id="rId4"/>
     <p:sldId id="355" r:id="rId5"/>
     <p:sldId id="357" r:id="rId6"/>
     <p:sldId id="358" r:id="rId7"/>
-    <p:sldId id="356" r:id="rId8"/>
-    <p:sldId id="359" r:id="rId9"/>
-    <p:sldId id="360" r:id="rId10"/>
-    <p:sldId id="361" r:id="rId11"/>
-    <p:sldId id="362" r:id="rId12"/>
-    <p:sldId id="363" r:id="rId13"/>
-    <p:sldId id="364" r:id="rId14"/>
-    <p:sldId id="365" r:id="rId15"/>
-    <p:sldId id="366" r:id="rId16"/>
-    <p:sldId id="354" r:id="rId17"/>
+    <p:sldId id="366" r:id="rId8"/>
+    <p:sldId id="354" r:id="rId9"/>
   </p:sldIdLst>
   <p:sldSz cx="9144000" cy="5143500" type="screen16x9"/>
   <p:notesSz cx="6858000" cy="9144000"/>
@@ -134,14 +126,6 @@
             <p14:sldId id="355"/>
             <p14:sldId id="357"/>
             <p14:sldId id="358"/>
-            <p14:sldId id="356"/>
-            <p14:sldId id="359"/>
-            <p14:sldId id="360"/>
-            <p14:sldId id="361"/>
-            <p14:sldId id="362"/>
-            <p14:sldId id="363"/>
-            <p14:sldId id="364"/>
-            <p14:sldId id="365"/>
             <p14:sldId id="366"/>
             <p14:sldId id="354"/>
           </p14:sldIdLst>
@@ -761,410 +745,6 @@
 </p:notes>
 </file>
 
-<file path=ppt/notesSlides/notesSlide10.xml><?xml version="1.0" encoding="utf-8"?>
-<p:notes xmlns:a="http://schemas.openxmlformats.org/drawingml/2006/main" xmlns:r="http://schemas.openxmlformats.org/officeDocument/2006/relationships" xmlns:p="http://schemas.openxmlformats.org/presentationml/2006/main">
-  <p:cSld>
-    <p:spTree>
-      <p:nvGrpSpPr>
-        <p:cNvPr id="1" name=""/>
-        <p:cNvGrpSpPr/>
-        <p:nvPr/>
-      </p:nvGrpSpPr>
-      <p:grpSpPr>
-        <a:xfrm>
-          <a:off x="0" y="0"/>
-          <a:ext cx="0" cy="0"/>
-          <a:chOff x="0" y="0"/>
-          <a:chExt cx="0" cy="0"/>
-        </a:xfrm>
-      </p:grpSpPr>
-      <p:sp>
-        <p:nvSpPr>
-          <p:cNvPr id="2" name="Slide Image Placeholder 1"/>
-          <p:cNvSpPr>
-            <a:spLocks noGrp="1" noRot="1" noChangeAspect="1"/>
-          </p:cNvSpPr>
-          <p:nvPr>
-            <p:ph type="sldImg"/>
-          </p:nvPr>
-        </p:nvSpPr>
-        <p:spPr/>
-      </p:sp>
-      <p:sp>
-        <p:nvSpPr>
-          <p:cNvPr id="3" name="Notes Placeholder 2"/>
-          <p:cNvSpPr>
-            <a:spLocks noGrp="1"/>
-          </p:cNvSpPr>
-          <p:nvPr>
-            <p:ph type="body" idx="1"/>
-          </p:nvPr>
-        </p:nvSpPr>
-        <p:spPr/>
-        <p:txBody>
-          <a:bodyPr/>
-          <a:lstStyle/>
-          <a:p>
-            <a:endParaRPr lang="en-US" dirty="0"/>
-          </a:p>
-        </p:txBody>
-      </p:sp>
-      <p:sp>
-        <p:nvSpPr>
-          <p:cNvPr id="4" name="Slide Number Placeholder 3"/>
-          <p:cNvSpPr>
-            <a:spLocks noGrp="1"/>
-          </p:cNvSpPr>
-          <p:nvPr>
-            <p:ph type="sldNum" sz="quarter" idx="10"/>
-          </p:nvPr>
-        </p:nvSpPr>
-        <p:spPr/>
-        <p:txBody>
-          <a:bodyPr/>
-          <a:lstStyle/>
-          <a:p>
-            <a:fld id="{19B87A38-3CEC-41F8-9B8A-7D549F200228}" type="slidenum">
-              <a:rPr lang="en-US" smtClean="0"/>
-              <a:t>10</a:t>
-            </a:fld>
-            <a:endParaRPr lang="en-US" dirty="0"/>
-          </a:p>
-        </p:txBody>
-      </p:sp>
-    </p:spTree>
-    <p:extLst>
-      <p:ext uri="{BB962C8B-B14F-4D97-AF65-F5344CB8AC3E}">
-        <p14:creationId xmlns:p14="http://schemas.microsoft.com/office/powerpoint/2010/main" val="4288609631"/>
-      </p:ext>
-    </p:extLst>
-  </p:cSld>
-  <p:clrMapOvr>
-    <a:masterClrMapping/>
-  </p:clrMapOvr>
-</p:notes>
-</file>
-
-<file path=ppt/notesSlides/notesSlide11.xml><?xml version="1.0" encoding="utf-8"?>
-<p:notes xmlns:a="http://schemas.openxmlformats.org/drawingml/2006/main" xmlns:r="http://schemas.openxmlformats.org/officeDocument/2006/relationships" xmlns:p="http://schemas.openxmlformats.org/presentationml/2006/main">
-  <p:cSld>
-    <p:spTree>
-      <p:nvGrpSpPr>
-        <p:cNvPr id="1" name=""/>
-        <p:cNvGrpSpPr/>
-        <p:nvPr/>
-      </p:nvGrpSpPr>
-      <p:grpSpPr>
-        <a:xfrm>
-          <a:off x="0" y="0"/>
-          <a:ext cx="0" cy="0"/>
-          <a:chOff x="0" y="0"/>
-          <a:chExt cx="0" cy="0"/>
-        </a:xfrm>
-      </p:grpSpPr>
-      <p:sp>
-        <p:nvSpPr>
-          <p:cNvPr id="2" name="Slide Image Placeholder 1"/>
-          <p:cNvSpPr>
-            <a:spLocks noGrp="1" noRot="1" noChangeAspect="1"/>
-          </p:cNvSpPr>
-          <p:nvPr>
-            <p:ph type="sldImg"/>
-          </p:nvPr>
-        </p:nvSpPr>
-        <p:spPr/>
-      </p:sp>
-      <p:sp>
-        <p:nvSpPr>
-          <p:cNvPr id="3" name="Notes Placeholder 2"/>
-          <p:cNvSpPr>
-            <a:spLocks noGrp="1"/>
-          </p:cNvSpPr>
-          <p:nvPr>
-            <p:ph type="body" idx="1"/>
-          </p:nvPr>
-        </p:nvSpPr>
-        <p:spPr/>
-        <p:txBody>
-          <a:bodyPr/>
-          <a:lstStyle/>
-          <a:p>
-            <a:endParaRPr lang="en-US" dirty="0"/>
-          </a:p>
-        </p:txBody>
-      </p:sp>
-      <p:sp>
-        <p:nvSpPr>
-          <p:cNvPr id="4" name="Slide Number Placeholder 3"/>
-          <p:cNvSpPr>
-            <a:spLocks noGrp="1"/>
-          </p:cNvSpPr>
-          <p:nvPr>
-            <p:ph type="sldNum" sz="quarter" idx="10"/>
-          </p:nvPr>
-        </p:nvSpPr>
-        <p:spPr/>
-        <p:txBody>
-          <a:bodyPr/>
-          <a:lstStyle/>
-          <a:p>
-            <a:fld id="{19B87A38-3CEC-41F8-9B8A-7D549F200228}" type="slidenum">
-              <a:rPr lang="en-US" smtClean="0"/>
-              <a:t>11</a:t>
-            </a:fld>
-            <a:endParaRPr lang="en-US" dirty="0"/>
-          </a:p>
-        </p:txBody>
-      </p:sp>
-    </p:spTree>
-    <p:extLst>
-      <p:ext uri="{BB962C8B-B14F-4D97-AF65-F5344CB8AC3E}">
-        <p14:creationId xmlns:p14="http://schemas.microsoft.com/office/powerpoint/2010/main" val="4288609631"/>
-      </p:ext>
-    </p:extLst>
-  </p:cSld>
-  <p:clrMapOvr>
-    <a:masterClrMapping/>
-  </p:clrMapOvr>
-</p:notes>
-</file>
-
-<file path=ppt/notesSlides/notesSlide12.xml><?xml version="1.0" encoding="utf-8"?>
-<p:notes xmlns:a="http://schemas.openxmlformats.org/drawingml/2006/main" xmlns:r="http://schemas.openxmlformats.org/officeDocument/2006/relationships" xmlns:p="http://schemas.openxmlformats.org/presentationml/2006/main">
-  <p:cSld>
-    <p:spTree>
-      <p:nvGrpSpPr>
-        <p:cNvPr id="1" name=""/>
-        <p:cNvGrpSpPr/>
-        <p:nvPr/>
-      </p:nvGrpSpPr>
-      <p:grpSpPr>
-        <a:xfrm>
-          <a:off x="0" y="0"/>
-          <a:ext cx="0" cy="0"/>
-          <a:chOff x="0" y="0"/>
-          <a:chExt cx="0" cy="0"/>
-        </a:xfrm>
-      </p:grpSpPr>
-      <p:sp>
-        <p:nvSpPr>
-          <p:cNvPr id="2" name="Slide Image Placeholder 1"/>
-          <p:cNvSpPr>
-            <a:spLocks noGrp="1" noRot="1" noChangeAspect="1"/>
-          </p:cNvSpPr>
-          <p:nvPr>
-            <p:ph type="sldImg"/>
-          </p:nvPr>
-        </p:nvSpPr>
-        <p:spPr/>
-      </p:sp>
-      <p:sp>
-        <p:nvSpPr>
-          <p:cNvPr id="3" name="Notes Placeholder 2"/>
-          <p:cNvSpPr>
-            <a:spLocks noGrp="1"/>
-          </p:cNvSpPr>
-          <p:nvPr>
-            <p:ph type="body" idx="1"/>
-          </p:nvPr>
-        </p:nvSpPr>
-        <p:spPr/>
-        <p:txBody>
-          <a:bodyPr/>
-          <a:lstStyle/>
-          <a:p>
-            <a:endParaRPr lang="en-US" dirty="0"/>
-          </a:p>
-        </p:txBody>
-      </p:sp>
-      <p:sp>
-        <p:nvSpPr>
-          <p:cNvPr id="4" name="Slide Number Placeholder 3"/>
-          <p:cNvSpPr>
-            <a:spLocks noGrp="1"/>
-          </p:cNvSpPr>
-          <p:nvPr>
-            <p:ph type="sldNum" sz="quarter" idx="10"/>
-          </p:nvPr>
-        </p:nvSpPr>
-        <p:spPr/>
-        <p:txBody>
-          <a:bodyPr/>
-          <a:lstStyle/>
-          <a:p>
-            <a:fld id="{19B87A38-3CEC-41F8-9B8A-7D549F200228}" type="slidenum">
-              <a:rPr lang="en-US" smtClean="0"/>
-              <a:t>12</a:t>
-            </a:fld>
-            <a:endParaRPr lang="en-US" dirty="0"/>
-          </a:p>
-        </p:txBody>
-      </p:sp>
-    </p:spTree>
-    <p:extLst>
-      <p:ext uri="{BB962C8B-B14F-4D97-AF65-F5344CB8AC3E}">
-        <p14:creationId xmlns:p14="http://schemas.microsoft.com/office/powerpoint/2010/main" val="4288609631"/>
-      </p:ext>
-    </p:extLst>
-  </p:cSld>
-  <p:clrMapOvr>
-    <a:masterClrMapping/>
-  </p:clrMapOvr>
-</p:notes>
-</file>
-
-<file path=ppt/notesSlides/notesSlide13.xml><?xml version="1.0" encoding="utf-8"?>
-<p:notes xmlns:a="http://schemas.openxmlformats.org/drawingml/2006/main" xmlns:r="http://schemas.openxmlformats.org/officeDocument/2006/relationships" xmlns:p="http://schemas.openxmlformats.org/presentationml/2006/main">
-  <p:cSld>
-    <p:spTree>
-      <p:nvGrpSpPr>
-        <p:cNvPr id="1" name=""/>
-        <p:cNvGrpSpPr/>
-        <p:nvPr/>
-      </p:nvGrpSpPr>
-      <p:grpSpPr>
-        <a:xfrm>
-          <a:off x="0" y="0"/>
-          <a:ext cx="0" cy="0"/>
-          <a:chOff x="0" y="0"/>
-          <a:chExt cx="0" cy="0"/>
-        </a:xfrm>
-      </p:grpSpPr>
-      <p:sp>
-        <p:nvSpPr>
-          <p:cNvPr id="2" name="Slide Image Placeholder 1"/>
-          <p:cNvSpPr>
-            <a:spLocks noGrp="1" noRot="1" noChangeAspect="1"/>
-          </p:cNvSpPr>
-          <p:nvPr>
-            <p:ph type="sldImg"/>
-          </p:nvPr>
-        </p:nvSpPr>
-        <p:spPr/>
-      </p:sp>
-      <p:sp>
-        <p:nvSpPr>
-          <p:cNvPr id="3" name="Notes Placeholder 2"/>
-          <p:cNvSpPr>
-            <a:spLocks noGrp="1"/>
-          </p:cNvSpPr>
-          <p:nvPr>
-            <p:ph type="body" idx="1"/>
-          </p:nvPr>
-        </p:nvSpPr>
-        <p:spPr/>
-        <p:txBody>
-          <a:bodyPr/>
-          <a:lstStyle/>
-          <a:p>
-            <a:endParaRPr lang="en-US" dirty="0"/>
-          </a:p>
-        </p:txBody>
-      </p:sp>
-      <p:sp>
-        <p:nvSpPr>
-          <p:cNvPr id="4" name="Slide Number Placeholder 3"/>
-          <p:cNvSpPr>
-            <a:spLocks noGrp="1"/>
-          </p:cNvSpPr>
-          <p:nvPr>
-            <p:ph type="sldNum" sz="quarter" idx="10"/>
-          </p:nvPr>
-        </p:nvSpPr>
-        <p:spPr/>
-        <p:txBody>
-          <a:bodyPr/>
-          <a:lstStyle/>
-          <a:p>
-            <a:fld id="{19B87A38-3CEC-41F8-9B8A-7D549F200228}" type="slidenum">
-              <a:rPr lang="en-US" smtClean="0"/>
-              <a:t>13</a:t>
-            </a:fld>
-            <a:endParaRPr lang="en-US" dirty="0"/>
-          </a:p>
-        </p:txBody>
-      </p:sp>
-    </p:spTree>
-    <p:extLst>
-      <p:ext uri="{BB962C8B-B14F-4D97-AF65-F5344CB8AC3E}">
-        <p14:creationId xmlns:p14="http://schemas.microsoft.com/office/powerpoint/2010/main" val="4288609631"/>
-      </p:ext>
-    </p:extLst>
-  </p:cSld>
-  <p:clrMapOvr>
-    <a:masterClrMapping/>
-  </p:clrMapOvr>
-</p:notes>
-</file>
-
-<file path=ppt/notesSlides/notesSlide14.xml><?xml version="1.0" encoding="utf-8"?>
-<p:notes xmlns:a="http://schemas.openxmlformats.org/drawingml/2006/main" xmlns:r="http://schemas.openxmlformats.org/officeDocument/2006/relationships" xmlns:p="http://schemas.openxmlformats.org/presentationml/2006/main">
-  <p:cSld>
-    <p:spTree>
-      <p:nvGrpSpPr>
-        <p:cNvPr id="1" name=""/>
-        <p:cNvGrpSpPr/>
-        <p:nvPr/>
-      </p:nvGrpSpPr>
-      <p:grpSpPr>
-        <a:xfrm>
-          <a:off x="0" y="0"/>
-          <a:ext cx="0" cy="0"/>
-          <a:chOff x="0" y="0"/>
-          <a:chExt cx="0" cy="0"/>
-        </a:xfrm>
-      </p:grpSpPr>
-      <p:sp>
-        <p:nvSpPr>
-          <p:cNvPr id="2" name="Slide Image Placeholder 1"/>
-          <p:cNvSpPr>
-            <a:spLocks noGrp="1" noRot="1" noChangeAspect="1"/>
-          </p:cNvSpPr>
-          <p:nvPr>
-            <p:ph type="sldImg"/>
-          </p:nvPr>
-        </p:nvSpPr>
-        <p:spPr>
-          <a:xfrm>
-            <a:off x="381000" y="685800"/>
-            <a:ext cx="6096000" cy="3429000"/>
-          </a:xfrm>
-        </p:spPr>
-      </p:sp>
-      <p:sp>
-        <p:nvSpPr>
-          <p:cNvPr id="3" name="Notes Placeholder 2"/>
-          <p:cNvSpPr>
-            <a:spLocks noGrp="1"/>
-          </p:cNvSpPr>
-          <p:nvPr>
-            <p:ph type="body" idx="1"/>
-          </p:nvPr>
-        </p:nvSpPr>
-        <p:spPr/>
-        <p:txBody>
-          <a:bodyPr lIns="90571" tIns="45286" rIns="90571" bIns="45286">
-            <a:normAutofit/>
-          </a:bodyPr>
-          <a:lstStyle/>
-          <a:p>
-            <a:endParaRPr lang="en-US" dirty="0"/>
-          </a:p>
-        </p:txBody>
-      </p:sp>
-    </p:spTree>
-    <p:extLst>
-      <p:ext uri="{BB962C8B-B14F-4D97-AF65-F5344CB8AC3E}">
-        <p14:creationId xmlns:p14="http://schemas.microsoft.com/office/powerpoint/2010/main" val="2318069329"/>
-      </p:ext>
-    </p:extLst>
-  </p:cSld>
-  <p:clrMapOvr>
-    <a:masterClrMapping/>
-  </p:clrMapOvr>
-</p:notes>
-</file>
-
 <file path=ppt/notesSlides/notesSlide2.xml><?xml version="1.0" encoding="utf-8"?>
 <p:notes xmlns:a="http://schemas.openxmlformats.org/drawingml/2006/main" xmlns:r="http://schemas.openxmlformats.org/officeDocument/2006/relationships" xmlns:p="http://schemas.openxmlformats.org/presentationml/2006/main">
   <p:cSld>
@@ -1461,57 +1041,6 @@
           <a:bodyPr/>
           <a:lstStyle/>
           <a:p>
-            <a:pPr marL="171450" indent="-171450">
-              <a:buFont typeface="Arial"/>
-              <a:buChar char="•"/>
-            </a:pPr>
-            <a:r>
-              <a:rPr lang="en-US" sz="1200" dirty="0" smtClean="0"/>
-              <a:t>Provide radically faster and widely accessible “getting started” experience for all Spring development</a:t>
-            </a:r>
-          </a:p>
-          <a:p>
-            <a:pPr marL="171450" indent="-171450">
-              <a:buFont typeface="Arial"/>
-              <a:buChar char="•"/>
-            </a:pPr>
-            <a:r>
-              <a:rPr lang="en-US" sz="1200" dirty="0" smtClean="0">
-                <a:solidFill>
-                  <a:srgbClr val="FFFFFF"/>
-                </a:solidFill>
-              </a:rPr>
-              <a:t>Opinionated out of the box, but get out of the way as quickly as possible</a:t>
-            </a:r>
-          </a:p>
-          <a:p>
-            <a:pPr marL="171450" indent="-171450">
-              <a:buFont typeface="Arial"/>
-              <a:buChar char="•"/>
-            </a:pPr>
-            <a:r>
-              <a:rPr lang="en-US" sz="1200" dirty="0" smtClean="0">
-                <a:solidFill>
-                  <a:srgbClr val="FFFFFF"/>
-                </a:solidFill>
-              </a:rPr>
-              <a:t>Provide a range of non-functional</a:t>
-            </a:r>
-            <a:r>
-              <a:rPr lang="en-US" sz="1200" baseline="0" dirty="0" smtClean="0">
-                <a:solidFill>
-                  <a:srgbClr val="FFFFFF"/>
-                </a:solidFill>
-              </a:rPr>
-              <a:t> features (embedded servers, metrics, health checks, externalized config)</a:t>
-            </a:r>
-            <a:endParaRPr lang="en-US" sz="1200" dirty="0" smtClean="0">
-              <a:solidFill>
-                <a:srgbClr val="FFFFFF"/>
-              </a:solidFill>
-            </a:endParaRPr>
-          </a:p>
-          <a:p>
             <a:endParaRPr lang="en-US" dirty="0"/>
           </a:p>
         </p:txBody>
@@ -1579,7 +1108,12 @@
             <p:ph type="sldImg"/>
           </p:nvPr>
         </p:nvSpPr>
-        <p:spPr/>
+        <p:spPr>
+          <a:xfrm>
+            <a:off x="381000" y="685800"/>
+            <a:ext cx="6096000" cy="3429000"/>
+          </a:xfrm>
+        </p:spPr>
       </p:sp>
       <p:sp>
         <p:nvSpPr>
@@ -1593,32 +1127,11 @@
         </p:nvSpPr>
         <p:spPr/>
         <p:txBody>
-          <a:bodyPr/>
+          <a:bodyPr lIns="90571" tIns="45286" rIns="90571" bIns="45286">
+            <a:normAutofit/>
+          </a:bodyPr>
           <a:lstStyle/>
           <a:p>
-            <a:endParaRPr lang="en-US" dirty="0"/>
-          </a:p>
-        </p:txBody>
-      </p:sp>
-      <p:sp>
-        <p:nvSpPr>
-          <p:cNvPr id="4" name="Slide Number Placeholder 3"/>
-          <p:cNvSpPr>
-            <a:spLocks noGrp="1"/>
-          </p:cNvSpPr>
-          <p:nvPr>
-            <p:ph type="sldNum" sz="quarter" idx="10"/>
-          </p:nvPr>
-        </p:nvSpPr>
-        <p:spPr/>
-        <p:txBody>
-          <a:bodyPr/>
-          <a:lstStyle/>
-          <a:p>
-            <a:fld id="{19B87A38-3CEC-41F8-9B8A-7D549F200228}" type="slidenum">
-              <a:rPr lang="en-US" smtClean="0"/>
-              <a:t>6</a:t>
-            </a:fld>
             <a:endParaRPr lang="en-US" dirty="0"/>
           </a:p>
         </p:txBody>
@@ -1626,259 +1139,7 @@
     </p:spTree>
     <p:extLst>
       <p:ext uri="{BB962C8B-B14F-4D97-AF65-F5344CB8AC3E}">
-        <p14:creationId xmlns:p14="http://schemas.microsoft.com/office/powerpoint/2010/main" val="4288609631"/>
-      </p:ext>
-    </p:extLst>
-  </p:cSld>
-  <p:clrMapOvr>
-    <a:masterClrMapping/>
-  </p:clrMapOvr>
-</p:notes>
-</file>
-
-<file path=ppt/notesSlides/notesSlide7.xml><?xml version="1.0" encoding="utf-8"?>
-<p:notes xmlns:a="http://schemas.openxmlformats.org/drawingml/2006/main" xmlns:r="http://schemas.openxmlformats.org/officeDocument/2006/relationships" xmlns:p="http://schemas.openxmlformats.org/presentationml/2006/main">
-  <p:cSld>
-    <p:spTree>
-      <p:nvGrpSpPr>
-        <p:cNvPr id="1" name=""/>
-        <p:cNvGrpSpPr/>
-        <p:nvPr/>
-      </p:nvGrpSpPr>
-      <p:grpSpPr>
-        <a:xfrm>
-          <a:off x="0" y="0"/>
-          <a:ext cx="0" cy="0"/>
-          <a:chOff x="0" y="0"/>
-          <a:chExt cx="0" cy="0"/>
-        </a:xfrm>
-      </p:grpSpPr>
-      <p:sp>
-        <p:nvSpPr>
-          <p:cNvPr id="2" name="Slide Image Placeholder 1"/>
-          <p:cNvSpPr>
-            <a:spLocks noGrp="1" noRot="1" noChangeAspect="1"/>
-          </p:cNvSpPr>
-          <p:nvPr>
-            <p:ph type="sldImg"/>
-          </p:nvPr>
-        </p:nvSpPr>
-        <p:spPr/>
-      </p:sp>
-      <p:sp>
-        <p:nvSpPr>
-          <p:cNvPr id="3" name="Notes Placeholder 2"/>
-          <p:cNvSpPr>
-            <a:spLocks noGrp="1"/>
-          </p:cNvSpPr>
-          <p:nvPr>
-            <p:ph type="body" idx="1"/>
-          </p:nvPr>
-        </p:nvSpPr>
-        <p:spPr/>
-        <p:txBody>
-          <a:bodyPr/>
-          <a:lstStyle/>
-          <a:p>
-            <a:endParaRPr lang="en-US" dirty="0"/>
-          </a:p>
-        </p:txBody>
-      </p:sp>
-      <p:sp>
-        <p:nvSpPr>
-          <p:cNvPr id="4" name="Slide Number Placeholder 3"/>
-          <p:cNvSpPr>
-            <a:spLocks noGrp="1"/>
-          </p:cNvSpPr>
-          <p:nvPr>
-            <p:ph type="sldNum" sz="quarter" idx="10"/>
-          </p:nvPr>
-        </p:nvSpPr>
-        <p:spPr/>
-        <p:txBody>
-          <a:bodyPr/>
-          <a:lstStyle/>
-          <a:p>
-            <a:fld id="{19B87A38-3CEC-41F8-9B8A-7D549F200228}" type="slidenum">
-              <a:rPr lang="en-US" smtClean="0"/>
-              <a:t>7</a:t>
-            </a:fld>
-            <a:endParaRPr lang="en-US" dirty="0"/>
-          </a:p>
-        </p:txBody>
-      </p:sp>
-    </p:spTree>
-    <p:extLst>
-      <p:ext uri="{BB962C8B-B14F-4D97-AF65-F5344CB8AC3E}">
-        <p14:creationId xmlns:p14="http://schemas.microsoft.com/office/powerpoint/2010/main" val="4288609631"/>
-      </p:ext>
-    </p:extLst>
-  </p:cSld>
-  <p:clrMapOvr>
-    <a:masterClrMapping/>
-  </p:clrMapOvr>
-</p:notes>
-</file>
-
-<file path=ppt/notesSlides/notesSlide8.xml><?xml version="1.0" encoding="utf-8"?>
-<p:notes xmlns:a="http://schemas.openxmlformats.org/drawingml/2006/main" xmlns:r="http://schemas.openxmlformats.org/officeDocument/2006/relationships" xmlns:p="http://schemas.openxmlformats.org/presentationml/2006/main">
-  <p:cSld>
-    <p:spTree>
-      <p:nvGrpSpPr>
-        <p:cNvPr id="1" name=""/>
-        <p:cNvGrpSpPr/>
-        <p:nvPr/>
-      </p:nvGrpSpPr>
-      <p:grpSpPr>
-        <a:xfrm>
-          <a:off x="0" y="0"/>
-          <a:ext cx="0" cy="0"/>
-          <a:chOff x="0" y="0"/>
-          <a:chExt cx="0" cy="0"/>
-        </a:xfrm>
-      </p:grpSpPr>
-      <p:sp>
-        <p:nvSpPr>
-          <p:cNvPr id="2" name="Slide Image Placeholder 1"/>
-          <p:cNvSpPr>
-            <a:spLocks noGrp="1" noRot="1" noChangeAspect="1"/>
-          </p:cNvSpPr>
-          <p:nvPr>
-            <p:ph type="sldImg"/>
-          </p:nvPr>
-        </p:nvSpPr>
-        <p:spPr/>
-      </p:sp>
-      <p:sp>
-        <p:nvSpPr>
-          <p:cNvPr id="3" name="Notes Placeholder 2"/>
-          <p:cNvSpPr>
-            <a:spLocks noGrp="1"/>
-          </p:cNvSpPr>
-          <p:nvPr>
-            <p:ph type="body" idx="1"/>
-          </p:nvPr>
-        </p:nvSpPr>
-        <p:spPr/>
-        <p:txBody>
-          <a:bodyPr/>
-          <a:lstStyle/>
-          <a:p>
-            <a:endParaRPr lang="en-US" dirty="0"/>
-          </a:p>
-        </p:txBody>
-      </p:sp>
-      <p:sp>
-        <p:nvSpPr>
-          <p:cNvPr id="4" name="Slide Number Placeholder 3"/>
-          <p:cNvSpPr>
-            <a:spLocks noGrp="1"/>
-          </p:cNvSpPr>
-          <p:nvPr>
-            <p:ph type="sldNum" sz="quarter" idx="10"/>
-          </p:nvPr>
-        </p:nvSpPr>
-        <p:spPr/>
-        <p:txBody>
-          <a:bodyPr/>
-          <a:lstStyle/>
-          <a:p>
-            <a:fld id="{19B87A38-3CEC-41F8-9B8A-7D549F200228}" type="slidenum">
-              <a:rPr lang="en-US" smtClean="0"/>
-              <a:t>8</a:t>
-            </a:fld>
-            <a:endParaRPr lang="en-US" dirty="0"/>
-          </a:p>
-        </p:txBody>
-      </p:sp>
-    </p:spTree>
-    <p:extLst>
-      <p:ext uri="{BB962C8B-B14F-4D97-AF65-F5344CB8AC3E}">
-        <p14:creationId xmlns:p14="http://schemas.microsoft.com/office/powerpoint/2010/main" val="4288609631"/>
-      </p:ext>
-    </p:extLst>
-  </p:cSld>
-  <p:clrMapOvr>
-    <a:masterClrMapping/>
-  </p:clrMapOvr>
-</p:notes>
-</file>
-
-<file path=ppt/notesSlides/notesSlide9.xml><?xml version="1.0" encoding="utf-8"?>
-<p:notes xmlns:a="http://schemas.openxmlformats.org/drawingml/2006/main" xmlns:r="http://schemas.openxmlformats.org/officeDocument/2006/relationships" xmlns:p="http://schemas.openxmlformats.org/presentationml/2006/main">
-  <p:cSld>
-    <p:spTree>
-      <p:nvGrpSpPr>
-        <p:cNvPr id="1" name=""/>
-        <p:cNvGrpSpPr/>
-        <p:nvPr/>
-      </p:nvGrpSpPr>
-      <p:grpSpPr>
-        <a:xfrm>
-          <a:off x="0" y="0"/>
-          <a:ext cx="0" cy="0"/>
-          <a:chOff x="0" y="0"/>
-          <a:chExt cx="0" cy="0"/>
-        </a:xfrm>
-      </p:grpSpPr>
-      <p:sp>
-        <p:nvSpPr>
-          <p:cNvPr id="2" name="Slide Image Placeholder 1"/>
-          <p:cNvSpPr>
-            <a:spLocks noGrp="1" noRot="1" noChangeAspect="1"/>
-          </p:cNvSpPr>
-          <p:nvPr>
-            <p:ph type="sldImg"/>
-          </p:nvPr>
-        </p:nvSpPr>
-        <p:spPr/>
-      </p:sp>
-      <p:sp>
-        <p:nvSpPr>
-          <p:cNvPr id="3" name="Notes Placeholder 2"/>
-          <p:cNvSpPr>
-            <a:spLocks noGrp="1"/>
-          </p:cNvSpPr>
-          <p:nvPr>
-            <p:ph type="body" idx="1"/>
-          </p:nvPr>
-        </p:nvSpPr>
-        <p:spPr/>
-        <p:txBody>
-          <a:bodyPr/>
-          <a:lstStyle/>
-          <a:p>
-            <a:endParaRPr lang="en-US" dirty="0"/>
-          </a:p>
-        </p:txBody>
-      </p:sp>
-      <p:sp>
-        <p:nvSpPr>
-          <p:cNvPr id="4" name="Slide Number Placeholder 3"/>
-          <p:cNvSpPr>
-            <a:spLocks noGrp="1"/>
-          </p:cNvSpPr>
-          <p:nvPr>
-            <p:ph type="sldNum" sz="quarter" idx="10"/>
-          </p:nvPr>
-        </p:nvSpPr>
-        <p:spPr/>
-        <p:txBody>
-          <a:bodyPr/>
-          <a:lstStyle/>
-          <a:p>
-            <a:fld id="{19B87A38-3CEC-41F8-9B8A-7D549F200228}" type="slidenum">
-              <a:rPr lang="en-US" smtClean="0"/>
-              <a:t>9</a:t>
-            </a:fld>
-            <a:endParaRPr lang="en-US" dirty="0"/>
-          </a:p>
-        </p:txBody>
-      </p:sp>
-    </p:spTree>
-    <p:extLst>
-      <p:ext uri="{BB962C8B-B14F-4D97-AF65-F5344CB8AC3E}">
-        <p14:creationId xmlns:p14="http://schemas.microsoft.com/office/powerpoint/2010/main" val="4288609631"/>
+        <p14:creationId xmlns:p14="http://schemas.microsoft.com/office/powerpoint/2010/main" val="2318069329"/>
       </p:ext>
     </p:extLst>
   </p:cSld>
@@ -5879,7 +5140,23 @@
                 </a:effectLst>
                 <a:cs typeface="Arial"/>
               </a:rPr>
-              <a:t>Polyglot Persistence with Spring Data REST</a:t>
+              <a:t>Polyglot Persistence with Spring </a:t>
+            </a:r>
+            <a:r>
+              <a:rPr lang="en-US" sz="2800" spc="-100" dirty="0" smtClean="0">
+                <a:solidFill>
+                  <a:schemeClr val="bg1"/>
+                </a:solidFill>
+                <a:effectLst>
+                  <a:outerShdw blurRad="50800" dist="38100" dir="5400000" algn="t" rotWithShape="0">
+                    <a:prstClr val="black">
+                      <a:alpha val="40000"/>
+                    </a:prstClr>
+                  </a:outerShdw>
+                </a:effectLst>
+                <a:cs typeface="Arial"/>
+              </a:rPr>
+              <a:t>Data</a:t>
             </a:r>
             <a:endParaRPr lang="en-US" sz="2800" spc="-100" dirty="0">
               <a:solidFill>
@@ -5917,7 +5194,7 @@
 </p:sld>
 </file>
 
-<file path=ppt/slides/slide10.xml><?xml version="1.0" encoding="utf-8"?>
+<file path=ppt/slides/slide2.xml><?xml version="1.0" encoding="utf-8"?>
 <p:sld xmlns:a="http://schemas.openxmlformats.org/drawingml/2006/main" xmlns:r="http://schemas.openxmlformats.org/officeDocument/2006/relationships" xmlns:p="http://schemas.openxmlformats.org/presentationml/2006/main">
   <p:cSld>
     <p:spTree>
@@ -5951,13 +5228,94 @@
           <a:p>
             <a:r>
               <a:rPr lang="en-US" dirty="0" smtClean="0"/>
-              <a:t>Spring Data REST, what happens?</a:t>
+              <a:t>Spring Data</a:t>
             </a:r>
             <a:endParaRPr lang="en-US" dirty="0">
               <a:solidFill>
                 <a:srgbClr val="138A7E"/>
               </a:solidFill>
             </a:endParaRPr>
+          </a:p>
+        </p:txBody>
+      </p:sp>
+      <p:sp>
+        <p:nvSpPr>
+          <p:cNvPr id="3" name="Content Placeholder 2"/>
+          <p:cNvSpPr>
+            <a:spLocks noGrp="1"/>
+          </p:cNvSpPr>
+          <p:nvPr>
+            <p:ph sz="quarter" idx="10"/>
+          </p:nvPr>
+        </p:nvSpPr>
+        <p:spPr>
+          <a:xfrm>
+            <a:off x="457199" y="1108075"/>
+            <a:ext cx="8453121" cy="1381126"/>
+          </a:xfrm>
+        </p:spPr>
+        <p:txBody>
+          <a:bodyPr>
+            <a:normAutofit/>
+          </a:bodyPr>
+          <a:lstStyle/>
+          <a:p>
+            <a:pPr marL="0" indent="0">
+              <a:buNone/>
+            </a:pPr>
+            <a:r>
+              <a:rPr lang="en-US" sz="1400" dirty="0"/>
+              <a:t>Provides a </a:t>
+            </a:r>
+            <a:r>
+              <a:rPr lang="en-US" sz="1400" i="1" u="sng" dirty="0"/>
+              <a:t>familiar</a:t>
+            </a:r>
+            <a:r>
+              <a:rPr lang="en-US" sz="1400" dirty="0"/>
+              <a:t> and </a:t>
+            </a:r>
+            <a:r>
+              <a:rPr lang="en-US" sz="1400" i="1" u="sng" dirty="0"/>
+              <a:t>consistent</a:t>
+            </a:r>
+            <a:r>
+              <a:rPr lang="en-US" sz="1400" dirty="0"/>
+              <a:t>, Spring-based programming model for data access while still retaining the special traits of </a:t>
+            </a:r>
+            <a:r>
+              <a:rPr lang="en-US" sz="1400" dirty="0" smtClean="0"/>
+              <a:t>the </a:t>
+            </a:r>
+            <a:r>
+              <a:rPr lang="en-US" sz="1400" dirty="0"/>
+              <a:t>underlying data store. </a:t>
+            </a:r>
+            <a:endParaRPr lang="en-US" sz="1400" dirty="0" smtClean="0"/>
+          </a:p>
+          <a:p>
+            <a:pPr marL="0" indent="0">
+              <a:buNone/>
+            </a:pPr>
+            <a:endParaRPr lang="en-US" sz="1400" dirty="0"/>
+          </a:p>
+          <a:p>
+            <a:pPr marL="0" indent="0">
+              <a:buNone/>
+            </a:pPr>
+            <a:r>
+              <a:rPr lang="en-US" sz="1400" dirty="0"/>
+              <a:t>It makes it </a:t>
+            </a:r>
+            <a:r>
+              <a:rPr lang="en-US" sz="1400" i="1" u="sng" dirty="0"/>
+              <a:t>easy to use </a:t>
+            </a:r>
+            <a:r>
+              <a:rPr lang="en-US" sz="1400" dirty="0"/>
+              <a:t>data access technologies, relational and non-relational databases, map-reduce frameworks, and cloud-based data services.</a:t>
+            </a:r>
+            <a:endParaRPr lang="en-US" sz="1400" dirty="0" smtClean="0"/>
           </a:p>
         </p:txBody>
       </p:sp>
@@ -6144,8 +5502,8 @@
         </p:blipFill>
         <p:spPr>
           <a:xfrm>
-            <a:off x="2461261" y="957918"/>
-            <a:ext cx="4197233" cy="3441362"/>
+            <a:off x="640080" y="2754923"/>
+            <a:ext cx="7579360" cy="767653"/>
           </a:xfrm>
           <a:prstGeom prst="rect">
             <a:avLst/>
@@ -6155,7 +5513,7 @@
     </p:spTree>
     <p:extLst>
       <p:ext uri="{BB962C8B-B14F-4D97-AF65-F5344CB8AC3E}">
-        <p14:creationId xmlns:p14="http://schemas.microsoft.com/office/powerpoint/2010/main" val="3398137311"/>
+        <p14:creationId xmlns:p14="http://schemas.microsoft.com/office/powerpoint/2010/main" val="2318497596"/>
       </p:ext>
     </p:extLst>
   </p:cSld>
@@ -6180,7 +5538,7 @@
 </p:sld>
 </file>
 
-<file path=ppt/slides/slide11.xml><?xml version="1.0" encoding="utf-8"?>
+<file path=ppt/slides/slide3.xml><?xml version="1.0" encoding="utf-8"?>
 <p:sld xmlns:a="http://schemas.openxmlformats.org/drawingml/2006/main" xmlns:r="http://schemas.openxmlformats.org/officeDocument/2006/relationships" xmlns:p="http://schemas.openxmlformats.org/presentationml/2006/main">
   <p:cSld>
     <p:spTree>
@@ -6214,13 +5572,45 @@
           <a:p>
             <a:r>
               <a:rPr lang="en-US" dirty="0" smtClean="0"/>
-              <a:t>MongoRepository</a:t>
+              <a:t>Spring Data JPA</a:t>
             </a:r>
             <a:endParaRPr lang="en-US" dirty="0">
               <a:solidFill>
                 <a:srgbClr val="138A7E"/>
               </a:solidFill>
             </a:endParaRPr>
+          </a:p>
+        </p:txBody>
+      </p:sp>
+      <p:sp>
+        <p:nvSpPr>
+          <p:cNvPr id="3" name="Content Placeholder 2"/>
+          <p:cNvSpPr>
+            <a:spLocks noGrp="1"/>
+          </p:cNvSpPr>
+          <p:nvPr>
+            <p:ph sz="quarter" idx="10"/>
+          </p:nvPr>
+        </p:nvSpPr>
+        <p:spPr>
+          <a:xfrm>
+            <a:off x="457199" y="1108075"/>
+            <a:ext cx="2672081" cy="629285"/>
+          </a:xfrm>
+        </p:spPr>
+        <p:txBody>
+          <a:bodyPr>
+            <a:normAutofit/>
+          </a:bodyPr>
+          <a:lstStyle/>
+          <a:p>
+            <a:pPr marL="0" indent="0">
+              <a:buNone/>
+            </a:pPr>
+            <a:r>
+              <a:rPr lang="en-US" sz="1400" dirty="0" smtClean="0"/>
+              <a:t>Add the Spring Data JPA starter to our pom.xml file</a:t>
+            </a:r>
           </a:p>
         </p:txBody>
       </p:sp>
@@ -6391,9 +5781,179 @@
           </a:p>
         </p:txBody>
       </p:sp>
+      <p:sp>
+        <p:nvSpPr>
+          <p:cNvPr id="6" name="Content Placeholder 2"/>
+          <p:cNvSpPr txBox="1">
+            <a:spLocks/>
+          </p:cNvSpPr>
+          <p:nvPr/>
+        </p:nvSpPr>
+        <p:spPr>
+          <a:xfrm>
+            <a:off x="457199" y="2256155"/>
+            <a:ext cx="2672081" cy="629285"/>
+          </a:xfrm>
+          <a:prstGeom prst="rect">
+            <a:avLst/>
+          </a:prstGeom>
+        </p:spPr>
+        <p:txBody>
+          <a:bodyPr>
+            <a:normAutofit/>
+          </a:bodyPr>
+          <a:lstStyle>
+            <a:lvl1pPr marL="342900" indent="-342900" algn="l" defTabSz="457200" rtl="0" eaLnBrk="1" latinLnBrk="0" hangingPunct="1">
+              <a:spcBef>
+                <a:spcPct val="20000"/>
+              </a:spcBef>
+              <a:buFont typeface="Arial"/>
+              <a:buChar char="•"/>
+              <a:defRPr sz="3200" kern="1200">
+                <a:solidFill>
+                  <a:schemeClr val="bg1"/>
+                </a:solidFill>
+                <a:latin typeface="Arial" panose="020B0604020202020204" pitchFamily="34" charset="0"/>
+                <a:ea typeface="+mn-ea"/>
+                <a:cs typeface="Arial" panose="020B0604020202020204" pitchFamily="34" charset="0"/>
+              </a:defRPr>
+            </a:lvl1pPr>
+            <a:lvl2pPr marL="742950" indent="-285750" algn="l" defTabSz="457200" rtl="0" eaLnBrk="1" latinLnBrk="0" hangingPunct="1">
+              <a:spcBef>
+                <a:spcPct val="20000"/>
+              </a:spcBef>
+              <a:buFont typeface="Arial"/>
+              <a:buChar char="–"/>
+              <a:defRPr sz="2800" kern="1200">
+                <a:solidFill>
+                  <a:schemeClr val="bg1"/>
+                </a:solidFill>
+                <a:latin typeface="Arial" panose="020B0604020202020204" pitchFamily="34" charset="0"/>
+                <a:ea typeface="+mn-ea"/>
+                <a:cs typeface="Arial" panose="020B0604020202020204" pitchFamily="34" charset="0"/>
+              </a:defRPr>
+            </a:lvl2pPr>
+            <a:lvl3pPr marL="1143000" indent="-228600" algn="l" defTabSz="457200" rtl="0" eaLnBrk="1" latinLnBrk="0" hangingPunct="1">
+              <a:spcBef>
+                <a:spcPct val="20000"/>
+              </a:spcBef>
+              <a:buFont typeface="Arial"/>
+              <a:buChar char="•"/>
+              <a:defRPr sz="2400" kern="1200">
+                <a:solidFill>
+                  <a:schemeClr val="bg1"/>
+                </a:solidFill>
+                <a:latin typeface="Arial" panose="020B0604020202020204" pitchFamily="34" charset="0"/>
+                <a:ea typeface="+mn-ea"/>
+                <a:cs typeface="Arial" panose="020B0604020202020204" pitchFamily="34" charset="0"/>
+              </a:defRPr>
+            </a:lvl3pPr>
+            <a:lvl4pPr marL="1600200" indent="-228600" algn="l" defTabSz="457200" rtl="0" eaLnBrk="1" latinLnBrk="0" hangingPunct="1">
+              <a:spcBef>
+                <a:spcPct val="20000"/>
+              </a:spcBef>
+              <a:buFont typeface="Arial"/>
+              <a:buChar char="–"/>
+              <a:defRPr sz="2000" kern="1200">
+                <a:solidFill>
+                  <a:schemeClr val="bg1"/>
+                </a:solidFill>
+                <a:latin typeface="Arial" panose="020B0604020202020204" pitchFamily="34" charset="0"/>
+                <a:ea typeface="+mn-ea"/>
+                <a:cs typeface="Arial" panose="020B0604020202020204" pitchFamily="34" charset="0"/>
+              </a:defRPr>
+            </a:lvl4pPr>
+            <a:lvl5pPr marL="2057400" indent="-228600" algn="l" defTabSz="457200" rtl="0" eaLnBrk="1" latinLnBrk="0" hangingPunct="1">
+              <a:spcBef>
+                <a:spcPct val="20000"/>
+              </a:spcBef>
+              <a:buFont typeface="Arial"/>
+              <a:buChar char="»"/>
+              <a:defRPr sz="2000" kern="1200">
+                <a:solidFill>
+                  <a:schemeClr val="bg1"/>
+                </a:solidFill>
+                <a:latin typeface="Arial" panose="020B0604020202020204" pitchFamily="34" charset="0"/>
+                <a:ea typeface="+mn-ea"/>
+                <a:cs typeface="Arial" panose="020B0604020202020204" pitchFamily="34" charset="0"/>
+              </a:defRPr>
+            </a:lvl5pPr>
+            <a:lvl6pPr marL="2514600" indent="-228600" algn="l" defTabSz="457200" rtl="0" eaLnBrk="1" latinLnBrk="0" hangingPunct="1">
+              <a:spcBef>
+                <a:spcPct val="20000"/>
+              </a:spcBef>
+              <a:buFont typeface="Arial"/>
+              <a:buChar char="•"/>
+              <a:defRPr sz="2000" kern="1200">
+                <a:solidFill>
+                  <a:schemeClr val="tx1"/>
+                </a:solidFill>
+                <a:latin typeface="+mn-lt"/>
+                <a:ea typeface="+mn-ea"/>
+                <a:cs typeface="+mn-cs"/>
+              </a:defRPr>
+            </a:lvl6pPr>
+            <a:lvl7pPr marL="2971800" indent="-228600" algn="l" defTabSz="457200" rtl="0" eaLnBrk="1" latinLnBrk="0" hangingPunct="1">
+              <a:spcBef>
+                <a:spcPct val="20000"/>
+              </a:spcBef>
+              <a:buFont typeface="Arial"/>
+              <a:buChar char="•"/>
+              <a:defRPr sz="2000" kern="1200">
+                <a:solidFill>
+                  <a:schemeClr val="tx1"/>
+                </a:solidFill>
+                <a:latin typeface="+mn-lt"/>
+                <a:ea typeface="+mn-ea"/>
+                <a:cs typeface="+mn-cs"/>
+              </a:defRPr>
+            </a:lvl7pPr>
+            <a:lvl8pPr marL="3429000" indent="-228600" algn="l" defTabSz="457200" rtl="0" eaLnBrk="1" latinLnBrk="0" hangingPunct="1">
+              <a:spcBef>
+                <a:spcPct val="20000"/>
+              </a:spcBef>
+              <a:buFont typeface="Arial"/>
+              <a:buChar char="•"/>
+              <a:defRPr sz="2000" kern="1200">
+                <a:solidFill>
+                  <a:schemeClr val="tx1"/>
+                </a:solidFill>
+                <a:latin typeface="+mn-lt"/>
+                <a:ea typeface="+mn-ea"/>
+                <a:cs typeface="+mn-cs"/>
+              </a:defRPr>
+            </a:lvl8pPr>
+            <a:lvl9pPr marL="3886200" indent="-228600" algn="l" defTabSz="457200" rtl="0" eaLnBrk="1" latinLnBrk="0" hangingPunct="1">
+              <a:spcBef>
+                <a:spcPct val="20000"/>
+              </a:spcBef>
+              <a:buFont typeface="Arial"/>
+              <a:buChar char="•"/>
+              <a:defRPr sz="2000" kern="1200">
+                <a:solidFill>
+                  <a:schemeClr val="tx1"/>
+                </a:solidFill>
+                <a:latin typeface="+mn-lt"/>
+                <a:ea typeface="+mn-ea"/>
+                <a:cs typeface="+mn-cs"/>
+              </a:defRPr>
+            </a:lvl9pPr>
+          </a:lstStyle>
+          <a:p>
+            <a:pPr marL="0" indent="0">
+              <a:buFont typeface="Arial"/>
+              <a:buNone/>
+            </a:pPr>
+            <a:r>
+              <a:rPr lang="en-US" sz="1400" dirty="0" smtClean="0"/>
+              <a:t>Sprinkle a database connector into our pom.xml</a:t>
+            </a:r>
+          </a:p>
+        </p:txBody>
+      </p:sp>
       <p:pic>
         <p:nvPicPr>
-          <p:cNvPr id="4" name="Picture 3"/>
+          <p:cNvPr id="8" name="Picture 7"/>
           <p:cNvPicPr>
             <a:picLocks noChangeAspect="1"/>
           </p:cNvPicPr>
@@ -6407,8 +5967,250 @@
         </p:blipFill>
         <p:spPr>
           <a:xfrm>
-            <a:off x="292100" y="1907540"/>
-            <a:ext cx="8559800" cy="1714500"/>
+            <a:off x="3340100" y="2256155"/>
+            <a:ext cx="3886200" cy="1117600"/>
+          </a:xfrm>
+          <a:prstGeom prst="rect">
+            <a:avLst/>
+          </a:prstGeom>
+        </p:spPr>
+      </p:pic>
+      <p:pic>
+        <p:nvPicPr>
+          <p:cNvPr id="9" name="Picture 8"/>
+          <p:cNvPicPr>
+            <a:picLocks noChangeAspect="1"/>
+          </p:cNvPicPr>
+          <p:nvPr/>
+        </p:nvPicPr>
+        <p:blipFill>
+          <a:blip r:embed="rId4"/>
+          <a:stretch>
+            <a:fillRect/>
+          </a:stretch>
+        </p:blipFill>
+        <p:spPr>
+          <a:xfrm>
+            <a:off x="3340100" y="1018540"/>
+            <a:ext cx="5626100" cy="850900"/>
+          </a:xfrm>
+          <a:prstGeom prst="rect">
+            <a:avLst/>
+          </a:prstGeom>
+        </p:spPr>
+      </p:pic>
+      <p:pic>
+        <p:nvPicPr>
+          <p:cNvPr id="10" name="Picture 9"/>
+          <p:cNvPicPr>
+            <a:picLocks noChangeAspect="1"/>
+          </p:cNvPicPr>
+          <p:nvPr/>
+        </p:nvPicPr>
+        <p:blipFill>
+          <a:blip r:embed="rId5"/>
+          <a:stretch>
+            <a:fillRect/>
+          </a:stretch>
+        </p:blipFill>
+        <p:spPr>
+          <a:xfrm>
+            <a:off x="3340100" y="3677920"/>
+            <a:ext cx="4051300" cy="660400"/>
+          </a:xfrm>
+          <a:prstGeom prst="rect">
+            <a:avLst/>
+          </a:prstGeom>
+        </p:spPr>
+      </p:pic>
+      <p:sp>
+        <p:nvSpPr>
+          <p:cNvPr id="11" name="Content Placeholder 2"/>
+          <p:cNvSpPr txBox="1">
+            <a:spLocks/>
+          </p:cNvSpPr>
+          <p:nvPr/>
+        </p:nvSpPr>
+        <p:spPr>
+          <a:xfrm>
+            <a:off x="457199" y="3576955"/>
+            <a:ext cx="2672081" cy="934084"/>
+          </a:xfrm>
+          <a:prstGeom prst="rect">
+            <a:avLst/>
+          </a:prstGeom>
+        </p:spPr>
+        <p:txBody>
+          <a:bodyPr>
+            <a:normAutofit lnSpcReduction="10000"/>
+          </a:bodyPr>
+          <a:lstStyle>
+            <a:lvl1pPr marL="342900" indent="-342900" algn="l" defTabSz="457200" rtl="0" eaLnBrk="1" latinLnBrk="0" hangingPunct="1">
+              <a:spcBef>
+                <a:spcPct val="20000"/>
+              </a:spcBef>
+              <a:buFont typeface="Arial"/>
+              <a:buChar char="•"/>
+              <a:defRPr sz="3200" kern="1200">
+                <a:solidFill>
+                  <a:schemeClr val="bg1"/>
+                </a:solidFill>
+                <a:latin typeface="Arial" panose="020B0604020202020204" pitchFamily="34" charset="0"/>
+                <a:ea typeface="+mn-ea"/>
+                <a:cs typeface="Arial" panose="020B0604020202020204" pitchFamily="34" charset="0"/>
+              </a:defRPr>
+            </a:lvl1pPr>
+            <a:lvl2pPr marL="742950" indent="-285750" algn="l" defTabSz="457200" rtl="0" eaLnBrk="1" latinLnBrk="0" hangingPunct="1">
+              <a:spcBef>
+                <a:spcPct val="20000"/>
+              </a:spcBef>
+              <a:buFont typeface="Arial"/>
+              <a:buChar char="–"/>
+              <a:defRPr sz="2800" kern="1200">
+                <a:solidFill>
+                  <a:schemeClr val="bg1"/>
+                </a:solidFill>
+                <a:latin typeface="Arial" panose="020B0604020202020204" pitchFamily="34" charset="0"/>
+                <a:ea typeface="+mn-ea"/>
+                <a:cs typeface="Arial" panose="020B0604020202020204" pitchFamily="34" charset="0"/>
+              </a:defRPr>
+            </a:lvl2pPr>
+            <a:lvl3pPr marL="1143000" indent="-228600" algn="l" defTabSz="457200" rtl="0" eaLnBrk="1" latinLnBrk="0" hangingPunct="1">
+              <a:spcBef>
+                <a:spcPct val="20000"/>
+              </a:spcBef>
+              <a:buFont typeface="Arial"/>
+              <a:buChar char="•"/>
+              <a:defRPr sz="2400" kern="1200">
+                <a:solidFill>
+                  <a:schemeClr val="bg1"/>
+                </a:solidFill>
+                <a:latin typeface="Arial" panose="020B0604020202020204" pitchFamily="34" charset="0"/>
+                <a:ea typeface="+mn-ea"/>
+                <a:cs typeface="Arial" panose="020B0604020202020204" pitchFamily="34" charset="0"/>
+              </a:defRPr>
+            </a:lvl3pPr>
+            <a:lvl4pPr marL="1600200" indent="-228600" algn="l" defTabSz="457200" rtl="0" eaLnBrk="1" latinLnBrk="0" hangingPunct="1">
+              <a:spcBef>
+                <a:spcPct val="20000"/>
+              </a:spcBef>
+              <a:buFont typeface="Arial"/>
+              <a:buChar char="–"/>
+              <a:defRPr sz="2000" kern="1200">
+                <a:solidFill>
+                  <a:schemeClr val="bg1"/>
+                </a:solidFill>
+                <a:latin typeface="Arial" panose="020B0604020202020204" pitchFamily="34" charset="0"/>
+                <a:ea typeface="+mn-ea"/>
+                <a:cs typeface="Arial" panose="020B0604020202020204" pitchFamily="34" charset="0"/>
+              </a:defRPr>
+            </a:lvl4pPr>
+            <a:lvl5pPr marL="2057400" indent="-228600" algn="l" defTabSz="457200" rtl="0" eaLnBrk="1" latinLnBrk="0" hangingPunct="1">
+              <a:spcBef>
+                <a:spcPct val="20000"/>
+              </a:spcBef>
+              <a:buFont typeface="Arial"/>
+              <a:buChar char="»"/>
+              <a:defRPr sz="2000" kern="1200">
+                <a:solidFill>
+                  <a:schemeClr val="bg1"/>
+                </a:solidFill>
+                <a:latin typeface="Arial" panose="020B0604020202020204" pitchFamily="34" charset="0"/>
+                <a:ea typeface="+mn-ea"/>
+                <a:cs typeface="Arial" panose="020B0604020202020204" pitchFamily="34" charset="0"/>
+              </a:defRPr>
+            </a:lvl5pPr>
+            <a:lvl6pPr marL="2514600" indent="-228600" algn="l" defTabSz="457200" rtl="0" eaLnBrk="1" latinLnBrk="0" hangingPunct="1">
+              <a:spcBef>
+                <a:spcPct val="20000"/>
+              </a:spcBef>
+              <a:buFont typeface="Arial"/>
+              <a:buChar char="•"/>
+              <a:defRPr sz="2000" kern="1200">
+                <a:solidFill>
+                  <a:schemeClr val="tx1"/>
+                </a:solidFill>
+                <a:latin typeface="+mn-lt"/>
+                <a:ea typeface="+mn-ea"/>
+                <a:cs typeface="+mn-cs"/>
+              </a:defRPr>
+            </a:lvl6pPr>
+            <a:lvl7pPr marL="2971800" indent="-228600" algn="l" defTabSz="457200" rtl="0" eaLnBrk="1" latinLnBrk="0" hangingPunct="1">
+              <a:spcBef>
+                <a:spcPct val="20000"/>
+              </a:spcBef>
+              <a:buFont typeface="Arial"/>
+              <a:buChar char="•"/>
+              <a:defRPr sz="2000" kern="1200">
+                <a:solidFill>
+                  <a:schemeClr val="tx1"/>
+                </a:solidFill>
+                <a:latin typeface="+mn-lt"/>
+                <a:ea typeface="+mn-ea"/>
+                <a:cs typeface="+mn-cs"/>
+              </a:defRPr>
+            </a:lvl7pPr>
+            <a:lvl8pPr marL="3429000" indent="-228600" algn="l" defTabSz="457200" rtl="0" eaLnBrk="1" latinLnBrk="0" hangingPunct="1">
+              <a:spcBef>
+                <a:spcPct val="20000"/>
+              </a:spcBef>
+              <a:buFont typeface="Arial"/>
+              <a:buChar char="•"/>
+              <a:defRPr sz="2000" kern="1200">
+                <a:solidFill>
+                  <a:schemeClr val="tx1"/>
+                </a:solidFill>
+                <a:latin typeface="+mn-lt"/>
+                <a:ea typeface="+mn-ea"/>
+                <a:cs typeface="+mn-cs"/>
+              </a:defRPr>
+            </a:lvl8pPr>
+            <a:lvl9pPr marL="3886200" indent="-228600" algn="l" defTabSz="457200" rtl="0" eaLnBrk="1" latinLnBrk="0" hangingPunct="1">
+              <a:spcBef>
+                <a:spcPct val="20000"/>
+              </a:spcBef>
+              <a:buFont typeface="Arial"/>
+              <a:buChar char="•"/>
+              <a:defRPr sz="2000" kern="1200">
+                <a:solidFill>
+                  <a:schemeClr val="tx1"/>
+                </a:solidFill>
+                <a:latin typeface="+mn-lt"/>
+                <a:ea typeface="+mn-ea"/>
+                <a:cs typeface="+mn-cs"/>
+              </a:defRPr>
+            </a:lvl9pPr>
+          </a:lstStyle>
+          <a:p>
+            <a:pPr marL="0" indent="0">
+              <a:buFont typeface="Arial"/>
+              <a:buNone/>
+            </a:pPr>
+            <a:r>
+              <a:rPr lang="en-US" sz="1400" dirty="0" smtClean="0"/>
+              <a:t>Sprinkle a little @EnableJpaRepositories annotation into our Spring Boot application</a:t>
+            </a:r>
+          </a:p>
+        </p:txBody>
+      </p:sp>
+      <p:pic>
+        <p:nvPicPr>
+          <p:cNvPr id="12" name="Picture 11"/>
+          <p:cNvPicPr>
+            <a:picLocks noChangeAspect="1"/>
+          </p:cNvPicPr>
+          <p:nvPr/>
+        </p:nvPicPr>
+        <p:blipFill>
+          <a:blip r:embed="rId6"/>
+          <a:stretch>
+            <a:fillRect/>
+          </a:stretch>
+        </p:blipFill>
+        <p:spPr>
+          <a:xfrm>
+            <a:off x="3042920" y="3677920"/>
+            <a:ext cx="2625753" cy="619125"/>
           </a:xfrm>
           <a:prstGeom prst="rect">
             <a:avLst/>
@@ -6418,7 +6220,7 @@
     </p:spTree>
     <p:extLst>
       <p:ext uri="{BB962C8B-B14F-4D97-AF65-F5344CB8AC3E}">
-        <p14:creationId xmlns:p14="http://schemas.microsoft.com/office/powerpoint/2010/main" val="4287873773"/>
+        <p14:creationId xmlns:p14="http://schemas.microsoft.com/office/powerpoint/2010/main" val="3482325928"/>
       </p:ext>
     </p:extLst>
   </p:cSld>
@@ -6443,7 +6245,7 @@
 </p:sld>
 </file>
 
-<file path=ppt/slides/slide12.xml><?xml version="1.0" encoding="utf-8"?>
+<file path=ppt/slides/slide4.xml><?xml version="1.0" encoding="utf-8"?>
 <p:sld xmlns:a="http://schemas.openxmlformats.org/drawingml/2006/main" xmlns:r="http://schemas.openxmlformats.org/officeDocument/2006/relationships" xmlns:p="http://schemas.openxmlformats.org/presentationml/2006/main">
   <p:cSld>
     <p:spTree>
@@ -6476,14 +6278,46 @@
           <a:lstStyle/>
           <a:p>
             <a:r>
-              <a:rPr lang="en-US" dirty="0" smtClean="0"/>
-              <a:t>RedisRepository</a:t>
+              <a:rPr lang="en-US" dirty="0"/>
+              <a:t>Spring Data JPA, @Entity &amp; Repository</a:t>
             </a:r>
             <a:endParaRPr lang="en-US" dirty="0">
               <a:solidFill>
                 <a:srgbClr val="138A7E"/>
               </a:solidFill>
             </a:endParaRPr>
+          </a:p>
+        </p:txBody>
+      </p:sp>
+      <p:sp>
+        <p:nvSpPr>
+          <p:cNvPr id="3" name="Content Placeholder 2"/>
+          <p:cNvSpPr>
+            <a:spLocks noGrp="1"/>
+          </p:cNvSpPr>
+          <p:nvPr>
+            <p:ph sz="quarter" idx="10"/>
+          </p:nvPr>
+        </p:nvSpPr>
+        <p:spPr>
+          <a:xfrm>
+            <a:off x="457199" y="1108075"/>
+            <a:ext cx="2976881" cy="629285"/>
+          </a:xfrm>
+        </p:spPr>
+        <p:txBody>
+          <a:bodyPr>
+            <a:normAutofit/>
+          </a:bodyPr>
+          <a:lstStyle/>
+          <a:p>
+            <a:pPr marL="0" indent="0">
+              <a:buNone/>
+            </a:pPr>
+            <a:r>
+              <a:rPr lang="en-US" sz="1400" dirty="0" smtClean="0"/>
+              <a:t>Let’s create an @Entity to manage</a:t>
+            </a:r>
           </a:p>
         </p:txBody>
       </p:sp>
@@ -6654,9 +6488,346 @@
           </a:p>
         </p:txBody>
       </p:sp>
+      <p:sp>
+        <p:nvSpPr>
+          <p:cNvPr id="6" name="Content Placeholder 2"/>
+          <p:cNvSpPr txBox="1">
+            <a:spLocks/>
+          </p:cNvSpPr>
+          <p:nvPr/>
+        </p:nvSpPr>
+        <p:spPr>
+          <a:xfrm>
+            <a:off x="457199" y="2256155"/>
+            <a:ext cx="2672081" cy="629285"/>
+          </a:xfrm>
+          <a:prstGeom prst="rect">
+            <a:avLst/>
+          </a:prstGeom>
+        </p:spPr>
+        <p:txBody>
+          <a:bodyPr>
+            <a:normAutofit/>
+          </a:bodyPr>
+          <a:lstStyle>
+            <a:lvl1pPr marL="342900" indent="-342900" algn="l" defTabSz="457200" rtl="0" eaLnBrk="1" latinLnBrk="0" hangingPunct="1">
+              <a:spcBef>
+                <a:spcPct val="20000"/>
+              </a:spcBef>
+              <a:buFont typeface="Arial"/>
+              <a:buChar char="•"/>
+              <a:defRPr sz="3200" kern="1200">
+                <a:solidFill>
+                  <a:schemeClr val="bg1"/>
+                </a:solidFill>
+                <a:latin typeface="Arial" panose="020B0604020202020204" pitchFamily="34" charset="0"/>
+                <a:ea typeface="+mn-ea"/>
+                <a:cs typeface="Arial" panose="020B0604020202020204" pitchFamily="34" charset="0"/>
+              </a:defRPr>
+            </a:lvl1pPr>
+            <a:lvl2pPr marL="742950" indent="-285750" algn="l" defTabSz="457200" rtl="0" eaLnBrk="1" latinLnBrk="0" hangingPunct="1">
+              <a:spcBef>
+                <a:spcPct val="20000"/>
+              </a:spcBef>
+              <a:buFont typeface="Arial"/>
+              <a:buChar char="–"/>
+              <a:defRPr sz="2800" kern="1200">
+                <a:solidFill>
+                  <a:schemeClr val="bg1"/>
+                </a:solidFill>
+                <a:latin typeface="Arial" panose="020B0604020202020204" pitchFamily="34" charset="0"/>
+                <a:ea typeface="+mn-ea"/>
+                <a:cs typeface="Arial" panose="020B0604020202020204" pitchFamily="34" charset="0"/>
+              </a:defRPr>
+            </a:lvl2pPr>
+            <a:lvl3pPr marL="1143000" indent="-228600" algn="l" defTabSz="457200" rtl="0" eaLnBrk="1" latinLnBrk="0" hangingPunct="1">
+              <a:spcBef>
+                <a:spcPct val="20000"/>
+              </a:spcBef>
+              <a:buFont typeface="Arial"/>
+              <a:buChar char="•"/>
+              <a:defRPr sz="2400" kern="1200">
+                <a:solidFill>
+                  <a:schemeClr val="bg1"/>
+                </a:solidFill>
+                <a:latin typeface="Arial" panose="020B0604020202020204" pitchFamily="34" charset="0"/>
+                <a:ea typeface="+mn-ea"/>
+                <a:cs typeface="Arial" panose="020B0604020202020204" pitchFamily="34" charset="0"/>
+              </a:defRPr>
+            </a:lvl3pPr>
+            <a:lvl4pPr marL="1600200" indent="-228600" algn="l" defTabSz="457200" rtl="0" eaLnBrk="1" latinLnBrk="0" hangingPunct="1">
+              <a:spcBef>
+                <a:spcPct val="20000"/>
+              </a:spcBef>
+              <a:buFont typeface="Arial"/>
+              <a:buChar char="–"/>
+              <a:defRPr sz="2000" kern="1200">
+                <a:solidFill>
+                  <a:schemeClr val="bg1"/>
+                </a:solidFill>
+                <a:latin typeface="Arial" panose="020B0604020202020204" pitchFamily="34" charset="0"/>
+                <a:ea typeface="+mn-ea"/>
+                <a:cs typeface="Arial" panose="020B0604020202020204" pitchFamily="34" charset="0"/>
+              </a:defRPr>
+            </a:lvl4pPr>
+            <a:lvl5pPr marL="2057400" indent="-228600" algn="l" defTabSz="457200" rtl="0" eaLnBrk="1" latinLnBrk="0" hangingPunct="1">
+              <a:spcBef>
+                <a:spcPct val="20000"/>
+              </a:spcBef>
+              <a:buFont typeface="Arial"/>
+              <a:buChar char="»"/>
+              <a:defRPr sz="2000" kern="1200">
+                <a:solidFill>
+                  <a:schemeClr val="bg1"/>
+                </a:solidFill>
+                <a:latin typeface="Arial" panose="020B0604020202020204" pitchFamily="34" charset="0"/>
+                <a:ea typeface="+mn-ea"/>
+                <a:cs typeface="Arial" panose="020B0604020202020204" pitchFamily="34" charset="0"/>
+              </a:defRPr>
+            </a:lvl5pPr>
+            <a:lvl6pPr marL="2514600" indent="-228600" algn="l" defTabSz="457200" rtl="0" eaLnBrk="1" latinLnBrk="0" hangingPunct="1">
+              <a:spcBef>
+                <a:spcPct val="20000"/>
+              </a:spcBef>
+              <a:buFont typeface="Arial"/>
+              <a:buChar char="•"/>
+              <a:defRPr sz="2000" kern="1200">
+                <a:solidFill>
+                  <a:schemeClr val="tx1"/>
+                </a:solidFill>
+                <a:latin typeface="+mn-lt"/>
+                <a:ea typeface="+mn-ea"/>
+                <a:cs typeface="+mn-cs"/>
+              </a:defRPr>
+            </a:lvl6pPr>
+            <a:lvl7pPr marL="2971800" indent="-228600" algn="l" defTabSz="457200" rtl="0" eaLnBrk="1" latinLnBrk="0" hangingPunct="1">
+              <a:spcBef>
+                <a:spcPct val="20000"/>
+              </a:spcBef>
+              <a:buFont typeface="Arial"/>
+              <a:buChar char="•"/>
+              <a:defRPr sz="2000" kern="1200">
+                <a:solidFill>
+                  <a:schemeClr val="tx1"/>
+                </a:solidFill>
+                <a:latin typeface="+mn-lt"/>
+                <a:ea typeface="+mn-ea"/>
+                <a:cs typeface="+mn-cs"/>
+              </a:defRPr>
+            </a:lvl7pPr>
+            <a:lvl8pPr marL="3429000" indent="-228600" algn="l" defTabSz="457200" rtl="0" eaLnBrk="1" latinLnBrk="0" hangingPunct="1">
+              <a:spcBef>
+                <a:spcPct val="20000"/>
+              </a:spcBef>
+              <a:buFont typeface="Arial"/>
+              <a:buChar char="•"/>
+              <a:defRPr sz="2000" kern="1200">
+                <a:solidFill>
+                  <a:schemeClr val="tx1"/>
+                </a:solidFill>
+                <a:latin typeface="+mn-lt"/>
+                <a:ea typeface="+mn-ea"/>
+                <a:cs typeface="+mn-cs"/>
+              </a:defRPr>
+            </a:lvl8pPr>
+            <a:lvl9pPr marL="3886200" indent="-228600" algn="l" defTabSz="457200" rtl="0" eaLnBrk="1" latinLnBrk="0" hangingPunct="1">
+              <a:spcBef>
+                <a:spcPct val="20000"/>
+              </a:spcBef>
+              <a:buFont typeface="Arial"/>
+              <a:buChar char="•"/>
+              <a:defRPr sz="2000" kern="1200">
+                <a:solidFill>
+                  <a:schemeClr val="tx1"/>
+                </a:solidFill>
+                <a:latin typeface="+mn-lt"/>
+                <a:ea typeface="+mn-ea"/>
+                <a:cs typeface="+mn-cs"/>
+              </a:defRPr>
+            </a:lvl9pPr>
+          </a:lstStyle>
+          <a:p>
+            <a:pPr marL="0" indent="0">
+              <a:buFont typeface="Arial"/>
+              <a:buNone/>
+            </a:pPr>
+            <a:endParaRPr lang="en-US" sz="1400" dirty="0" smtClean="0"/>
+          </a:p>
+        </p:txBody>
+      </p:sp>
+      <p:sp>
+        <p:nvSpPr>
+          <p:cNvPr id="10" name="Content Placeholder 2"/>
+          <p:cNvSpPr txBox="1">
+            <a:spLocks/>
+          </p:cNvSpPr>
+          <p:nvPr/>
+        </p:nvSpPr>
+        <p:spPr>
+          <a:xfrm>
+            <a:off x="439419" y="3140075"/>
+            <a:ext cx="2001521" cy="1472564"/>
+          </a:xfrm>
+          <a:prstGeom prst="rect">
+            <a:avLst/>
+          </a:prstGeom>
+        </p:spPr>
+        <p:txBody>
+          <a:bodyPr>
+            <a:normAutofit/>
+          </a:bodyPr>
+          <a:lstStyle>
+            <a:lvl1pPr marL="342900" indent="-342900" algn="l" defTabSz="457200" rtl="0" eaLnBrk="1" latinLnBrk="0" hangingPunct="1">
+              <a:spcBef>
+                <a:spcPct val="20000"/>
+              </a:spcBef>
+              <a:buFont typeface="Arial"/>
+              <a:buChar char="•"/>
+              <a:defRPr sz="3200" kern="1200">
+                <a:solidFill>
+                  <a:schemeClr val="bg1"/>
+                </a:solidFill>
+                <a:latin typeface="Arial" panose="020B0604020202020204" pitchFamily="34" charset="0"/>
+                <a:ea typeface="+mn-ea"/>
+                <a:cs typeface="Arial" panose="020B0604020202020204" pitchFamily="34" charset="0"/>
+              </a:defRPr>
+            </a:lvl1pPr>
+            <a:lvl2pPr marL="742950" indent="-285750" algn="l" defTabSz="457200" rtl="0" eaLnBrk="1" latinLnBrk="0" hangingPunct="1">
+              <a:spcBef>
+                <a:spcPct val="20000"/>
+              </a:spcBef>
+              <a:buFont typeface="Arial"/>
+              <a:buChar char="–"/>
+              <a:defRPr sz="2800" kern="1200">
+                <a:solidFill>
+                  <a:schemeClr val="bg1"/>
+                </a:solidFill>
+                <a:latin typeface="Arial" panose="020B0604020202020204" pitchFamily="34" charset="0"/>
+                <a:ea typeface="+mn-ea"/>
+                <a:cs typeface="Arial" panose="020B0604020202020204" pitchFamily="34" charset="0"/>
+              </a:defRPr>
+            </a:lvl2pPr>
+            <a:lvl3pPr marL="1143000" indent="-228600" algn="l" defTabSz="457200" rtl="0" eaLnBrk="1" latinLnBrk="0" hangingPunct="1">
+              <a:spcBef>
+                <a:spcPct val="20000"/>
+              </a:spcBef>
+              <a:buFont typeface="Arial"/>
+              <a:buChar char="•"/>
+              <a:defRPr sz="2400" kern="1200">
+                <a:solidFill>
+                  <a:schemeClr val="bg1"/>
+                </a:solidFill>
+                <a:latin typeface="Arial" panose="020B0604020202020204" pitchFamily="34" charset="0"/>
+                <a:ea typeface="+mn-ea"/>
+                <a:cs typeface="Arial" panose="020B0604020202020204" pitchFamily="34" charset="0"/>
+              </a:defRPr>
+            </a:lvl3pPr>
+            <a:lvl4pPr marL="1600200" indent="-228600" algn="l" defTabSz="457200" rtl="0" eaLnBrk="1" latinLnBrk="0" hangingPunct="1">
+              <a:spcBef>
+                <a:spcPct val="20000"/>
+              </a:spcBef>
+              <a:buFont typeface="Arial"/>
+              <a:buChar char="–"/>
+              <a:defRPr sz="2000" kern="1200">
+                <a:solidFill>
+                  <a:schemeClr val="bg1"/>
+                </a:solidFill>
+                <a:latin typeface="Arial" panose="020B0604020202020204" pitchFamily="34" charset="0"/>
+                <a:ea typeface="+mn-ea"/>
+                <a:cs typeface="Arial" panose="020B0604020202020204" pitchFamily="34" charset="0"/>
+              </a:defRPr>
+            </a:lvl4pPr>
+            <a:lvl5pPr marL="2057400" indent="-228600" algn="l" defTabSz="457200" rtl="0" eaLnBrk="1" latinLnBrk="0" hangingPunct="1">
+              <a:spcBef>
+                <a:spcPct val="20000"/>
+              </a:spcBef>
+              <a:buFont typeface="Arial"/>
+              <a:buChar char="»"/>
+              <a:defRPr sz="2000" kern="1200">
+                <a:solidFill>
+                  <a:schemeClr val="bg1"/>
+                </a:solidFill>
+                <a:latin typeface="Arial" panose="020B0604020202020204" pitchFamily="34" charset="0"/>
+                <a:ea typeface="+mn-ea"/>
+                <a:cs typeface="Arial" panose="020B0604020202020204" pitchFamily="34" charset="0"/>
+              </a:defRPr>
+            </a:lvl5pPr>
+            <a:lvl6pPr marL="2514600" indent="-228600" algn="l" defTabSz="457200" rtl="0" eaLnBrk="1" latinLnBrk="0" hangingPunct="1">
+              <a:spcBef>
+                <a:spcPct val="20000"/>
+              </a:spcBef>
+              <a:buFont typeface="Arial"/>
+              <a:buChar char="•"/>
+              <a:defRPr sz="2000" kern="1200">
+                <a:solidFill>
+                  <a:schemeClr val="tx1"/>
+                </a:solidFill>
+                <a:latin typeface="+mn-lt"/>
+                <a:ea typeface="+mn-ea"/>
+                <a:cs typeface="+mn-cs"/>
+              </a:defRPr>
+            </a:lvl6pPr>
+            <a:lvl7pPr marL="2971800" indent="-228600" algn="l" defTabSz="457200" rtl="0" eaLnBrk="1" latinLnBrk="0" hangingPunct="1">
+              <a:spcBef>
+                <a:spcPct val="20000"/>
+              </a:spcBef>
+              <a:buFont typeface="Arial"/>
+              <a:buChar char="•"/>
+              <a:defRPr sz="2000" kern="1200">
+                <a:solidFill>
+                  <a:schemeClr val="tx1"/>
+                </a:solidFill>
+                <a:latin typeface="+mn-lt"/>
+                <a:ea typeface="+mn-ea"/>
+                <a:cs typeface="+mn-cs"/>
+              </a:defRPr>
+            </a:lvl7pPr>
+            <a:lvl8pPr marL="3429000" indent="-228600" algn="l" defTabSz="457200" rtl="0" eaLnBrk="1" latinLnBrk="0" hangingPunct="1">
+              <a:spcBef>
+                <a:spcPct val="20000"/>
+              </a:spcBef>
+              <a:buFont typeface="Arial"/>
+              <a:buChar char="•"/>
+              <a:defRPr sz="2000" kern="1200">
+                <a:solidFill>
+                  <a:schemeClr val="tx1"/>
+                </a:solidFill>
+                <a:latin typeface="+mn-lt"/>
+                <a:ea typeface="+mn-ea"/>
+                <a:cs typeface="+mn-cs"/>
+              </a:defRPr>
+            </a:lvl8pPr>
+            <a:lvl9pPr marL="3886200" indent="-228600" algn="l" defTabSz="457200" rtl="0" eaLnBrk="1" latinLnBrk="0" hangingPunct="1">
+              <a:spcBef>
+                <a:spcPct val="20000"/>
+              </a:spcBef>
+              <a:buFont typeface="Arial"/>
+              <a:buChar char="•"/>
+              <a:defRPr sz="2000" kern="1200">
+                <a:solidFill>
+                  <a:schemeClr val="tx1"/>
+                </a:solidFill>
+                <a:latin typeface="+mn-lt"/>
+                <a:ea typeface="+mn-ea"/>
+                <a:cs typeface="+mn-cs"/>
+              </a:defRPr>
+            </a:lvl9pPr>
+          </a:lstStyle>
+          <a:p>
+            <a:pPr marL="0" indent="0">
+              <a:buFont typeface="Arial"/>
+              <a:buNone/>
+            </a:pPr>
+            <a:r>
+              <a:rPr lang="en-US" sz="1400" dirty="0" smtClean="0"/>
+              <a:t>Let’s create a JPA Repository to manage our @Entity</a:t>
+            </a:r>
+          </a:p>
+        </p:txBody>
+      </p:sp>
       <p:pic>
         <p:nvPicPr>
-          <p:cNvPr id="3" name="Picture 2"/>
+          <p:cNvPr id="4" name="Picture 3"/>
           <p:cNvPicPr>
             <a:picLocks noChangeAspect="1"/>
           </p:cNvPicPr>
@@ -6670,8 +6841,32 @@
         </p:blipFill>
         <p:spPr>
           <a:xfrm>
-            <a:off x="1295400" y="1981200"/>
-            <a:ext cx="6540500" cy="1168400"/>
+            <a:off x="3533140" y="960120"/>
+            <a:ext cx="4991100" cy="2374145"/>
+          </a:xfrm>
+          <a:prstGeom prst="rect">
+            <a:avLst/>
+          </a:prstGeom>
+        </p:spPr>
+      </p:pic>
+      <p:pic>
+        <p:nvPicPr>
+          <p:cNvPr id="5" name="Picture 4"/>
+          <p:cNvPicPr>
+            <a:picLocks noChangeAspect="1"/>
+          </p:cNvPicPr>
+          <p:nvPr/>
+        </p:nvPicPr>
+        <p:blipFill>
+          <a:blip r:embed="rId4"/>
+          <a:stretch>
+            <a:fillRect/>
+          </a:stretch>
+        </p:blipFill>
+        <p:spPr>
+          <a:xfrm>
+            <a:off x="1719580" y="3751580"/>
+            <a:ext cx="7289800" cy="635000"/>
           </a:xfrm>
           <a:prstGeom prst="rect">
             <a:avLst/>
@@ -6681,7 +6876,7 @@
     </p:spTree>
     <p:extLst>
       <p:ext uri="{BB962C8B-B14F-4D97-AF65-F5344CB8AC3E}">
-        <p14:creationId xmlns:p14="http://schemas.microsoft.com/office/powerpoint/2010/main" val="1531710761"/>
+        <p14:creationId xmlns:p14="http://schemas.microsoft.com/office/powerpoint/2010/main" val="2742572485"/>
       </p:ext>
     </p:extLst>
   </p:cSld>
@@ -6706,7 +6901,7 @@
 </p:sld>
 </file>
 
-<file path=ppt/slides/slide13.xml><?xml version="1.0" encoding="utf-8"?>
+<file path=ppt/slides/slide5.xml><?xml version="1.0" encoding="utf-8"?>
 <p:sld xmlns:a="http://schemas.openxmlformats.org/drawingml/2006/main" xmlns:r="http://schemas.openxmlformats.org/officeDocument/2006/relationships" xmlns:p="http://schemas.openxmlformats.org/presentationml/2006/main">
   <p:cSld>
     <p:spTree>
@@ -7221,7 +7416,7 @@
 </p:sld>
 </file>
 
-<file path=ppt/slides/slide14.xml><?xml version="1.0" encoding="utf-8"?>
+<file path=ppt/slides/slide6.xml><?xml version="1.0" encoding="utf-8"?>
 <p:sld xmlns:a="http://schemas.openxmlformats.org/drawingml/2006/main" xmlns:r="http://schemas.openxmlformats.org/officeDocument/2006/relationships" xmlns:p="http://schemas.openxmlformats.org/presentationml/2006/main">
   <p:cSld>
     <p:spTree>
@@ -7597,3780 +7792,6 @@
     </mc:Choice>
     <mc:Fallback xmlns="">
       <p:transition xmlns:p14="http://schemas.microsoft.com/office/powerpoint/2010/main"/>
-    </mc:Fallback>
-  </mc:AlternateContent>
-  <p:timing>
-    <p:tnLst>
-      <p:par>
-        <p:cTn xmlns:p14="http://schemas.microsoft.com/office/powerpoint/2010/main" id="1" dur="indefinite" restart="never" nodeType="tmRoot"/>
-      </p:par>
-    </p:tnLst>
-  </p:timing>
-</p:sld>
-</file>
-
-<file path=ppt/slides/slide2.xml><?xml version="1.0" encoding="utf-8"?>
-<p:sld xmlns:a="http://schemas.openxmlformats.org/drawingml/2006/main" xmlns:r="http://schemas.openxmlformats.org/officeDocument/2006/relationships" xmlns:p="http://schemas.openxmlformats.org/presentationml/2006/main">
-  <p:cSld>
-    <p:spTree>
-      <p:nvGrpSpPr>
-        <p:cNvPr id="1" name=""/>
-        <p:cNvGrpSpPr/>
-        <p:nvPr/>
-      </p:nvGrpSpPr>
-      <p:grpSpPr>
-        <a:xfrm>
-          <a:off x="0" y="0"/>
-          <a:ext cx="0" cy="0"/>
-          <a:chOff x="0" y="0"/>
-          <a:chExt cx="0" cy="0"/>
-        </a:xfrm>
-      </p:grpSpPr>
-      <p:sp>
-        <p:nvSpPr>
-          <p:cNvPr id="2" name="Title 1"/>
-          <p:cNvSpPr>
-            <a:spLocks noGrp="1"/>
-          </p:cNvSpPr>
-          <p:nvPr>
-            <p:ph type="title"/>
-          </p:nvPr>
-        </p:nvSpPr>
-        <p:spPr/>
-        <p:txBody>
-          <a:bodyPr/>
-          <a:lstStyle/>
-          <a:p>
-            <a:r>
-              <a:rPr lang="en-US" dirty="0" smtClean="0"/>
-              <a:t>Spring Data</a:t>
-            </a:r>
-            <a:endParaRPr lang="en-US" dirty="0">
-              <a:solidFill>
-                <a:srgbClr val="138A7E"/>
-              </a:solidFill>
-            </a:endParaRPr>
-          </a:p>
-        </p:txBody>
-      </p:sp>
-      <p:sp>
-        <p:nvSpPr>
-          <p:cNvPr id="3" name="Content Placeholder 2"/>
-          <p:cNvSpPr>
-            <a:spLocks noGrp="1"/>
-          </p:cNvSpPr>
-          <p:nvPr>
-            <p:ph sz="quarter" idx="10"/>
-          </p:nvPr>
-        </p:nvSpPr>
-        <p:spPr>
-          <a:xfrm>
-            <a:off x="457199" y="1108075"/>
-            <a:ext cx="8453121" cy="1381126"/>
-          </a:xfrm>
-        </p:spPr>
-        <p:txBody>
-          <a:bodyPr>
-            <a:normAutofit/>
-          </a:bodyPr>
-          <a:lstStyle/>
-          <a:p>
-            <a:pPr marL="0" indent="0">
-              <a:buNone/>
-            </a:pPr>
-            <a:r>
-              <a:rPr lang="en-US" sz="1400" dirty="0"/>
-              <a:t>Provides a </a:t>
-            </a:r>
-            <a:r>
-              <a:rPr lang="en-US" sz="1400" i="1" u="sng" dirty="0"/>
-              <a:t>familiar</a:t>
-            </a:r>
-            <a:r>
-              <a:rPr lang="en-US" sz="1400" dirty="0"/>
-              <a:t> and </a:t>
-            </a:r>
-            <a:r>
-              <a:rPr lang="en-US" sz="1400" i="1" u="sng" dirty="0"/>
-              <a:t>consistent</a:t>
-            </a:r>
-            <a:r>
-              <a:rPr lang="en-US" sz="1400" dirty="0"/>
-              <a:t>, Spring-based programming model for data access while still retaining the special traits of </a:t>
-            </a:r>
-            <a:r>
-              <a:rPr lang="en-US" sz="1400" dirty="0" smtClean="0"/>
-              <a:t>the </a:t>
-            </a:r>
-            <a:r>
-              <a:rPr lang="en-US" sz="1400" dirty="0"/>
-              <a:t>underlying data store. </a:t>
-            </a:r>
-            <a:endParaRPr lang="en-US" sz="1400" dirty="0" smtClean="0"/>
-          </a:p>
-          <a:p>
-            <a:pPr marL="0" indent="0">
-              <a:buNone/>
-            </a:pPr>
-            <a:endParaRPr lang="en-US" sz="1400" dirty="0"/>
-          </a:p>
-          <a:p>
-            <a:pPr marL="0" indent="0">
-              <a:buNone/>
-            </a:pPr>
-            <a:r>
-              <a:rPr lang="en-US" sz="1400" dirty="0"/>
-              <a:t>It makes it </a:t>
-            </a:r>
-            <a:r>
-              <a:rPr lang="en-US" sz="1400" i="1" u="sng" dirty="0"/>
-              <a:t>easy to use </a:t>
-            </a:r>
-            <a:r>
-              <a:rPr lang="en-US" sz="1400" dirty="0"/>
-              <a:t>data access technologies, relational and non-relational databases, map-reduce frameworks, and cloud-based data services.</a:t>
-            </a:r>
-            <a:endParaRPr lang="en-US" sz="1400" dirty="0" smtClean="0"/>
-          </a:p>
-        </p:txBody>
-      </p:sp>
-      <p:sp>
-        <p:nvSpPr>
-          <p:cNvPr id="7" name="Content Placeholder 2"/>
-          <p:cNvSpPr txBox="1">
-            <a:spLocks/>
-          </p:cNvSpPr>
-          <p:nvPr/>
-        </p:nvSpPr>
-        <p:spPr>
-          <a:xfrm>
-            <a:off x="3749040" y="2212656"/>
-            <a:ext cx="5080000" cy="2298383"/>
-          </a:xfrm>
-          <a:prstGeom prst="rect">
-            <a:avLst/>
-          </a:prstGeom>
-        </p:spPr>
-        <p:txBody>
-          <a:bodyPr>
-            <a:normAutofit/>
-          </a:bodyPr>
-          <a:lstStyle>
-            <a:lvl1pPr marL="342900" indent="-342900" algn="l" defTabSz="457200" rtl="0" eaLnBrk="1" latinLnBrk="0" hangingPunct="1">
-              <a:spcBef>
-                <a:spcPct val="20000"/>
-              </a:spcBef>
-              <a:buFont typeface="Arial"/>
-              <a:buChar char="•"/>
-              <a:defRPr sz="3200" kern="1200">
-                <a:solidFill>
-                  <a:schemeClr val="bg1"/>
-                </a:solidFill>
-                <a:latin typeface="Arial" panose="020B0604020202020204" pitchFamily="34" charset="0"/>
-                <a:ea typeface="+mn-ea"/>
-                <a:cs typeface="Arial" panose="020B0604020202020204" pitchFamily="34" charset="0"/>
-              </a:defRPr>
-            </a:lvl1pPr>
-            <a:lvl2pPr marL="742950" indent="-285750" algn="l" defTabSz="457200" rtl="0" eaLnBrk="1" latinLnBrk="0" hangingPunct="1">
-              <a:spcBef>
-                <a:spcPct val="20000"/>
-              </a:spcBef>
-              <a:buFont typeface="Arial"/>
-              <a:buChar char="–"/>
-              <a:defRPr sz="2800" kern="1200">
-                <a:solidFill>
-                  <a:schemeClr val="bg1"/>
-                </a:solidFill>
-                <a:latin typeface="Arial" panose="020B0604020202020204" pitchFamily="34" charset="0"/>
-                <a:ea typeface="+mn-ea"/>
-                <a:cs typeface="Arial" panose="020B0604020202020204" pitchFamily="34" charset="0"/>
-              </a:defRPr>
-            </a:lvl2pPr>
-            <a:lvl3pPr marL="1143000" indent="-228600" algn="l" defTabSz="457200" rtl="0" eaLnBrk="1" latinLnBrk="0" hangingPunct="1">
-              <a:spcBef>
-                <a:spcPct val="20000"/>
-              </a:spcBef>
-              <a:buFont typeface="Arial"/>
-              <a:buChar char="•"/>
-              <a:defRPr sz="2400" kern="1200">
-                <a:solidFill>
-                  <a:schemeClr val="bg1"/>
-                </a:solidFill>
-                <a:latin typeface="Arial" panose="020B0604020202020204" pitchFamily="34" charset="0"/>
-                <a:ea typeface="+mn-ea"/>
-                <a:cs typeface="Arial" panose="020B0604020202020204" pitchFamily="34" charset="0"/>
-              </a:defRPr>
-            </a:lvl3pPr>
-            <a:lvl4pPr marL="1600200" indent="-228600" algn="l" defTabSz="457200" rtl="0" eaLnBrk="1" latinLnBrk="0" hangingPunct="1">
-              <a:spcBef>
-                <a:spcPct val="20000"/>
-              </a:spcBef>
-              <a:buFont typeface="Arial"/>
-              <a:buChar char="–"/>
-              <a:defRPr sz="2000" kern="1200">
-                <a:solidFill>
-                  <a:schemeClr val="bg1"/>
-                </a:solidFill>
-                <a:latin typeface="Arial" panose="020B0604020202020204" pitchFamily="34" charset="0"/>
-                <a:ea typeface="+mn-ea"/>
-                <a:cs typeface="Arial" panose="020B0604020202020204" pitchFamily="34" charset="0"/>
-              </a:defRPr>
-            </a:lvl4pPr>
-            <a:lvl5pPr marL="2057400" indent="-228600" algn="l" defTabSz="457200" rtl="0" eaLnBrk="1" latinLnBrk="0" hangingPunct="1">
-              <a:spcBef>
-                <a:spcPct val="20000"/>
-              </a:spcBef>
-              <a:buFont typeface="Arial"/>
-              <a:buChar char="»"/>
-              <a:defRPr sz="2000" kern="1200">
-                <a:solidFill>
-                  <a:schemeClr val="bg1"/>
-                </a:solidFill>
-                <a:latin typeface="Arial" panose="020B0604020202020204" pitchFamily="34" charset="0"/>
-                <a:ea typeface="+mn-ea"/>
-                <a:cs typeface="Arial" panose="020B0604020202020204" pitchFamily="34" charset="0"/>
-              </a:defRPr>
-            </a:lvl5pPr>
-            <a:lvl6pPr marL="2514600" indent="-228600" algn="l" defTabSz="457200" rtl="0" eaLnBrk="1" latinLnBrk="0" hangingPunct="1">
-              <a:spcBef>
-                <a:spcPct val="20000"/>
-              </a:spcBef>
-              <a:buFont typeface="Arial"/>
-              <a:buChar char="•"/>
-              <a:defRPr sz="2000" kern="1200">
-                <a:solidFill>
-                  <a:schemeClr val="tx1"/>
-                </a:solidFill>
-                <a:latin typeface="+mn-lt"/>
-                <a:ea typeface="+mn-ea"/>
-                <a:cs typeface="+mn-cs"/>
-              </a:defRPr>
-            </a:lvl6pPr>
-            <a:lvl7pPr marL="2971800" indent="-228600" algn="l" defTabSz="457200" rtl="0" eaLnBrk="1" latinLnBrk="0" hangingPunct="1">
-              <a:spcBef>
-                <a:spcPct val="20000"/>
-              </a:spcBef>
-              <a:buFont typeface="Arial"/>
-              <a:buChar char="•"/>
-              <a:defRPr sz="2000" kern="1200">
-                <a:solidFill>
-                  <a:schemeClr val="tx1"/>
-                </a:solidFill>
-                <a:latin typeface="+mn-lt"/>
-                <a:ea typeface="+mn-ea"/>
-                <a:cs typeface="+mn-cs"/>
-              </a:defRPr>
-            </a:lvl7pPr>
-            <a:lvl8pPr marL="3429000" indent="-228600" algn="l" defTabSz="457200" rtl="0" eaLnBrk="1" latinLnBrk="0" hangingPunct="1">
-              <a:spcBef>
-                <a:spcPct val="20000"/>
-              </a:spcBef>
-              <a:buFont typeface="Arial"/>
-              <a:buChar char="•"/>
-              <a:defRPr sz="2000" kern="1200">
-                <a:solidFill>
-                  <a:schemeClr val="tx1"/>
-                </a:solidFill>
-                <a:latin typeface="+mn-lt"/>
-                <a:ea typeface="+mn-ea"/>
-                <a:cs typeface="+mn-cs"/>
-              </a:defRPr>
-            </a:lvl8pPr>
-            <a:lvl9pPr marL="3886200" indent="-228600" algn="l" defTabSz="457200" rtl="0" eaLnBrk="1" latinLnBrk="0" hangingPunct="1">
-              <a:spcBef>
-                <a:spcPct val="20000"/>
-              </a:spcBef>
-              <a:buFont typeface="Arial"/>
-              <a:buChar char="•"/>
-              <a:defRPr sz="2000" kern="1200">
-                <a:solidFill>
-                  <a:schemeClr val="tx1"/>
-                </a:solidFill>
-                <a:latin typeface="+mn-lt"/>
-                <a:ea typeface="+mn-ea"/>
-                <a:cs typeface="+mn-cs"/>
-              </a:defRPr>
-            </a:lvl9pPr>
-          </a:lstStyle>
-          <a:p>
-            <a:pPr marL="0" indent="0">
-              <a:buFont typeface="Arial"/>
-              <a:buNone/>
-            </a:pPr>
-            <a:endParaRPr lang="en-US" sz="1400" dirty="0" smtClean="0"/>
-          </a:p>
-        </p:txBody>
-      </p:sp>
-      <p:pic>
-        <p:nvPicPr>
-          <p:cNvPr id="4" name="Picture 3"/>
-          <p:cNvPicPr>
-            <a:picLocks noChangeAspect="1"/>
-          </p:cNvPicPr>
-          <p:nvPr/>
-        </p:nvPicPr>
-        <p:blipFill>
-          <a:blip r:embed="rId3"/>
-          <a:stretch>
-            <a:fillRect/>
-          </a:stretch>
-        </p:blipFill>
-        <p:spPr>
-          <a:xfrm>
-            <a:off x="640080" y="2754923"/>
-            <a:ext cx="7579360" cy="767653"/>
-          </a:xfrm>
-          <a:prstGeom prst="rect">
-            <a:avLst/>
-          </a:prstGeom>
-        </p:spPr>
-      </p:pic>
-    </p:spTree>
-    <p:extLst>
-      <p:ext uri="{BB962C8B-B14F-4D97-AF65-F5344CB8AC3E}">
-        <p14:creationId xmlns:p14="http://schemas.microsoft.com/office/powerpoint/2010/main" val="2318497596"/>
-      </p:ext>
-    </p:extLst>
-  </p:cSld>
-  <p:clrMapOvr>
-    <a:masterClrMapping/>
-  </p:clrMapOvr>
-  <mc:AlternateContent xmlns:mc="http://schemas.openxmlformats.org/markup-compatibility/2006" xmlns:p14="http://schemas.microsoft.com/office/powerpoint/2010/main">
-    <mc:Choice Requires="p14">
-      <p:transition spd="slow" p14:dur="2000"/>
-    </mc:Choice>
-    <mc:Fallback xmlns="">
-      <p:transition xmlns:p14="http://schemas.microsoft.com/office/powerpoint/2010/main" spd="slow"/>
-    </mc:Fallback>
-  </mc:AlternateContent>
-  <p:timing>
-    <p:tnLst>
-      <p:par>
-        <p:cTn xmlns:p14="http://schemas.microsoft.com/office/powerpoint/2010/main" id="1" dur="indefinite" restart="never" nodeType="tmRoot"/>
-      </p:par>
-    </p:tnLst>
-  </p:timing>
-</p:sld>
-</file>
-
-<file path=ppt/slides/slide3.xml><?xml version="1.0" encoding="utf-8"?>
-<p:sld xmlns:a="http://schemas.openxmlformats.org/drawingml/2006/main" xmlns:r="http://schemas.openxmlformats.org/officeDocument/2006/relationships" xmlns:p="http://schemas.openxmlformats.org/presentationml/2006/main">
-  <p:cSld>
-    <p:spTree>
-      <p:nvGrpSpPr>
-        <p:cNvPr id="1" name=""/>
-        <p:cNvGrpSpPr/>
-        <p:nvPr/>
-      </p:nvGrpSpPr>
-      <p:grpSpPr>
-        <a:xfrm>
-          <a:off x="0" y="0"/>
-          <a:ext cx="0" cy="0"/>
-          <a:chOff x="0" y="0"/>
-          <a:chExt cx="0" cy="0"/>
-        </a:xfrm>
-      </p:grpSpPr>
-      <p:sp>
-        <p:nvSpPr>
-          <p:cNvPr id="2" name="Title 1"/>
-          <p:cNvSpPr>
-            <a:spLocks noGrp="1"/>
-          </p:cNvSpPr>
-          <p:nvPr>
-            <p:ph type="title"/>
-          </p:nvPr>
-        </p:nvSpPr>
-        <p:spPr/>
-        <p:txBody>
-          <a:bodyPr/>
-          <a:lstStyle/>
-          <a:p>
-            <a:r>
-              <a:rPr lang="en-US" dirty="0" smtClean="0"/>
-              <a:t>Spring Data JPA</a:t>
-            </a:r>
-            <a:endParaRPr lang="en-US" dirty="0">
-              <a:solidFill>
-                <a:srgbClr val="138A7E"/>
-              </a:solidFill>
-            </a:endParaRPr>
-          </a:p>
-        </p:txBody>
-      </p:sp>
-      <p:sp>
-        <p:nvSpPr>
-          <p:cNvPr id="3" name="Content Placeholder 2"/>
-          <p:cNvSpPr>
-            <a:spLocks noGrp="1"/>
-          </p:cNvSpPr>
-          <p:nvPr>
-            <p:ph sz="quarter" idx="10"/>
-          </p:nvPr>
-        </p:nvSpPr>
-        <p:spPr>
-          <a:xfrm>
-            <a:off x="457199" y="1108075"/>
-            <a:ext cx="2672081" cy="629285"/>
-          </a:xfrm>
-        </p:spPr>
-        <p:txBody>
-          <a:bodyPr>
-            <a:normAutofit/>
-          </a:bodyPr>
-          <a:lstStyle/>
-          <a:p>
-            <a:pPr marL="0" indent="0">
-              <a:buNone/>
-            </a:pPr>
-            <a:r>
-              <a:rPr lang="en-US" sz="1400" dirty="0" smtClean="0"/>
-              <a:t>Add the Spring Data JPA starter to our pom.xml file</a:t>
-            </a:r>
-          </a:p>
-        </p:txBody>
-      </p:sp>
-      <p:sp>
-        <p:nvSpPr>
-          <p:cNvPr id="7" name="Content Placeholder 2"/>
-          <p:cNvSpPr txBox="1">
-            <a:spLocks/>
-          </p:cNvSpPr>
-          <p:nvPr/>
-        </p:nvSpPr>
-        <p:spPr>
-          <a:xfrm>
-            <a:off x="3749040" y="2212656"/>
-            <a:ext cx="5080000" cy="2298383"/>
-          </a:xfrm>
-          <a:prstGeom prst="rect">
-            <a:avLst/>
-          </a:prstGeom>
-        </p:spPr>
-        <p:txBody>
-          <a:bodyPr>
-            <a:normAutofit/>
-          </a:bodyPr>
-          <a:lstStyle>
-            <a:lvl1pPr marL="342900" indent="-342900" algn="l" defTabSz="457200" rtl="0" eaLnBrk="1" latinLnBrk="0" hangingPunct="1">
-              <a:spcBef>
-                <a:spcPct val="20000"/>
-              </a:spcBef>
-              <a:buFont typeface="Arial"/>
-              <a:buChar char="•"/>
-              <a:defRPr sz="3200" kern="1200">
-                <a:solidFill>
-                  <a:schemeClr val="bg1"/>
-                </a:solidFill>
-                <a:latin typeface="Arial" panose="020B0604020202020204" pitchFamily="34" charset="0"/>
-                <a:ea typeface="+mn-ea"/>
-                <a:cs typeface="Arial" panose="020B0604020202020204" pitchFamily="34" charset="0"/>
-              </a:defRPr>
-            </a:lvl1pPr>
-            <a:lvl2pPr marL="742950" indent="-285750" algn="l" defTabSz="457200" rtl="0" eaLnBrk="1" latinLnBrk="0" hangingPunct="1">
-              <a:spcBef>
-                <a:spcPct val="20000"/>
-              </a:spcBef>
-              <a:buFont typeface="Arial"/>
-              <a:buChar char="–"/>
-              <a:defRPr sz="2800" kern="1200">
-                <a:solidFill>
-                  <a:schemeClr val="bg1"/>
-                </a:solidFill>
-                <a:latin typeface="Arial" panose="020B0604020202020204" pitchFamily="34" charset="0"/>
-                <a:ea typeface="+mn-ea"/>
-                <a:cs typeface="Arial" panose="020B0604020202020204" pitchFamily="34" charset="0"/>
-              </a:defRPr>
-            </a:lvl2pPr>
-            <a:lvl3pPr marL="1143000" indent="-228600" algn="l" defTabSz="457200" rtl="0" eaLnBrk="1" latinLnBrk="0" hangingPunct="1">
-              <a:spcBef>
-                <a:spcPct val="20000"/>
-              </a:spcBef>
-              <a:buFont typeface="Arial"/>
-              <a:buChar char="•"/>
-              <a:defRPr sz="2400" kern="1200">
-                <a:solidFill>
-                  <a:schemeClr val="bg1"/>
-                </a:solidFill>
-                <a:latin typeface="Arial" panose="020B0604020202020204" pitchFamily="34" charset="0"/>
-                <a:ea typeface="+mn-ea"/>
-                <a:cs typeface="Arial" panose="020B0604020202020204" pitchFamily="34" charset="0"/>
-              </a:defRPr>
-            </a:lvl3pPr>
-            <a:lvl4pPr marL="1600200" indent="-228600" algn="l" defTabSz="457200" rtl="0" eaLnBrk="1" latinLnBrk="0" hangingPunct="1">
-              <a:spcBef>
-                <a:spcPct val="20000"/>
-              </a:spcBef>
-              <a:buFont typeface="Arial"/>
-              <a:buChar char="–"/>
-              <a:defRPr sz="2000" kern="1200">
-                <a:solidFill>
-                  <a:schemeClr val="bg1"/>
-                </a:solidFill>
-                <a:latin typeface="Arial" panose="020B0604020202020204" pitchFamily="34" charset="0"/>
-                <a:ea typeface="+mn-ea"/>
-                <a:cs typeface="Arial" panose="020B0604020202020204" pitchFamily="34" charset="0"/>
-              </a:defRPr>
-            </a:lvl4pPr>
-            <a:lvl5pPr marL="2057400" indent="-228600" algn="l" defTabSz="457200" rtl="0" eaLnBrk="1" latinLnBrk="0" hangingPunct="1">
-              <a:spcBef>
-                <a:spcPct val="20000"/>
-              </a:spcBef>
-              <a:buFont typeface="Arial"/>
-              <a:buChar char="»"/>
-              <a:defRPr sz="2000" kern="1200">
-                <a:solidFill>
-                  <a:schemeClr val="bg1"/>
-                </a:solidFill>
-                <a:latin typeface="Arial" panose="020B0604020202020204" pitchFamily="34" charset="0"/>
-                <a:ea typeface="+mn-ea"/>
-                <a:cs typeface="Arial" panose="020B0604020202020204" pitchFamily="34" charset="0"/>
-              </a:defRPr>
-            </a:lvl5pPr>
-            <a:lvl6pPr marL="2514600" indent="-228600" algn="l" defTabSz="457200" rtl="0" eaLnBrk="1" latinLnBrk="0" hangingPunct="1">
-              <a:spcBef>
-                <a:spcPct val="20000"/>
-              </a:spcBef>
-              <a:buFont typeface="Arial"/>
-              <a:buChar char="•"/>
-              <a:defRPr sz="2000" kern="1200">
-                <a:solidFill>
-                  <a:schemeClr val="tx1"/>
-                </a:solidFill>
-                <a:latin typeface="+mn-lt"/>
-                <a:ea typeface="+mn-ea"/>
-                <a:cs typeface="+mn-cs"/>
-              </a:defRPr>
-            </a:lvl6pPr>
-            <a:lvl7pPr marL="2971800" indent="-228600" algn="l" defTabSz="457200" rtl="0" eaLnBrk="1" latinLnBrk="0" hangingPunct="1">
-              <a:spcBef>
-                <a:spcPct val="20000"/>
-              </a:spcBef>
-              <a:buFont typeface="Arial"/>
-              <a:buChar char="•"/>
-              <a:defRPr sz="2000" kern="1200">
-                <a:solidFill>
-                  <a:schemeClr val="tx1"/>
-                </a:solidFill>
-                <a:latin typeface="+mn-lt"/>
-                <a:ea typeface="+mn-ea"/>
-                <a:cs typeface="+mn-cs"/>
-              </a:defRPr>
-            </a:lvl7pPr>
-            <a:lvl8pPr marL="3429000" indent="-228600" algn="l" defTabSz="457200" rtl="0" eaLnBrk="1" latinLnBrk="0" hangingPunct="1">
-              <a:spcBef>
-                <a:spcPct val="20000"/>
-              </a:spcBef>
-              <a:buFont typeface="Arial"/>
-              <a:buChar char="•"/>
-              <a:defRPr sz="2000" kern="1200">
-                <a:solidFill>
-                  <a:schemeClr val="tx1"/>
-                </a:solidFill>
-                <a:latin typeface="+mn-lt"/>
-                <a:ea typeface="+mn-ea"/>
-                <a:cs typeface="+mn-cs"/>
-              </a:defRPr>
-            </a:lvl8pPr>
-            <a:lvl9pPr marL="3886200" indent="-228600" algn="l" defTabSz="457200" rtl="0" eaLnBrk="1" latinLnBrk="0" hangingPunct="1">
-              <a:spcBef>
-                <a:spcPct val="20000"/>
-              </a:spcBef>
-              <a:buFont typeface="Arial"/>
-              <a:buChar char="•"/>
-              <a:defRPr sz="2000" kern="1200">
-                <a:solidFill>
-                  <a:schemeClr val="tx1"/>
-                </a:solidFill>
-                <a:latin typeface="+mn-lt"/>
-                <a:ea typeface="+mn-ea"/>
-                <a:cs typeface="+mn-cs"/>
-              </a:defRPr>
-            </a:lvl9pPr>
-          </a:lstStyle>
-          <a:p>
-            <a:pPr marL="0" indent="0">
-              <a:buFont typeface="Arial"/>
-              <a:buNone/>
-            </a:pPr>
-            <a:endParaRPr lang="en-US" sz="1400" dirty="0" smtClean="0"/>
-          </a:p>
-        </p:txBody>
-      </p:sp>
-      <p:sp>
-        <p:nvSpPr>
-          <p:cNvPr id="6" name="Content Placeholder 2"/>
-          <p:cNvSpPr txBox="1">
-            <a:spLocks/>
-          </p:cNvSpPr>
-          <p:nvPr/>
-        </p:nvSpPr>
-        <p:spPr>
-          <a:xfrm>
-            <a:off x="457199" y="2256155"/>
-            <a:ext cx="2672081" cy="629285"/>
-          </a:xfrm>
-          <a:prstGeom prst="rect">
-            <a:avLst/>
-          </a:prstGeom>
-        </p:spPr>
-        <p:txBody>
-          <a:bodyPr>
-            <a:normAutofit/>
-          </a:bodyPr>
-          <a:lstStyle>
-            <a:lvl1pPr marL="342900" indent="-342900" algn="l" defTabSz="457200" rtl="0" eaLnBrk="1" latinLnBrk="0" hangingPunct="1">
-              <a:spcBef>
-                <a:spcPct val="20000"/>
-              </a:spcBef>
-              <a:buFont typeface="Arial"/>
-              <a:buChar char="•"/>
-              <a:defRPr sz="3200" kern="1200">
-                <a:solidFill>
-                  <a:schemeClr val="bg1"/>
-                </a:solidFill>
-                <a:latin typeface="Arial" panose="020B0604020202020204" pitchFamily="34" charset="0"/>
-                <a:ea typeface="+mn-ea"/>
-                <a:cs typeface="Arial" panose="020B0604020202020204" pitchFamily="34" charset="0"/>
-              </a:defRPr>
-            </a:lvl1pPr>
-            <a:lvl2pPr marL="742950" indent="-285750" algn="l" defTabSz="457200" rtl="0" eaLnBrk="1" latinLnBrk="0" hangingPunct="1">
-              <a:spcBef>
-                <a:spcPct val="20000"/>
-              </a:spcBef>
-              <a:buFont typeface="Arial"/>
-              <a:buChar char="–"/>
-              <a:defRPr sz="2800" kern="1200">
-                <a:solidFill>
-                  <a:schemeClr val="bg1"/>
-                </a:solidFill>
-                <a:latin typeface="Arial" panose="020B0604020202020204" pitchFamily="34" charset="0"/>
-                <a:ea typeface="+mn-ea"/>
-                <a:cs typeface="Arial" panose="020B0604020202020204" pitchFamily="34" charset="0"/>
-              </a:defRPr>
-            </a:lvl2pPr>
-            <a:lvl3pPr marL="1143000" indent="-228600" algn="l" defTabSz="457200" rtl="0" eaLnBrk="1" latinLnBrk="0" hangingPunct="1">
-              <a:spcBef>
-                <a:spcPct val="20000"/>
-              </a:spcBef>
-              <a:buFont typeface="Arial"/>
-              <a:buChar char="•"/>
-              <a:defRPr sz="2400" kern="1200">
-                <a:solidFill>
-                  <a:schemeClr val="bg1"/>
-                </a:solidFill>
-                <a:latin typeface="Arial" panose="020B0604020202020204" pitchFamily="34" charset="0"/>
-                <a:ea typeface="+mn-ea"/>
-                <a:cs typeface="Arial" panose="020B0604020202020204" pitchFamily="34" charset="0"/>
-              </a:defRPr>
-            </a:lvl3pPr>
-            <a:lvl4pPr marL="1600200" indent="-228600" algn="l" defTabSz="457200" rtl="0" eaLnBrk="1" latinLnBrk="0" hangingPunct="1">
-              <a:spcBef>
-                <a:spcPct val="20000"/>
-              </a:spcBef>
-              <a:buFont typeface="Arial"/>
-              <a:buChar char="–"/>
-              <a:defRPr sz="2000" kern="1200">
-                <a:solidFill>
-                  <a:schemeClr val="bg1"/>
-                </a:solidFill>
-                <a:latin typeface="Arial" panose="020B0604020202020204" pitchFamily="34" charset="0"/>
-                <a:ea typeface="+mn-ea"/>
-                <a:cs typeface="Arial" panose="020B0604020202020204" pitchFamily="34" charset="0"/>
-              </a:defRPr>
-            </a:lvl4pPr>
-            <a:lvl5pPr marL="2057400" indent="-228600" algn="l" defTabSz="457200" rtl="0" eaLnBrk="1" latinLnBrk="0" hangingPunct="1">
-              <a:spcBef>
-                <a:spcPct val="20000"/>
-              </a:spcBef>
-              <a:buFont typeface="Arial"/>
-              <a:buChar char="»"/>
-              <a:defRPr sz="2000" kern="1200">
-                <a:solidFill>
-                  <a:schemeClr val="bg1"/>
-                </a:solidFill>
-                <a:latin typeface="Arial" panose="020B0604020202020204" pitchFamily="34" charset="0"/>
-                <a:ea typeface="+mn-ea"/>
-                <a:cs typeface="Arial" panose="020B0604020202020204" pitchFamily="34" charset="0"/>
-              </a:defRPr>
-            </a:lvl5pPr>
-            <a:lvl6pPr marL="2514600" indent="-228600" algn="l" defTabSz="457200" rtl="0" eaLnBrk="1" latinLnBrk="0" hangingPunct="1">
-              <a:spcBef>
-                <a:spcPct val="20000"/>
-              </a:spcBef>
-              <a:buFont typeface="Arial"/>
-              <a:buChar char="•"/>
-              <a:defRPr sz="2000" kern="1200">
-                <a:solidFill>
-                  <a:schemeClr val="tx1"/>
-                </a:solidFill>
-                <a:latin typeface="+mn-lt"/>
-                <a:ea typeface="+mn-ea"/>
-                <a:cs typeface="+mn-cs"/>
-              </a:defRPr>
-            </a:lvl6pPr>
-            <a:lvl7pPr marL="2971800" indent="-228600" algn="l" defTabSz="457200" rtl="0" eaLnBrk="1" latinLnBrk="0" hangingPunct="1">
-              <a:spcBef>
-                <a:spcPct val="20000"/>
-              </a:spcBef>
-              <a:buFont typeface="Arial"/>
-              <a:buChar char="•"/>
-              <a:defRPr sz="2000" kern="1200">
-                <a:solidFill>
-                  <a:schemeClr val="tx1"/>
-                </a:solidFill>
-                <a:latin typeface="+mn-lt"/>
-                <a:ea typeface="+mn-ea"/>
-                <a:cs typeface="+mn-cs"/>
-              </a:defRPr>
-            </a:lvl7pPr>
-            <a:lvl8pPr marL="3429000" indent="-228600" algn="l" defTabSz="457200" rtl="0" eaLnBrk="1" latinLnBrk="0" hangingPunct="1">
-              <a:spcBef>
-                <a:spcPct val="20000"/>
-              </a:spcBef>
-              <a:buFont typeface="Arial"/>
-              <a:buChar char="•"/>
-              <a:defRPr sz="2000" kern="1200">
-                <a:solidFill>
-                  <a:schemeClr val="tx1"/>
-                </a:solidFill>
-                <a:latin typeface="+mn-lt"/>
-                <a:ea typeface="+mn-ea"/>
-                <a:cs typeface="+mn-cs"/>
-              </a:defRPr>
-            </a:lvl8pPr>
-            <a:lvl9pPr marL="3886200" indent="-228600" algn="l" defTabSz="457200" rtl="0" eaLnBrk="1" latinLnBrk="0" hangingPunct="1">
-              <a:spcBef>
-                <a:spcPct val="20000"/>
-              </a:spcBef>
-              <a:buFont typeface="Arial"/>
-              <a:buChar char="•"/>
-              <a:defRPr sz="2000" kern="1200">
-                <a:solidFill>
-                  <a:schemeClr val="tx1"/>
-                </a:solidFill>
-                <a:latin typeface="+mn-lt"/>
-                <a:ea typeface="+mn-ea"/>
-                <a:cs typeface="+mn-cs"/>
-              </a:defRPr>
-            </a:lvl9pPr>
-          </a:lstStyle>
-          <a:p>
-            <a:pPr marL="0" indent="0">
-              <a:buFont typeface="Arial"/>
-              <a:buNone/>
-            </a:pPr>
-            <a:r>
-              <a:rPr lang="en-US" sz="1400" dirty="0" smtClean="0"/>
-              <a:t>Sprinkle a database connector into our pom.xml</a:t>
-            </a:r>
-          </a:p>
-        </p:txBody>
-      </p:sp>
-      <p:pic>
-        <p:nvPicPr>
-          <p:cNvPr id="8" name="Picture 7"/>
-          <p:cNvPicPr>
-            <a:picLocks noChangeAspect="1"/>
-          </p:cNvPicPr>
-          <p:nvPr/>
-        </p:nvPicPr>
-        <p:blipFill>
-          <a:blip r:embed="rId3"/>
-          <a:stretch>
-            <a:fillRect/>
-          </a:stretch>
-        </p:blipFill>
-        <p:spPr>
-          <a:xfrm>
-            <a:off x="3340100" y="2256155"/>
-            <a:ext cx="3886200" cy="1117600"/>
-          </a:xfrm>
-          <a:prstGeom prst="rect">
-            <a:avLst/>
-          </a:prstGeom>
-        </p:spPr>
-      </p:pic>
-      <p:pic>
-        <p:nvPicPr>
-          <p:cNvPr id="9" name="Picture 8"/>
-          <p:cNvPicPr>
-            <a:picLocks noChangeAspect="1"/>
-          </p:cNvPicPr>
-          <p:nvPr/>
-        </p:nvPicPr>
-        <p:blipFill>
-          <a:blip r:embed="rId4"/>
-          <a:stretch>
-            <a:fillRect/>
-          </a:stretch>
-        </p:blipFill>
-        <p:spPr>
-          <a:xfrm>
-            <a:off x="3340100" y="1018540"/>
-            <a:ext cx="5626100" cy="850900"/>
-          </a:xfrm>
-          <a:prstGeom prst="rect">
-            <a:avLst/>
-          </a:prstGeom>
-        </p:spPr>
-      </p:pic>
-      <p:pic>
-        <p:nvPicPr>
-          <p:cNvPr id="10" name="Picture 9"/>
-          <p:cNvPicPr>
-            <a:picLocks noChangeAspect="1"/>
-          </p:cNvPicPr>
-          <p:nvPr/>
-        </p:nvPicPr>
-        <p:blipFill>
-          <a:blip r:embed="rId5"/>
-          <a:stretch>
-            <a:fillRect/>
-          </a:stretch>
-        </p:blipFill>
-        <p:spPr>
-          <a:xfrm>
-            <a:off x="3340100" y="3677920"/>
-            <a:ext cx="4051300" cy="660400"/>
-          </a:xfrm>
-          <a:prstGeom prst="rect">
-            <a:avLst/>
-          </a:prstGeom>
-        </p:spPr>
-      </p:pic>
-      <p:sp>
-        <p:nvSpPr>
-          <p:cNvPr id="11" name="Content Placeholder 2"/>
-          <p:cNvSpPr txBox="1">
-            <a:spLocks/>
-          </p:cNvSpPr>
-          <p:nvPr/>
-        </p:nvSpPr>
-        <p:spPr>
-          <a:xfrm>
-            <a:off x="457199" y="3576955"/>
-            <a:ext cx="2672081" cy="934084"/>
-          </a:xfrm>
-          <a:prstGeom prst="rect">
-            <a:avLst/>
-          </a:prstGeom>
-        </p:spPr>
-        <p:txBody>
-          <a:bodyPr>
-            <a:normAutofit lnSpcReduction="10000"/>
-          </a:bodyPr>
-          <a:lstStyle>
-            <a:lvl1pPr marL="342900" indent="-342900" algn="l" defTabSz="457200" rtl="0" eaLnBrk="1" latinLnBrk="0" hangingPunct="1">
-              <a:spcBef>
-                <a:spcPct val="20000"/>
-              </a:spcBef>
-              <a:buFont typeface="Arial"/>
-              <a:buChar char="•"/>
-              <a:defRPr sz="3200" kern="1200">
-                <a:solidFill>
-                  <a:schemeClr val="bg1"/>
-                </a:solidFill>
-                <a:latin typeface="Arial" panose="020B0604020202020204" pitchFamily="34" charset="0"/>
-                <a:ea typeface="+mn-ea"/>
-                <a:cs typeface="Arial" panose="020B0604020202020204" pitchFamily="34" charset="0"/>
-              </a:defRPr>
-            </a:lvl1pPr>
-            <a:lvl2pPr marL="742950" indent="-285750" algn="l" defTabSz="457200" rtl="0" eaLnBrk="1" latinLnBrk="0" hangingPunct="1">
-              <a:spcBef>
-                <a:spcPct val="20000"/>
-              </a:spcBef>
-              <a:buFont typeface="Arial"/>
-              <a:buChar char="–"/>
-              <a:defRPr sz="2800" kern="1200">
-                <a:solidFill>
-                  <a:schemeClr val="bg1"/>
-                </a:solidFill>
-                <a:latin typeface="Arial" panose="020B0604020202020204" pitchFamily="34" charset="0"/>
-                <a:ea typeface="+mn-ea"/>
-                <a:cs typeface="Arial" panose="020B0604020202020204" pitchFamily="34" charset="0"/>
-              </a:defRPr>
-            </a:lvl2pPr>
-            <a:lvl3pPr marL="1143000" indent="-228600" algn="l" defTabSz="457200" rtl="0" eaLnBrk="1" latinLnBrk="0" hangingPunct="1">
-              <a:spcBef>
-                <a:spcPct val="20000"/>
-              </a:spcBef>
-              <a:buFont typeface="Arial"/>
-              <a:buChar char="•"/>
-              <a:defRPr sz="2400" kern="1200">
-                <a:solidFill>
-                  <a:schemeClr val="bg1"/>
-                </a:solidFill>
-                <a:latin typeface="Arial" panose="020B0604020202020204" pitchFamily="34" charset="0"/>
-                <a:ea typeface="+mn-ea"/>
-                <a:cs typeface="Arial" panose="020B0604020202020204" pitchFamily="34" charset="0"/>
-              </a:defRPr>
-            </a:lvl3pPr>
-            <a:lvl4pPr marL="1600200" indent="-228600" algn="l" defTabSz="457200" rtl="0" eaLnBrk="1" latinLnBrk="0" hangingPunct="1">
-              <a:spcBef>
-                <a:spcPct val="20000"/>
-              </a:spcBef>
-              <a:buFont typeface="Arial"/>
-              <a:buChar char="–"/>
-              <a:defRPr sz="2000" kern="1200">
-                <a:solidFill>
-                  <a:schemeClr val="bg1"/>
-                </a:solidFill>
-                <a:latin typeface="Arial" panose="020B0604020202020204" pitchFamily="34" charset="0"/>
-                <a:ea typeface="+mn-ea"/>
-                <a:cs typeface="Arial" panose="020B0604020202020204" pitchFamily="34" charset="0"/>
-              </a:defRPr>
-            </a:lvl4pPr>
-            <a:lvl5pPr marL="2057400" indent="-228600" algn="l" defTabSz="457200" rtl="0" eaLnBrk="1" latinLnBrk="0" hangingPunct="1">
-              <a:spcBef>
-                <a:spcPct val="20000"/>
-              </a:spcBef>
-              <a:buFont typeface="Arial"/>
-              <a:buChar char="»"/>
-              <a:defRPr sz="2000" kern="1200">
-                <a:solidFill>
-                  <a:schemeClr val="bg1"/>
-                </a:solidFill>
-                <a:latin typeface="Arial" panose="020B0604020202020204" pitchFamily="34" charset="0"/>
-                <a:ea typeface="+mn-ea"/>
-                <a:cs typeface="Arial" panose="020B0604020202020204" pitchFamily="34" charset="0"/>
-              </a:defRPr>
-            </a:lvl5pPr>
-            <a:lvl6pPr marL="2514600" indent="-228600" algn="l" defTabSz="457200" rtl="0" eaLnBrk="1" latinLnBrk="0" hangingPunct="1">
-              <a:spcBef>
-                <a:spcPct val="20000"/>
-              </a:spcBef>
-              <a:buFont typeface="Arial"/>
-              <a:buChar char="•"/>
-              <a:defRPr sz="2000" kern="1200">
-                <a:solidFill>
-                  <a:schemeClr val="tx1"/>
-                </a:solidFill>
-                <a:latin typeface="+mn-lt"/>
-                <a:ea typeface="+mn-ea"/>
-                <a:cs typeface="+mn-cs"/>
-              </a:defRPr>
-            </a:lvl6pPr>
-            <a:lvl7pPr marL="2971800" indent="-228600" algn="l" defTabSz="457200" rtl="0" eaLnBrk="1" latinLnBrk="0" hangingPunct="1">
-              <a:spcBef>
-                <a:spcPct val="20000"/>
-              </a:spcBef>
-              <a:buFont typeface="Arial"/>
-              <a:buChar char="•"/>
-              <a:defRPr sz="2000" kern="1200">
-                <a:solidFill>
-                  <a:schemeClr val="tx1"/>
-                </a:solidFill>
-                <a:latin typeface="+mn-lt"/>
-                <a:ea typeface="+mn-ea"/>
-                <a:cs typeface="+mn-cs"/>
-              </a:defRPr>
-            </a:lvl7pPr>
-            <a:lvl8pPr marL="3429000" indent="-228600" algn="l" defTabSz="457200" rtl="0" eaLnBrk="1" latinLnBrk="0" hangingPunct="1">
-              <a:spcBef>
-                <a:spcPct val="20000"/>
-              </a:spcBef>
-              <a:buFont typeface="Arial"/>
-              <a:buChar char="•"/>
-              <a:defRPr sz="2000" kern="1200">
-                <a:solidFill>
-                  <a:schemeClr val="tx1"/>
-                </a:solidFill>
-                <a:latin typeface="+mn-lt"/>
-                <a:ea typeface="+mn-ea"/>
-                <a:cs typeface="+mn-cs"/>
-              </a:defRPr>
-            </a:lvl8pPr>
-            <a:lvl9pPr marL="3886200" indent="-228600" algn="l" defTabSz="457200" rtl="0" eaLnBrk="1" latinLnBrk="0" hangingPunct="1">
-              <a:spcBef>
-                <a:spcPct val="20000"/>
-              </a:spcBef>
-              <a:buFont typeface="Arial"/>
-              <a:buChar char="•"/>
-              <a:defRPr sz="2000" kern="1200">
-                <a:solidFill>
-                  <a:schemeClr val="tx1"/>
-                </a:solidFill>
-                <a:latin typeface="+mn-lt"/>
-                <a:ea typeface="+mn-ea"/>
-                <a:cs typeface="+mn-cs"/>
-              </a:defRPr>
-            </a:lvl9pPr>
-          </a:lstStyle>
-          <a:p>
-            <a:pPr marL="0" indent="0">
-              <a:buFont typeface="Arial"/>
-              <a:buNone/>
-            </a:pPr>
-            <a:r>
-              <a:rPr lang="en-US" sz="1400" dirty="0" smtClean="0"/>
-              <a:t>Sprinkle a little @EnableJpaRepositories annotation into our Spring Boot application</a:t>
-            </a:r>
-          </a:p>
-        </p:txBody>
-      </p:sp>
-      <p:pic>
-        <p:nvPicPr>
-          <p:cNvPr id="12" name="Picture 11"/>
-          <p:cNvPicPr>
-            <a:picLocks noChangeAspect="1"/>
-          </p:cNvPicPr>
-          <p:nvPr/>
-        </p:nvPicPr>
-        <p:blipFill>
-          <a:blip r:embed="rId6"/>
-          <a:stretch>
-            <a:fillRect/>
-          </a:stretch>
-        </p:blipFill>
-        <p:spPr>
-          <a:xfrm>
-            <a:off x="3042920" y="3677920"/>
-            <a:ext cx="2625753" cy="619125"/>
-          </a:xfrm>
-          <a:prstGeom prst="rect">
-            <a:avLst/>
-          </a:prstGeom>
-        </p:spPr>
-      </p:pic>
-    </p:spTree>
-    <p:extLst>
-      <p:ext uri="{BB962C8B-B14F-4D97-AF65-F5344CB8AC3E}">
-        <p14:creationId xmlns:p14="http://schemas.microsoft.com/office/powerpoint/2010/main" val="3482325928"/>
-      </p:ext>
-    </p:extLst>
-  </p:cSld>
-  <p:clrMapOvr>
-    <a:masterClrMapping/>
-  </p:clrMapOvr>
-  <mc:AlternateContent xmlns:mc="http://schemas.openxmlformats.org/markup-compatibility/2006" xmlns:p14="http://schemas.microsoft.com/office/powerpoint/2010/main">
-    <mc:Choice Requires="p14">
-      <p:transition spd="slow" p14:dur="2000"/>
-    </mc:Choice>
-    <mc:Fallback xmlns="">
-      <p:transition xmlns:p14="http://schemas.microsoft.com/office/powerpoint/2010/main" spd="slow"/>
-    </mc:Fallback>
-  </mc:AlternateContent>
-  <p:timing>
-    <p:tnLst>
-      <p:par>
-        <p:cTn xmlns:p14="http://schemas.microsoft.com/office/powerpoint/2010/main" id="1" dur="indefinite" restart="never" nodeType="tmRoot"/>
-      </p:par>
-    </p:tnLst>
-  </p:timing>
-</p:sld>
-</file>
-
-<file path=ppt/slides/slide4.xml><?xml version="1.0" encoding="utf-8"?>
-<p:sld xmlns:a="http://schemas.openxmlformats.org/drawingml/2006/main" xmlns:r="http://schemas.openxmlformats.org/officeDocument/2006/relationships" xmlns:p="http://schemas.openxmlformats.org/presentationml/2006/main">
-  <p:cSld>
-    <p:spTree>
-      <p:nvGrpSpPr>
-        <p:cNvPr id="1" name=""/>
-        <p:cNvGrpSpPr/>
-        <p:nvPr/>
-      </p:nvGrpSpPr>
-      <p:grpSpPr>
-        <a:xfrm>
-          <a:off x="0" y="0"/>
-          <a:ext cx="0" cy="0"/>
-          <a:chOff x="0" y="0"/>
-          <a:chExt cx="0" cy="0"/>
-        </a:xfrm>
-      </p:grpSpPr>
-      <p:sp>
-        <p:nvSpPr>
-          <p:cNvPr id="2" name="Title 1"/>
-          <p:cNvSpPr>
-            <a:spLocks noGrp="1"/>
-          </p:cNvSpPr>
-          <p:nvPr>
-            <p:ph type="title"/>
-          </p:nvPr>
-        </p:nvSpPr>
-        <p:spPr/>
-        <p:txBody>
-          <a:bodyPr/>
-          <a:lstStyle/>
-          <a:p>
-            <a:r>
-              <a:rPr lang="en-US" dirty="0"/>
-              <a:t>Spring Data JPA, @Entity &amp; Repository</a:t>
-            </a:r>
-            <a:endParaRPr lang="en-US" dirty="0">
-              <a:solidFill>
-                <a:srgbClr val="138A7E"/>
-              </a:solidFill>
-            </a:endParaRPr>
-          </a:p>
-        </p:txBody>
-      </p:sp>
-      <p:sp>
-        <p:nvSpPr>
-          <p:cNvPr id="3" name="Content Placeholder 2"/>
-          <p:cNvSpPr>
-            <a:spLocks noGrp="1"/>
-          </p:cNvSpPr>
-          <p:nvPr>
-            <p:ph sz="quarter" idx="10"/>
-          </p:nvPr>
-        </p:nvSpPr>
-        <p:spPr>
-          <a:xfrm>
-            <a:off x="457199" y="1108075"/>
-            <a:ext cx="2976881" cy="629285"/>
-          </a:xfrm>
-        </p:spPr>
-        <p:txBody>
-          <a:bodyPr>
-            <a:normAutofit/>
-          </a:bodyPr>
-          <a:lstStyle/>
-          <a:p>
-            <a:pPr marL="0" indent="0">
-              <a:buNone/>
-            </a:pPr>
-            <a:r>
-              <a:rPr lang="en-US" sz="1400" dirty="0" smtClean="0"/>
-              <a:t>Let’s create an @Entity to manage</a:t>
-            </a:r>
-          </a:p>
-        </p:txBody>
-      </p:sp>
-      <p:sp>
-        <p:nvSpPr>
-          <p:cNvPr id="7" name="Content Placeholder 2"/>
-          <p:cNvSpPr txBox="1">
-            <a:spLocks/>
-          </p:cNvSpPr>
-          <p:nvPr/>
-        </p:nvSpPr>
-        <p:spPr>
-          <a:xfrm>
-            <a:off x="3749040" y="2212656"/>
-            <a:ext cx="5080000" cy="2298383"/>
-          </a:xfrm>
-          <a:prstGeom prst="rect">
-            <a:avLst/>
-          </a:prstGeom>
-        </p:spPr>
-        <p:txBody>
-          <a:bodyPr>
-            <a:normAutofit/>
-          </a:bodyPr>
-          <a:lstStyle>
-            <a:lvl1pPr marL="342900" indent="-342900" algn="l" defTabSz="457200" rtl="0" eaLnBrk="1" latinLnBrk="0" hangingPunct="1">
-              <a:spcBef>
-                <a:spcPct val="20000"/>
-              </a:spcBef>
-              <a:buFont typeface="Arial"/>
-              <a:buChar char="•"/>
-              <a:defRPr sz="3200" kern="1200">
-                <a:solidFill>
-                  <a:schemeClr val="bg1"/>
-                </a:solidFill>
-                <a:latin typeface="Arial" panose="020B0604020202020204" pitchFamily="34" charset="0"/>
-                <a:ea typeface="+mn-ea"/>
-                <a:cs typeface="Arial" panose="020B0604020202020204" pitchFamily="34" charset="0"/>
-              </a:defRPr>
-            </a:lvl1pPr>
-            <a:lvl2pPr marL="742950" indent="-285750" algn="l" defTabSz="457200" rtl="0" eaLnBrk="1" latinLnBrk="0" hangingPunct="1">
-              <a:spcBef>
-                <a:spcPct val="20000"/>
-              </a:spcBef>
-              <a:buFont typeface="Arial"/>
-              <a:buChar char="–"/>
-              <a:defRPr sz="2800" kern="1200">
-                <a:solidFill>
-                  <a:schemeClr val="bg1"/>
-                </a:solidFill>
-                <a:latin typeface="Arial" panose="020B0604020202020204" pitchFamily="34" charset="0"/>
-                <a:ea typeface="+mn-ea"/>
-                <a:cs typeface="Arial" panose="020B0604020202020204" pitchFamily="34" charset="0"/>
-              </a:defRPr>
-            </a:lvl2pPr>
-            <a:lvl3pPr marL="1143000" indent="-228600" algn="l" defTabSz="457200" rtl="0" eaLnBrk="1" latinLnBrk="0" hangingPunct="1">
-              <a:spcBef>
-                <a:spcPct val="20000"/>
-              </a:spcBef>
-              <a:buFont typeface="Arial"/>
-              <a:buChar char="•"/>
-              <a:defRPr sz="2400" kern="1200">
-                <a:solidFill>
-                  <a:schemeClr val="bg1"/>
-                </a:solidFill>
-                <a:latin typeface="Arial" panose="020B0604020202020204" pitchFamily="34" charset="0"/>
-                <a:ea typeface="+mn-ea"/>
-                <a:cs typeface="Arial" panose="020B0604020202020204" pitchFamily="34" charset="0"/>
-              </a:defRPr>
-            </a:lvl3pPr>
-            <a:lvl4pPr marL="1600200" indent="-228600" algn="l" defTabSz="457200" rtl="0" eaLnBrk="1" latinLnBrk="0" hangingPunct="1">
-              <a:spcBef>
-                <a:spcPct val="20000"/>
-              </a:spcBef>
-              <a:buFont typeface="Arial"/>
-              <a:buChar char="–"/>
-              <a:defRPr sz="2000" kern="1200">
-                <a:solidFill>
-                  <a:schemeClr val="bg1"/>
-                </a:solidFill>
-                <a:latin typeface="Arial" panose="020B0604020202020204" pitchFamily="34" charset="0"/>
-                <a:ea typeface="+mn-ea"/>
-                <a:cs typeface="Arial" panose="020B0604020202020204" pitchFamily="34" charset="0"/>
-              </a:defRPr>
-            </a:lvl4pPr>
-            <a:lvl5pPr marL="2057400" indent="-228600" algn="l" defTabSz="457200" rtl="0" eaLnBrk="1" latinLnBrk="0" hangingPunct="1">
-              <a:spcBef>
-                <a:spcPct val="20000"/>
-              </a:spcBef>
-              <a:buFont typeface="Arial"/>
-              <a:buChar char="»"/>
-              <a:defRPr sz="2000" kern="1200">
-                <a:solidFill>
-                  <a:schemeClr val="bg1"/>
-                </a:solidFill>
-                <a:latin typeface="Arial" panose="020B0604020202020204" pitchFamily="34" charset="0"/>
-                <a:ea typeface="+mn-ea"/>
-                <a:cs typeface="Arial" panose="020B0604020202020204" pitchFamily="34" charset="0"/>
-              </a:defRPr>
-            </a:lvl5pPr>
-            <a:lvl6pPr marL="2514600" indent="-228600" algn="l" defTabSz="457200" rtl="0" eaLnBrk="1" latinLnBrk="0" hangingPunct="1">
-              <a:spcBef>
-                <a:spcPct val="20000"/>
-              </a:spcBef>
-              <a:buFont typeface="Arial"/>
-              <a:buChar char="•"/>
-              <a:defRPr sz="2000" kern="1200">
-                <a:solidFill>
-                  <a:schemeClr val="tx1"/>
-                </a:solidFill>
-                <a:latin typeface="+mn-lt"/>
-                <a:ea typeface="+mn-ea"/>
-                <a:cs typeface="+mn-cs"/>
-              </a:defRPr>
-            </a:lvl6pPr>
-            <a:lvl7pPr marL="2971800" indent="-228600" algn="l" defTabSz="457200" rtl="0" eaLnBrk="1" latinLnBrk="0" hangingPunct="1">
-              <a:spcBef>
-                <a:spcPct val="20000"/>
-              </a:spcBef>
-              <a:buFont typeface="Arial"/>
-              <a:buChar char="•"/>
-              <a:defRPr sz="2000" kern="1200">
-                <a:solidFill>
-                  <a:schemeClr val="tx1"/>
-                </a:solidFill>
-                <a:latin typeface="+mn-lt"/>
-                <a:ea typeface="+mn-ea"/>
-                <a:cs typeface="+mn-cs"/>
-              </a:defRPr>
-            </a:lvl7pPr>
-            <a:lvl8pPr marL="3429000" indent="-228600" algn="l" defTabSz="457200" rtl="0" eaLnBrk="1" latinLnBrk="0" hangingPunct="1">
-              <a:spcBef>
-                <a:spcPct val="20000"/>
-              </a:spcBef>
-              <a:buFont typeface="Arial"/>
-              <a:buChar char="•"/>
-              <a:defRPr sz="2000" kern="1200">
-                <a:solidFill>
-                  <a:schemeClr val="tx1"/>
-                </a:solidFill>
-                <a:latin typeface="+mn-lt"/>
-                <a:ea typeface="+mn-ea"/>
-                <a:cs typeface="+mn-cs"/>
-              </a:defRPr>
-            </a:lvl8pPr>
-            <a:lvl9pPr marL="3886200" indent="-228600" algn="l" defTabSz="457200" rtl="0" eaLnBrk="1" latinLnBrk="0" hangingPunct="1">
-              <a:spcBef>
-                <a:spcPct val="20000"/>
-              </a:spcBef>
-              <a:buFont typeface="Arial"/>
-              <a:buChar char="•"/>
-              <a:defRPr sz="2000" kern="1200">
-                <a:solidFill>
-                  <a:schemeClr val="tx1"/>
-                </a:solidFill>
-                <a:latin typeface="+mn-lt"/>
-                <a:ea typeface="+mn-ea"/>
-                <a:cs typeface="+mn-cs"/>
-              </a:defRPr>
-            </a:lvl9pPr>
-          </a:lstStyle>
-          <a:p>
-            <a:pPr marL="0" indent="0">
-              <a:buFont typeface="Arial"/>
-              <a:buNone/>
-            </a:pPr>
-            <a:endParaRPr lang="en-US" sz="1400" dirty="0" smtClean="0"/>
-          </a:p>
-        </p:txBody>
-      </p:sp>
-      <p:sp>
-        <p:nvSpPr>
-          <p:cNvPr id="6" name="Content Placeholder 2"/>
-          <p:cNvSpPr txBox="1">
-            <a:spLocks/>
-          </p:cNvSpPr>
-          <p:nvPr/>
-        </p:nvSpPr>
-        <p:spPr>
-          <a:xfrm>
-            <a:off x="457199" y="2256155"/>
-            <a:ext cx="2672081" cy="629285"/>
-          </a:xfrm>
-          <a:prstGeom prst="rect">
-            <a:avLst/>
-          </a:prstGeom>
-        </p:spPr>
-        <p:txBody>
-          <a:bodyPr>
-            <a:normAutofit/>
-          </a:bodyPr>
-          <a:lstStyle>
-            <a:lvl1pPr marL="342900" indent="-342900" algn="l" defTabSz="457200" rtl="0" eaLnBrk="1" latinLnBrk="0" hangingPunct="1">
-              <a:spcBef>
-                <a:spcPct val="20000"/>
-              </a:spcBef>
-              <a:buFont typeface="Arial"/>
-              <a:buChar char="•"/>
-              <a:defRPr sz="3200" kern="1200">
-                <a:solidFill>
-                  <a:schemeClr val="bg1"/>
-                </a:solidFill>
-                <a:latin typeface="Arial" panose="020B0604020202020204" pitchFamily="34" charset="0"/>
-                <a:ea typeface="+mn-ea"/>
-                <a:cs typeface="Arial" panose="020B0604020202020204" pitchFamily="34" charset="0"/>
-              </a:defRPr>
-            </a:lvl1pPr>
-            <a:lvl2pPr marL="742950" indent="-285750" algn="l" defTabSz="457200" rtl="0" eaLnBrk="1" latinLnBrk="0" hangingPunct="1">
-              <a:spcBef>
-                <a:spcPct val="20000"/>
-              </a:spcBef>
-              <a:buFont typeface="Arial"/>
-              <a:buChar char="–"/>
-              <a:defRPr sz="2800" kern="1200">
-                <a:solidFill>
-                  <a:schemeClr val="bg1"/>
-                </a:solidFill>
-                <a:latin typeface="Arial" panose="020B0604020202020204" pitchFamily="34" charset="0"/>
-                <a:ea typeface="+mn-ea"/>
-                <a:cs typeface="Arial" panose="020B0604020202020204" pitchFamily="34" charset="0"/>
-              </a:defRPr>
-            </a:lvl2pPr>
-            <a:lvl3pPr marL="1143000" indent="-228600" algn="l" defTabSz="457200" rtl="0" eaLnBrk="1" latinLnBrk="0" hangingPunct="1">
-              <a:spcBef>
-                <a:spcPct val="20000"/>
-              </a:spcBef>
-              <a:buFont typeface="Arial"/>
-              <a:buChar char="•"/>
-              <a:defRPr sz="2400" kern="1200">
-                <a:solidFill>
-                  <a:schemeClr val="bg1"/>
-                </a:solidFill>
-                <a:latin typeface="Arial" panose="020B0604020202020204" pitchFamily="34" charset="0"/>
-                <a:ea typeface="+mn-ea"/>
-                <a:cs typeface="Arial" panose="020B0604020202020204" pitchFamily="34" charset="0"/>
-              </a:defRPr>
-            </a:lvl3pPr>
-            <a:lvl4pPr marL="1600200" indent="-228600" algn="l" defTabSz="457200" rtl="0" eaLnBrk="1" latinLnBrk="0" hangingPunct="1">
-              <a:spcBef>
-                <a:spcPct val="20000"/>
-              </a:spcBef>
-              <a:buFont typeface="Arial"/>
-              <a:buChar char="–"/>
-              <a:defRPr sz="2000" kern="1200">
-                <a:solidFill>
-                  <a:schemeClr val="bg1"/>
-                </a:solidFill>
-                <a:latin typeface="Arial" panose="020B0604020202020204" pitchFamily="34" charset="0"/>
-                <a:ea typeface="+mn-ea"/>
-                <a:cs typeface="Arial" panose="020B0604020202020204" pitchFamily="34" charset="0"/>
-              </a:defRPr>
-            </a:lvl4pPr>
-            <a:lvl5pPr marL="2057400" indent="-228600" algn="l" defTabSz="457200" rtl="0" eaLnBrk="1" latinLnBrk="0" hangingPunct="1">
-              <a:spcBef>
-                <a:spcPct val="20000"/>
-              </a:spcBef>
-              <a:buFont typeface="Arial"/>
-              <a:buChar char="»"/>
-              <a:defRPr sz="2000" kern="1200">
-                <a:solidFill>
-                  <a:schemeClr val="bg1"/>
-                </a:solidFill>
-                <a:latin typeface="Arial" panose="020B0604020202020204" pitchFamily="34" charset="0"/>
-                <a:ea typeface="+mn-ea"/>
-                <a:cs typeface="Arial" panose="020B0604020202020204" pitchFamily="34" charset="0"/>
-              </a:defRPr>
-            </a:lvl5pPr>
-            <a:lvl6pPr marL="2514600" indent="-228600" algn="l" defTabSz="457200" rtl="0" eaLnBrk="1" latinLnBrk="0" hangingPunct="1">
-              <a:spcBef>
-                <a:spcPct val="20000"/>
-              </a:spcBef>
-              <a:buFont typeface="Arial"/>
-              <a:buChar char="•"/>
-              <a:defRPr sz="2000" kern="1200">
-                <a:solidFill>
-                  <a:schemeClr val="tx1"/>
-                </a:solidFill>
-                <a:latin typeface="+mn-lt"/>
-                <a:ea typeface="+mn-ea"/>
-                <a:cs typeface="+mn-cs"/>
-              </a:defRPr>
-            </a:lvl6pPr>
-            <a:lvl7pPr marL="2971800" indent="-228600" algn="l" defTabSz="457200" rtl="0" eaLnBrk="1" latinLnBrk="0" hangingPunct="1">
-              <a:spcBef>
-                <a:spcPct val="20000"/>
-              </a:spcBef>
-              <a:buFont typeface="Arial"/>
-              <a:buChar char="•"/>
-              <a:defRPr sz="2000" kern="1200">
-                <a:solidFill>
-                  <a:schemeClr val="tx1"/>
-                </a:solidFill>
-                <a:latin typeface="+mn-lt"/>
-                <a:ea typeface="+mn-ea"/>
-                <a:cs typeface="+mn-cs"/>
-              </a:defRPr>
-            </a:lvl7pPr>
-            <a:lvl8pPr marL="3429000" indent="-228600" algn="l" defTabSz="457200" rtl="0" eaLnBrk="1" latinLnBrk="0" hangingPunct="1">
-              <a:spcBef>
-                <a:spcPct val="20000"/>
-              </a:spcBef>
-              <a:buFont typeface="Arial"/>
-              <a:buChar char="•"/>
-              <a:defRPr sz="2000" kern="1200">
-                <a:solidFill>
-                  <a:schemeClr val="tx1"/>
-                </a:solidFill>
-                <a:latin typeface="+mn-lt"/>
-                <a:ea typeface="+mn-ea"/>
-                <a:cs typeface="+mn-cs"/>
-              </a:defRPr>
-            </a:lvl8pPr>
-            <a:lvl9pPr marL="3886200" indent="-228600" algn="l" defTabSz="457200" rtl="0" eaLnBrk="1" latinLnBrk="0" hangingPunct="1">
-              <a:spcBef>
-                <a:spcPct val="20000"/>
-              </a:spcBef>
-              <a:buFont typeface="Arial"/>
-              <a:buChar char="•"/>
-              <a:defRPr sz="2000" kern="1200">
-                <a:solidFill>
-                  <a:schemeClr val="tx1"/>
-                </a:solidFill>
-                <a:latin typeface="+mn-lt"/>
-                <a:ea typeface="+mn-ea"/>
-                <a:cs typeface="+mn-cs"/>
-              </a:defRPr>
-            </a:lvl9pPr>
-          </a:lstStyle>
-          <a:p>
-            <a:pPr marL="0" indent="0">
-              <a:buFont typeface="Arial"/>
-              <a:buNone/>
-            </a:pPr>
-            <a:endParaRPr lang="en-US" sz="1400" dirty="0" smtClean="0"/>
-          </a:p>
-        </p:txBody>
-      </p:sp>
-      <p:sp>
-        <p:nvSpPr>
-          <p:cNvPr id="10" name="Content Placeholder 2"/>
-          <p:cNvSpPr txBox="1">
-            <a:spLocks/>
-          </p:cNvSpPr>
-          <p:nvPr/>
-        </p:nvSpPr>
-        <p:spPr>
-          <a:xfrm>
-            <a:off x="439419" y="3140075"/>
-            <a:ext cx="2001521" cy="1472564"/>
-          </a:xfrm>
-          <a:prstGeom prst="rect">
-            <a:avLst/>
-          </a:prstGeom>
-        </p:spPr>
-        <p:txBody>
-          <a:bodyPr>
-            <a:normAutofit/>
-          </a:bodyPr>
-          <a:lstStyle>
-            <a:lvl1pPr marL="342900" indent="-342900" algn="l" defTabSz="457200" rtl="0" eaLnBrk="1" latinLnBrk="0" hangingPunct="1">
-              <a:spcBef>
-                <a:spcPct val="20000"/>
-              </a:spcBef>
-              <a:buFont typeface="Arial"/>
-              <a:buChar char="•"/>
-              <a:defRPr sz="3200" kern="1200">
-                <a:solidFill>
-                  <a:schemeClr val="bg1"/>
-                </a:solidFill>
-                <a:latin typeface="Arial" panose="020B0604020202020204" pitchFamily="34" charset="0"/>
-                <a:ea typeface="+mn-ea"/>
-                <a:cs typeface="Arial" panose="020B0604020202020204" pitchFamily="34" charset="0"/>
-              </a:defRPr>
-            </a:lvl1pPr>
-            <a:lvl2pPr marL="742950" indent="-285750" algn="l" defTabSz="457200" rtl="0" eaLnBrk="1" latinLnBrk="0" hangingPunct="1">
-              <a:spcBef>
-                <a:spcPct val="20000"/>
-              </a:spcBef>
-              <a:buFont typeface="Arial"/>
-              <a:buChar char="–"/>
-              <a:defRPr sz="2800" kern="1200">
-                <a:solidFill>
-                  <a:schemeClr val="bg1"/>
-                </a:solidFill>
-                <a:latin typeface="Arial" panose="020B0604020202020204" pitchFamily="34" charset="0"/>
-                <a:ea typeface="+mn-ea"/>
-                <a:cs typeface="Arial" panose="020B0604020202020204" pitchFamily="34" charset="0"/>
-              </a:defRPr>
-            </a:lvl2pPr>
-            <a:lvl3pPr marL="1143000" indent="-228600" algn="l" defTabSz="457200" rtl="0" eaLnBrk="1" latinLnBrk="0" hangingPunct="1">
-              <a:spcBef>
-                <a:spcPct val="20000"/>
-              </a:spcBef>
-              <a:buFont typeface="Arial"/>
-              <a:buChar char="•"/>
-              <a:defRPr sz="2400" kern="1200">
-                <a:solidFill>
-                  <a:schemeClr val="bg1"/>
-                </a:solidFill>
-                <a:latin typeface="Arial" panose="020B0604020202020204" pitchFamily="34" charset="0"/>
-                <a:ea typeface="+mn-ea"/>
-                <a:cs typeface="Arial" panose="020B0604020202020204" pitchFamily="34" charset="0"/>
-              </a:defRPr>
-            </a:lvl3pPr>
-            <a:lvl4pPr marL="1600200" indent="-228600" algn="l" defTabSz="457200" rtl="0" eaLnBrk="1" latinLnBrk="0" hangingPunct="1">
-              <a:spcBef>
-                <a:spcPct val="20000"/>
-              </a:spcBef>
-              <a:buFont typeface="Arial"/>
-              <a:buChar char="–"/>
-              <a:defRPr sz="2000" kern="1200">
-                <a:solidFill>
-                  <a:schemeClr val="bg1"/>
-                </a:solidFill>
-                <a:latin typeface="Arial" panose="020B0604020202020204" pitchFamily="34" charset="0"/>
-                <a:ea typeface="+mn-ea"/>
-                <a:cs typeface="Arial" panose="020B0604020202020204" pitchFamily="34" charset="0"/>
-              </a:defRPr>
-            </a:lvl4pPr>
-            <a:lvl5pPr marL="2057400" indent="-228600" algn="l" defTabSz="457200" rtl="0" eaLnBrk="1" latinLnBrk="0" hangingPunct="1">
-              <a:spcBef>
-                <a:spcPct val="20000"/>
-              </a:spcBef>
-              <a:buFont typeface="Arial"/>
-              <a:buChar char="»"/>
-              <a:defRPr sz="2000" kern="1200">
-                <a:solidFill>
-                  <a:schemeClr val="bg1"/>
-                </a:solidFill>
-                <a:latin typeface="Arial" panose="020B0604020202020204" pitchFamily="34" charset="0"/>
-                <a:ea typeface="+mn-ea"/>
-                <a:cs typeface="Arial" panose="020B0604020202020204" pitchFamily="34" charset="0"/>
-              </a:defRPr>
-            </a:lvl5pPr>
-            <a:lvl6pPr marL="2514600" indent="-228600" algn="l" defTabSz="457200" rtl="0" eaLnBrk="1" latinLnBrk="0" hangingPunct="1">
-              <a:spcBef>
-                <a:spcPct val="20000"/>
-              </a:spcBef>
-              <a:buFont typeface="Arial"/>
-              <a:buChar char="•"/>
-              <a:defRPr sz="2000" kern="1200">
-                <a:solidFill>
-                  <a:schemeClr val="tx1"/>
-                </a:solidFill>
-                <a:latin typeface="+mn-lt"/>
-                <a:ea typeface="+mn-ea"/>
-                <a:cs typeface="+mn-cs"/>
-              </a:defRPr>
-            </a:lvl6pPr>
-            <a:lvl7pPr marL="2971800" indent="-228600" algn="l" defTabSz="457200" rtl="0" eaLnBrk="1" latinLnBrk="0" hangingPunct="1">
-              <a:spcBef>
-                <a:spcPct val="20000"/>
-              </a:spcBef>
-              <a:buFont typeface="Arial"/>
-              <a:buChar char="•"/>
-              <a:defRPr sz="2000" kern="1200">
-                <a:solidFill>
-                  <a:schemeClr val="tx1"/>
-                </a:solidFill>
-                <a:latin typeface="+mn-lt"/>
-                <a:ea typeface="+mn-ea"/>
-                <a:cs typeface="+mn-cs"/>
-              </a:defRPr>
-            </a:lvl7pPr>
-            <a:lvl8pPr marL="3429000" indent="-228600" algn="l" defTabSz="457200" rtl="0" eaLnBrk="1" latinLnBrk="0" hangingPunct="1">
-              <a:spcBef>
-                <a:spcPct val="20000"/>
-              </a:spcBef>
-              <a:buFont typeface="Arial"/>
-              <a:buChar char="•"/>
-              <a:defRPr sz="2000" kern="1200">
-                <a:solidFill>
-                  <a:schemeClr val="tx1"/>
-                </a:solidFill>
-                <a:latin typeface="+mn-lt"/>
-                <a:ea typeface="+mn-ea"/>
-                <a:cs typeface="+mn-cs"/>
-              </a:defRPr>
-            </a:lvl8pPr>
-            <a:lvl9pPr marL="3886200" indent="-228600" algn="l" defTabSz="457200" rtl="0" eaLnBrk="1" latinLnBrk="0" hangingPunct="1">
-              <a:spcBef>
-                <a:spcPct val="20000"/>
-              </a:spcBef>
-              <a:buFont typeface="Arial"/>
-              <a:buChar char="•"/>
-              <a:defRPr sz="2000" kern="1200">
-                <a:solidFill>
-                  <a:schemeClr val="tx1"/>
-                </a:solidFill>
-                <a:latin typeface="+mn-lt"/>
-                <a:ea typeface="+mn-ea"/>
-                <a:cs typeface="+mn-cs"/>
-              </a:defRPr>
-            </a:lvl9pPr>
-          </a:lstStyle>
-          <a:p>
-            <a:pPr marL="0" indent="0">
-              <a:buFont typeface="Arial"/>
-              <a:buNone/>
-            </a:pPr>
-            <a:r>
-              <a:rPr lang="en-US" sz="1400" dirty="0" smtClean="0"/>
-              <a:t>Let’s create a JPA Repository to manage our @Entity</a:t>
-            </a:r>
-          </a:p>
-        </p:txBody>
-      </p:sp>
-      <p:pic>
-        <p:nvPicPr>
-          <p:cNvPr id="4" name="Picture 3"/>
-          <p:cNvPicPr>
-            <a:picLocks noChangeAspect="1"/>
-          </p:cNvPicPr>
-          <p:nvPr/>
-        </p:nvPicPr>
-        <p:blipFill>
-          <a:blip r:embed="rId3"/>
-          <a:stretch>
-            <a:fillRect/>
-          </a:stretch>
-        </p:blipFill>
-        <p:spPr>
-          <a:xfrm>
-            <a:off x="3533140" y="960120"/>
-            <a:ext cx="4991100" cy="2374145"/>
-          </a:xfrm>
-          <a:prstGeom prst="rect">
-            <a:avLst/>
-          </a:prstGeom>
-        </p:spPr>
-      </p:pic>
-      <p:pic>
-        <p:nvPicPr>
-          <p:cNvPr id="5" name="Picture 4"/>
-          <p:cNvPicPr>
-            <a:picLocks noChangeAspect="1"/>
-          </p:cNvPicPr>
-          <p:nvPr/>
-        </p:nvPicPr>
-        <p:blipFill>
-          <a:blip r:embed="rId4"/>
-          <a:stretch>
-            <a:fillRect/>
-          </a:stretch>
-        </p:blipFill>
-        <p:spPr>
-          <a:xfrm>
-            <a:off x="1719580" y="3751580"/>
-            <a:ext cx="7289800" cy="635000"/>
-          </a:xfrm>
-          <a:prstGeom prst="rect">
-            <a:avLst/>
-          </a:prstGeom>
-        </p:spPr>
-      </p:pic>
-    </p:spTree>
-    <p:extLst>
-      <p:ext uri="{BB962C8B-B14F-4D97-AF65-F5344CB8AC3E}">
-        <p14:creationId xmlns:p14="http://schemas.microsoft.com/office/powerpoint/2010/main" val="2742572485"/>
-      </p:ext>
-    </p:extLst>
-  </p:cSld>
-  <p:clrMapOvr>
-    <a:masterClrMapping/>
-  </p:clrMapOvr>
-  <mc:AlternateContent xmlns:mc="http://schemas.openxmlformats.org/markup-compatibility/2006" xmlns:p14="http://schemas.microsoft.com/office/powerpoint/2010/main">
-    <mc:Choice Requires="p14">
-      <p:transition spd="slow" p14:dur="2000"/>
-    </mc:Choice>
-    <mc:Fallback xmlns="">
-      <p:transition xmlns:p14="http://schemas.microsoft.com/office/powerpoint/2010/main" spd="slow"/>
-    </mc:Fallback>
-  </mc:AlternateContent>
-  <p:timing>
-    <p:tnLst>
-      <p:par>
-        <p:cTn xmlns:p14="http://schemas.microsoft.com/office/powerpoint/2010/main" id="1" dur="indefinite" restart="never" nodeType="tmRoot"/>
-      </p:par>
-    </p:tnLst>
-  </p:timing>
-</p:sld>
-</file>
-
-<file path=ppt/slides/slide5.xml><?xml version="1.0" encoding="utf-8"?>
-<p:sld xmlns:a="http://schemas.openxmlformats.org/drawingml/2006/main" xmlns:r="http://schemas.openxmlformats.org/officeDocument/2006/relationships" xmlns:p="http://schemas.openxmlformats.org/presentationml/2006/main">
-  <p:cSld>
-    <p:spTree>
-      <p:nvGrpSpPr>
-        <p:cNvPr id="1" name=""/>
-        <p:cNvGrpSpPr/>
-        <p:nvPr/>
-      </p:nvGrpSpPr>
-      <p:grpSpPr>
-        <a:xfrm>
-          <a:off x="0" y="0"/>
-          <a:ext cx="0" cy="0"/>
-          <a:chOff x="0" y="0"/>
-          <a:chExt cx="0" cy="0"/>
-        </a:xfrm>
-      </p:grpSpPr>
-      <p:sp>
-        <p:nvSpPr>
-          <p:cNvPr id="2" name="Title 1"/>
-          <p:cNvSpPr>
-            <a:spLocks noGrp="1"/>
-          </p:cNvSpPr>
-          <p:nvPr>
-            <p:ph type="title"/>
-          </p:nvPr>
-        </p:nvSpPr>
-        <p:spPr/>
-        <p:txBody>
-          <a:bodyPr/>
-          <a:lstStyle/>
-          <a:p>
-            <a:r>
-              <a:rPr lang="en-US" dirty="0" smtClean="0"/>
-              <a:t>Spring Data REST</a:t>
-            </a:r>
-            <a:endParaRPr lang="en-US" dirty="0">
-              <a:solidFill>
-                <a:srgbClr val="138A7E"/>
-              </a:solidFill>
-            </a:endParaRPr>
-          </a:p>
-        </p:txBody>
-      </p:sp>
-      <p:sp>
-        <p:nvSpPr>
-          <p:cNvPr id="7" name="Content Placeholder 2"/>
-          <p:cNvSpPr txBox="1">
-            <a:spLocks/>
-          </p:cNvSpPr>
-          <p:nvPr/>
-        </p:nvSpPr>
-        <p:spPr>
-          <a:xfrm>
-            <a:off x="3749040" y="2212656"/>
-            <a:ext cx="5080000" cy="2298383"/>
-          </a:xfrm>
-          <a:prstGeom prst="rect">
-            <a:avLst/>
-          </a:prstGeom>
-        </p:spPr>
-        <p:txBody>
-          <a:bodyPr>
-            <a:normAutofit/>
-          </a:bodyPr>
-          <a:lstStyle>
-            <a:lvl1pPr marL="342900" indent="-342900" algn="l" defTabSz="457200" rtl="0" eaLnBrk="1" latinLnBrk="0" hangingPunct="1">
-              <a:spcBef>
-                <a:spcPct val="20000"/>
-              </a:spcBef>
-              <a:buFont typeface="Arial"/>
-              <a:buChar char="•"/>
-              <a:defRPr sz="3200" kern="1200">
-                <a:solidFill>
-                  <a:schemeClr val="bg1"/>
-                </a:solidFill>
-                <a:latin typeface="Arial" panose="020B0604020202020204" pitchFamily="34" charset="0"/>
-                <a:ea typeface="+mn-ea"/>
-                <a:cs typeface="Arial" panose="020B0604020202020204" pitchFamily="34" charset="0"/>
-              </a:defRPr>
-            </a:lvl1pPr>
-            <a:lvl2pPr marL="742950" indent="-285750" algn="l" defTabSz="457200" rtl="0" eaLnBrk="1" latinLnBrk="0" hangingPunct="1">
-              <a:spcBef>
-                <a:spcPct val="20000"/>
-              </a:spcBef>
-              <a:buFont typeface="Arial"/>
-              <a:buChar char="–"/>
-              <a:defRPr sz="2800" kern="1200">
-                <a:solidFill>
-                  <a:schemeClr val="bg1"/>
-                </a:solidFill>
-                <a:latin typeface="Arial" panose="020B0604020202020204" pitchFamily="34" charset="0"/>
-                <a:ea typeface="+mn-ea"/>
-                <a:cs typeface="Arial" panose="020B0604020202020204" pitchFamily="34" charset="0"/>
-              </a:defRPr>
-            </a:lvl2pPr>
-            <a:lvl3pPr marL="1143000" indent="-228600" algn="l" defTabSz="457200" rtl="0" eaLnBrk="1" latinLnBrk="0" hangingPunct="1">
-              <a:spcBef>
-                <a:spcPct val="20000"/>
-              </a:spcBef>
-              <a:buFont typeface="Arial"/>
-              <a:buChar char="•"/>
-              <a:defRPr sz="2400" kern="1200">
-                <a:solidFill>
-                  <a:schemeClr val="bg1"/>
-                </a:solidFill>
-                <a:latin typeface="Arial" panose="020B0604020202020204" pitchFamily="34" charset="0"/>
-                <a:ea typeface="+mn-ea"/>
-                <a:cs typeface="Arial" panose="020B0604020202020204" pitchFamily="34" charset="0"/>
-              </a:defRPr>
-            </a:lvl3pPr>
-            <a:lvl4pPr marL="1600200" indent="-228600" algn="l" defTabSz="457200" rtl="0" eaLnBrk="1" latinLnBrk="0" hangingPunct="1">
-              <a:spcBef>
-                <a:spcPct val="20000"/>
-              </a:spcBef>
-              <a:buFont typeface="Arial"/>
-              <a:buChar char="–"/>
-              <a:defRPr sz="2000" kern="1200">
-                <a:solidFill>
-                  <a:schemeClr val="bg1"/>
-                </a:solidFill>
-                <a:latin typeface="Arial" panose="020B0604020202020204" pitchFamily="34" charset="0"/>
-                <a:ea typeface="+mn-ea"/>
-                <a:cs typeface="Arial" panose="020B0604020202020204" pitchFamily="34" charset="0"/>
-              </a:defRPr>
-            </a:lvl4pPr>
-            <a:lvl5pPr marL="2057400" indent="-228600" algn="l" defTabSz="457200" rtl="0" eaLnBrk="1" latinLnBrk="0" hangingPunct="1">
-              <a:spcBef>
-                <a:spcPct val="20000"/>
-              </a:spcBef>
-              <a:buFont typeface="Arial"/>
-              <a:buChar char="»"/>
-              <a:defRPr sz="2000" kern="1200">
-                <a:solidFill>
-                  <a:schemeClr val="bg1"/>
-                </a:solidFill>
-                <a:latin typeface="Arial" panose="020B0604020202020204" pitchFamily="34" charset="0"/>
-                <a:ea typeface="+mn-ea"/>
-                <a:cs typeface="Arial" panose="020B0604020202020204" pitchFamily="34" charset="0"/>
-              </a:defRPr>
-            </a:lvl5pPr>
-            <a:lvl6pPr marL="2514600" indent="-228600" algn="l" defTabSz="457200" rtl="0" eaLnBrk="1" latinLnBrk="0" hangingPunct="1">
-              <a:spcBef>
-                <a:spcPct val="20000"/>
-              </a:spcBef>
-              <a:buFont typeface="Arial"/>
-              <a:buChar char="•"/>
-              <a:defRPr sz="2000" kern="1200">
-                <a:solidFill>
-                  <a:schemeClr val="tx1"/>
-                </a:solidFill>
-                <a:latin typeface="+mn-lt"/>
-                <a:ea typeface="+mn-ea"/>
-                <a:cs typeface="+mn-cs"/>
-              </a:defRPr>
-            </a:lvl6pPr>
-            <a:lvl7pPr marL="2971800" indent="-228600" algn="l" defTabSz="457200" rtl="0" eaLnBrk="1" latinLnBrk="0" hangingPunct="1">
-              <a:spcBef>
-                <a:spcPct val="20000"/>
-              </a:spcBef>
-              <a:buFont typeface="Arial"/>
-              <a:buChar char="•"/>
-              <a:defRPr sz="2000" kern="1200">
-                <a:solidFill>
-                  <a:schemeClr val="tx1"/>
-                </a:solidFill>
-                <a:latin typeface="+mn-lt"/>
-                <a:ea typeface="+mn-ea"/>
-                <a:cs typeface="+mn-cs"/>
-              </a:defRPr>
-            </a:lvl7pPr>
-            <a:lvl8pPr marL="3429000" indent="-228600" algn="l" defTabSz="457200" rtl="0" eaLnBrk="1" latinLnBrk="0" hangingPunct="1">
-              <a:spcBef>
-                <a:spcPct val="20000"/>
-              </a:spcBef>
-              <a:buFont typeface="Arial"/>
-              <a:buChar char="•"/>
-              <a:defRPr sz="2000" kern="1200">
-                <a:solidFill>
-                  <a:schemeClr val="tx1"/>
-                </a:solidFill>
-                <a:latin typeface="+mn-lt"/>
-                <a:ea typeface="+mn-ea"/>
-                <a:cs typeface="+mn-cs"/>
-              </a:defRPr>
-            </a:lvl8pPr>
-            <a:lvl9pPr marL="3886200" indent="-228600" algn="l" defTabSz="457200" rtl="0" eaLnBrk="1" latinLnBrk="0" hangingPunct="1">
-              <a:spcBef>
-                <a:spcPct val="20000"/>
-              </a:spcBef>
-              <a:buFont typeface="Arial"/>
-              <a:buChar char="•"/>
-              <a:defRPr sz="2000" kern="1200">
-                <a:solidFill>
-                  <a:schemeClr val="tx1"/>
-                </a:solidFill>
-                <a:latin typeface="+mn-lt"/>
-                <a:ea typeface="+mn-ea"/>
-                <a:cs typeface="+mn-cs"/>
-              </a:defRPr>
-            </a:lvl9pPr>
-          </a:lstStyle>
-          <a:p>
-            <a:pPr marL="0" indent="0">
-              <a:buFont typeface="Arial"/>
-              <a:buNone/>
-            </a:pPr>
-            <a:endParaRPr lang="en-US" sz="1400" dirty="0" smtClean="0"/>
-          </a:p>
-        </p:txBody>
-      </p:sp>
-      <p:sp>
-        <p:nvSpPr>
-          <p:cNvPr id="4" name="Rectangle 3"/>
-          <p:cNvSpPr/>
-          <p:nvPr/>
-        </p:nvSpPr>
-        <p:spPr>
-          <a:xfrm>
-            <a:off x="457198" y="1012327"/>
-            <a:ext cx="8229601" cy="646331"/>
-          </a:xfrm>
-          <a:prstGeom prst="rect">
-            <a:avLst/>
-          </a:prstGeom>
-        </p:spPr>
-        <p:txBody>
-          <a:bodyPr wrap="square">
-            <a:spAutoFit/>
-          </a:bodyPr>
-          <a:lstStyle/>
-          <a:p>
-            <a:pPr marL="203200" lvl="0" indent="0">
-              <a:buNone/>
-            </a:pPr>
-            <a:r>
-              <a:rPr lang="en-US" dirty="0">
-                <a:solidFill>
-                  <a:srgbClr val="FFFFFF"/>
-                </a:solidFill>
-              </a:rPr>
-              <a:t>Goal is to provide a solid foundation on which to expose </a:t>
-            </a:r>
-            <a:r>
-              <a:rPr lang="en-US" b="1" i="1" u="sng" dirty="0">
-                <a:solidFill>
-                  <a:srgbClr val="FFFFFF"/>
-                </a:solidFill>
-              </a:rPr>
-              <a:t>CRUD</a:t>
-            </a:r>
-            <a:r>
-              <a:rPr lang="en-US" dirty="0">
-                <a:solidFill>
-                  <a:srgbClr val="FFFFFF"/>
-                </a:solidFill>
-              </a:rPr>
-              <a:t> repositories to </a:t>
-            </a:r>
-            <a:r>
-              <a:rPr lang="en-US" dirty="0" smtClean="0">
-                <a:solidFill>
-                  <a:srgbClr val="FFFFFF"/>
-                </a:solidFill>
-              </a:rPr>
-              <a:t>our </a:t>
-            </a:r>
-            <a:r>
-              <a:rPr lang="en-US" i="1" u="sng" dirty="0" smtClean="0">
-                <a:solidFill>
-                  <a:srgbClr val="FFFFFF"/>
-                </a:solidFill>
-              </a:rPr>
-              <a:t>repository managing entities</a:t>
-            </a:r>
-            <a:r>
-              <a:rPr lang="en-US" dirty="0" smtClean="0">
-                <a:solidFill>
-                  <a:srgbClr val="FFFFFF"/>
-                </a:solidFill>
-              </a:rPr>
-              <a:t> using </a:t>
-            </a:r>
-            <a:r>
-              <a:rPr lang="en-US" dirty="0">
-                <a:solidFill>
-                  <a:srgbClr val="FFFFFF"/>
-                </a:solidFill>
-              </a:rPr>
-              <a:t>plain </a:t>
-            </a:r>
-            <a:r>
-              <a:rPr lang="en-US" b="1" i="1" u="sng" dirty="0">
-                <a:solidFill>
-                  <a:srgbClr val="FFFFFF"/>
-                </a:solidFill>
-              </a:rPr>
-              <a:t>HTTP REST</a:t>
-            </a:r>
-            <a:r>
-              <a:rPr lang="en-US" b="1" dirty="0">
-                <a:solidFill>
-                  <a:srgbClr val="FFFFFF"/>
-                </a:solidFill>
-              </a:rPr>
-              <a:t> </a:t>
-            </a:r>
-            <a:r>
-              <a:rPr lang="en-US" dirty="0">
-                <a:solidFill>
-                  <a:srgbClr val="FFFFFF"/>
-                </a:solidFill>
-              </a:rPr>
-              <a:t>semantics</a:t>
-            </a:r>
-          </a:p>
-        </p:txBody>
-      </p:sp>
-      <p:pic>
-        <p:nvPicPr>
-          <p:cNvPr id="5" name="Picture 4"/>
-          <p:cNvPicPr>
-            <a:picLocks noChangeAspect="1"/>
-          </p:cNvPicPr>
-          <p:nvPr/>
-        </p:nvPicPr>
-        <p:blipFill>
-          <a:blip r:embed="rId3"/>
-          <a:stretch>
-            <a:fillRect/>
-          </a:stretch>
-        </p:blipFill>
-        <p:spPr>
-          <a:xfrm>
-            <a:off x="3266440" y="2890520"/>
-            <a:ext cx="5562600" cy="914400"/>
-          </a:xfrm>
-          <a:prstGeom prst="rect">
-            <a:avLst/>
-          </a:prstGeom>
-        </p:spPr>
-      </p:pic>
-      <p:sp>
-        <p:nvSpPr>
-          <p:cNvPr id="8" name="Content Placeholder 2"/>
-          <p:cNvSpPr txBox="1">
-            <a:spLocks/>
-          </p:cNvSpPr>
-          <p:nvPr/>
-        </p:nvSpPr>
-        <p:spPr>
-          <a:xfrm>
-            <a:off x="457199" y="2997835"/>
-            <a:ext cx="2672081" cy="629285"/>
-          </a:xfrm>
-          <a:prstGeom prst="rect">
-            <a:avLst/>
-          </a:prstGeom>
-        </p:spPr>
-        <p:txBody>
-          <a:bodyPr>
-            <a:normAutofit/>
-          </a:bodyPr>
-          <a:lstStyle>
-            <a:lvl1pPr marL="342900" indent="-342900" algn="l" defTabSz="457200" rtl="0" eaLnBrk="1" latinLnBrk="0" hangingPunct="1">
-              <a:spcBef>
-                <a:spcPct val="20000"/>
-              </a:spcBef>
-              <a:buFont typeface="Arial"/>
-              <a:buChar char="•"/>
-              <a:defRPr sz="3200" kern="1200">
-                <a:solidFill>
-                  <a:schemeClr val="bg1"/>
-                </a:solidFill>
-                <a:latin typeface="Arial" panose="020B0604020202020204" pitchFamily="34" charset="0"/>
-                <a:ea typeface="+mn-ea"/>
-                <a:cs typeface="Arial" panose="020B0604020202020204" pitchFamily="34" charset="0"/>
-              </a:defRPr>
-            </a:lvl1pPr>
-            <a:lvl2pPr marL="742950" indent="-285750" algn="l" defTabSz="457200" rtl="0" eaLnBrk="1" latinLnBrk="0" hangingPunct="1">
-              <a:spcBef>
-                <a:spcPct val="20000"/>
-              </a:spcBef>
-              <a:buFont typeface="Arial"/>
-              <a:buChar char="–"/>
-              <a:defRPr sz="2800" kern="1200">
-                <a:solidFill>
-                  <a:schemeClr val="bg1"/>
-                </a:solidFill>
-                <a:latin typeface="Arial" panose="020B0604020202020204" pitchFamily="34" charset="0"/>
-                <a:ea typeface="+mn-ea"/>
-                <a:cs typeface="Arial" panose="020B0604020202020204" pitchFamily="34" charset="0"/>
-              </a:defRPr>
-            </a:lvl2pPr>
-            <a:lvl3pPr marL="1143000" indent="-228600" algn="l" defTabSz="457200" rtl="0" eaLnBrk="1" latinLnBrk="0" hangingPunct="1">
-              <a:spcBef>
-                <a:spcPct val="20000"/>
-              </a:spcBef>
-              <a:buFont typeface="Arial"/>
-              <a:buChar char="•"/>
-              <a:defRPr sz="2400" kern="1200">
-                <a:solidFill>
-                  <a:schemeClr val="bg1"/>
-                </a:solidFill>
-                <a:latin typeface="Arial" panose="020B0604020202020204" pitchFamily="34" charset="0"/>
-                <a:ea typeface="+mn-ea"/>
-                <a:cs typeface="Arial" panose="020B0604020202020204" pitchFamily="34" charset="0"/>
-              </a:defRPr>
-            </a:lvl3pPr>
-            <a:lvl4pPr marL="1600200" indent="-228600" algn="l" defTabSz="457200" rtl="0" eaLnBrk="1" latinLnBrk="0" hangingPunct="1">
-              <a:spcBef>
-                <a:spcPct val="20000"/>
-              </a:spcBef>
-              <a:buFont typeface="Arial"/>
-              <a:buChar char="–"/>
-              <a:defRPr sz="2000" kern="1200">
-                <a:solidFill>
-                  <a:schemeClr val="bg1"/>
-                </a:solidFill>
-                <a:latin typeface="Arial" panose="020B0604020202020204" pitchFamily="34" charset="0"/>
-                <a:ea typeface="+mn-ea"/>
-                <a:cs typeface="Arial" panose="020B0604020202020204" pitchFamily="34" charset="0"/>
-              </a:defRPr>
-            </a:lvl4pPr>
-            <a:lvl5pPr marL="2057400" indent="-228600" algn="l" defTabSz="457200" rtl="0" eaLnBrk="1" latinLnBrk="0" hangingPunct="1">
-              <a:spcBef>
-                <a:spcPct val="20000"/>
-              </a:spcBef>
-              <a:buFont typeface="Arial"/>
-              <a:buChar char="»"/>
-              <a:defRPr sz="2000" kern="1200">
-                <a:solidFill>
-                  <a:schemeClr val="bg1"/>
-                </a:solidFill>
-                <a:latin typeface="Arial" panose="020B0604020202020204" pitchFamily="34" charset="0"/>
-                <a:ea typeface="+mn-ea"/>
-                <a:cs typeface="Arial" panose="020B0604020202020204" pitchFamily="34" charset="0"/>
-              </a:defRPr>
-            </a:lvl5pPr>
-            <a:lvl6pPr marL="2514600" indent="-228600" algn="l" defTabSz="457200" rtl="0" eaLnBrk="1" latinLnBrk="0" hangingPunct="1">
-              <a:spcBef>
-                <a:spcPct val="20000"/>
-              </a:spcBef>
-              <a:buFont typeface="Arial"/>
-              <a:buChar char="•"/>
-              <a:defRPr sz="2000" kern="1200">
-                <a:solidFill>
-                  <a:schemeClr val="tx1"/>
-                </a:solidFill>
-                <a:latin typeface="+mn-lt"/>
-                <a:ea typeface="+mn-ea"/>
-                <a:cs typeface="+mn-cs"/>
-              </a:defRPr>
-            </a:lvl6pPr>
-            <a:lvl7pPr marL="2971800" indent="-228600" algn="l" defTabSz="457200" rtl="0" eaLnBrk="1" latinLnBrk="0" hangingPunct="1">
-              <a:spcBef>
-                <a:spcPct val="20000"/>
-              </a:spcBef>
-              <a:buFont typeface="Arial"/>
-              <a:buChar char="•"/>
-              <a:defRPr sz="2000" kern="1200">
-                <a:solidFill>
-                  <a:schemeClr val="tx1"/>
-                </a:solidFill>
-                <a:latin typeface="+mn-lt"/>
-                <a:ea typeface="+mn-ea"/>
-                <a:cs typeface="+mn-cs"/>
-              </a:defRPr>
-            </a:lvl7pPr>
-            <a:lvl8pPr marL="3429000" indent="-228600" algn="l" defTabSz="457200" rtl="0" eaLnBrk="1" latinLnBrk="0" hangingPunct="1">
-              <a:spcBef>
-                <a:spcPct val="20000"/>
-              </a:spcBef>
-              <a:buFont typeface="Arial"/>
-              <a:buChar char="•"/>
-              <a:defRPr sz="2000" kern="1200">
-                <a:solidFill>
-                  <a:schemeClr val="tx1"/>
-                </a:solidFill>
-                <a:latin typeface="+mn-lt"/>
-                <a:ea typeface="+mn-ea"/>
-                <a:cs typeface="+mn-cs"/>
-              </a:defRPr>
-            </a:lvl8pPr>
-            <a:lvl9pPr marL="3886200" indent="-228600" algn="l" defTabSz="457200" rtl="0" eaLnBrk="1" latinLnBrk="0" hangingPunct="1">
-              <a:spcBef>
-                <a:spcPct val="20000"/>
-              </a:spcBef>
-              <a:buFont typeface="Arial"/>
-              <a:buChar char="•"/>
-              <a:defRPr sz="2000" kern="1200">
-                <a:solidFill>
-                  <a:schemeClr val="tx1"/>
-                </a:solidFill>
-                <a:latin typeface="+mn-lt"/>
-                <a:ea typeface="+mn-ea"/>
-                <a:cs typeface="+mn-cs"/>
-              </a:defRPr>
-            </a:lvl9pPr>
-          </a:lstStyle>
-          <a:p>
-            <a:pPr marL="0" indent="0">
-              <a:buFont typeface="Arial"/>
-              <a:buNone/>
-            </a:pPr>
-            <a:r>
-              <a:rPr lang="en-US" sz="1400" dirty="0" smtClean="0"/>
-              <a:t>Add a dash of Spring Data REST starter into our pom.xml</a:t>
-            </a:r>
-          </a:p>
-        </p:txBody>
-      </p:sp>
-    </p:spTree>
-    <p:extLst>
-      <p:ext uri="{BB962C8B-B14F-4D97-AF65-F5344CB8AC3E}">
-        <p14:creationId xmlns:p14="http://schemas.microsoft.com/office/powerpoint/2010/main" val="2204368881"/>
-      </p:ext>
-    </p:extLst>
-  </p:cSld>
-  <p:clrMapOvr>
-    <a:masterClrMapping/>
-  </p:clrMapOvr>
-  <mc:AlternateContent xmlns:mc="http://schemas.openxmlformats.org/markup-compatibility/2006" xmlns:p14="http://schemas.microsoft.com/office/powerpoint/2010/main">
-    <mc:Choice Requires="p14">
-      <p:transition spd="slow" p14:dur="2000"/>
-    </mc:Choice>
-    <mc:Fallback xmlns="">
-      <p:transition xmlns:p14="http://schemas.microsoft.com/office/powerpoint/2010/main" spd="slow"/>
-    </mc:Fallback>
-  </mc:AlternateContent>
-  <p:timing>
-    <p:tnLst>
-      <p:par>
-        <p:cTn xmlns:p14="http://schemas.microsoft.com/office/powerpoint/2010/main" id="1" dur="indefinite" restart="never" nodeType="tmRoot"/>
-      </p:par>
-    </p:tnLst>
-  </p:timing>
-</p:sld>
-</file>
-
-<file path=ppt/slides/slide6.xml><?xml version="1.0" encoding="utf-8"?>
-<p:sld xmlns:a="http://schemas.openxmlformats.org/drawingml/2006/main" xmlns:r="http://schemas.openxmlformats.org/officeDocument/2006/relationships" xmlns:p="http://schemas.openxmlformats.org/presentationml/2006/main">
-  <p:cSld>
-    <p:spTree>
-      <p:nvGrpSpPr>
-        <p:cNvPr id="1" name=""/>
-        <p:cNvGrpSpPr/>
-        <p:nvPr/>
-      </p:nvGrpSpPr>
-      <p:grpSpPr>
-        <a:xfrm>
-          <a:off x="0" y="0"/>
-          <a:ext cx="0" cy="0"/>
-          <a:chOff x="0" y="0"/>
-          <a:chExt cx="0" cy="0"/>
-        </a:xfrm>
-      </p:grpSpPr>
-      <p:sp>
-        <p:nvSpPr>
-          <p:cNvPr id="2" name="Title 1"/>
-          <p:cNvSpPr>
-            <a:spLocks noGrp="1"/>
-          </p:cNvSpPr>
-          <p:nvPr>
-            <p:ph type="title"/>
-          </p:nvPr>
-        </p:nvSpPr>
-        <p:spPr/>
-        <p:txBody>
-          <a:bodyPr/>
-          <a:lstStyle/>
-          <a:p>
-            <a:r>
-              <a:rPr lang="en-US" dirty="0" smtClean="0"/>
-              <a:t>Spring Data REST, what happens</a:t>
-            </a:r>
-            <a:endParaRPr lang="en-US" dirty="0">
-              <a:solidFill>
-                <a:srgbClr val="138A7E"/>
-              </a:solidFill>
-            </a:endParaRPr>
-          </a:p>
-        </p:txBody>
-      </p:sp>
-      <p:sp>
-        <p:nvSpPr>
-          <p:cNvPr id="7" name="Content Placeholder 2"/>
-          <p:cNvSpPr txBox="1">
-            <a:spLocks/>
-          </p:cNvSpPr>
-          <p:nvPr/>
-        </p:nvSpPr>
-        <p:spPr>
-          <a:xfrm>
-            <a:off x="3749040" y="2212656"/>
-            <a:ext cx="5080000" cy="2298383"/>
-          </a:xfrm>
-          <a:prstGeom prst="rect">
-            <a:avLst/>
-          </a:prstGeom>
-        </p:spPr>
-        <p:txBody>
-          <a:bodyPr>
-            <a:normAutofit/>
-          </a:bodyPr>
-          <a:lstStyle>
-            <a:lvl1pPr marL="342900" indent="-342900" algn="l" defTabSz="457200" rtl="0" eaLnBrk="1" latinLnBrk="0" hangingPunct="1">
-              <a:spcBef>
-                <a:spcPct val="20000"/>
-              </a:spcBef>
-              <a:buFont typeface="Arial"/>
-              <a:buChar char="•"/>
-              <a:defRPr sz="3200" kern="1200">
-                <a:solidFill>
-                  <a:schemeClr val="bg1"/>
-                </a:solidFill>
-                <a:latin typeface="Arial" panose="020B0604020202020204" pitchFamily="34" charset="0"/>
-                <a:ea typeface="+mn-ea"/>
-                <a:cs typeface="Arial" panose="020B0604020202020204" pitchFamily="34" charset="0"/>
-              </a:defRPr>
-            </a:lvl1pPr>
-            <a:lvl2pPr marL="742950" indent="-285750" algn="l" defTabSz="457200" rtl="0" eaLnBrk="1" latinLnBrk="0" hangingPunct="1">
-              <a:spcBef>
-                <a:spcPct val="20000"/>
-              </a:spcBef>
-              <a:buFont typeface="Arial"/>
-              <a:buChar char="–"/>
-              <a:defRPr sz="2800" kern="1200">
-                <a:solidFill>
-                  <a:schemeClr val="bg1"/>
-                </a:solidFill>
-                <a:latin typeface="Arial" panose="020B0604020202020204" pitchFamily="34" charset="0"/>
-                <a:ea typeface="+mn-ea"/>
-                <a:cs typeface="Arial" panose="020B0604020202020204" pitchFamily="34" charset="0"/>
-              </a:defRPr>
-            </a:lvl2pPr>
-            <a:lvl3pPr marL="1143000" indent="-228600" algn="l" defTabSz="457200" rtl="0" eaLnBrk="1" latinLnBrk="0" hangingPunct="1">
-              <a:spcBef>
-                <a:spcPct val="20000"/>
-              </a:spcBef>
-              <a:buFont typeface="Arial"/>
-              <a:buChar char="•"/>
-              <a:defRPr sz="2400" kern="1200">
-                <a:solidFill>
-                  <a:schemeClr val="bg1"/>
-                </a:solidFill>
-                <a:latin typeface="Arial" panose="020B0604020202020204" pitchFamily="34" charset="0"/>
-                <a:ea typeface="+mn-ea"/>
-                <a:cs typeface="Arial" panose="020B0604020202020204" pitchFamily="34" charset="0"/>
-              </a:defRPr>
-            </a:lvl3pPr>
-            <a:lvl4pPr marL="1600200" indent="-228600" algn="l" defTabSz="457200" rtl="0" eaLnBrk="1" latinLnBrk="0" hangingPunct="1">
-              <a:spcBef>
-                <a:spcPct val="20000"/>
-              </a:spcBef>
-              <a:buFont typeface="Arial"/>
-              <a:buChar char="–"/>
-              <a:defRPr sz="2000" kern="1200">
-                <a:solidFill>
-                  <a:schemeClr val="bg1"/>
-                </a:solidFill>
-                <a:latin typeface="Arial" panose="020B0604020202020204" pitchFamily="34" charset="0"/>
-                <a:ea typeface="+mn-ea"/>
-                <a:cs typeface="Arial" panose="020B0604020202020204" pitchFamily="34" charset="0"/>
-              </a:defRPr>
-            </a:lvl4pPr>
-            <a:lvl5pPr marL="2057400" indent="-228600" algn="l" defTabSz="457200" rtl="0" eaLnBrk="1" latinLnBrk="0" hangingPunct="1">
-              <a:spcBef>
-                <a:spcPct val="20000"/>
-              </a:spcBef>
-              <a:buFont typeface="Arial"/>
-              <a:buChar char="»"/>
-              <a:defRPr sz="2000" kern="1200">
-                <a:solidFill>
-                  <a:schemeClr val="bg1"/>
-                </a:solidFill>
-                <a:latin typeface="Arial" panose="020B0604020202020204" pitchFamily="34" charset="0"/>
-                <a:ea typeface="+mn-ea"/>
-                <a:cs typeface="Arial" panose="020B0604020202020204" pitchFamily="34" charset="0"/>
-              </a:defRPr>
-            </a:lvl5pPr>
-            <a:lvl6pPr marL="2514600" indent="-228600" algn="l" defTabSz="457200" rtl="0" eaLnBrk="1" latinLnBrk="0" hangingPunct="1">
-              <a:spcBef>
-                <a:spcPct val="20000"/>
-              </a:spcBef>
-              <a:buFont typeface="Arial"/>
-              <a:buChar char="•"/>
-              <a:defRPr sz="2000" kern="1200">
-                <a:solidFill>
-                  <a:schemeClr val="tx1"/>
-                </a:solidFill>
-                <a:latin typeface="+mn-lt"/>
-                <a:ea typeface="+mn-ea"/>
-                <a:cs typeface="+mn-cs"/>
-              </a:defRPr>
-            </a:lvl6pPr>
-            <a:lvl7pPr marL="2971800" indent="-228600" algn="l" defTabSz="457200" rtl="0" eaLnBrk="1" latinLnBrk="0" hangingPunct="1">
-              <a:spcBef>
-                <a:spcPct val="20000"/>
-              </a:spcBef>
-              <a:buFont typeface="Arial"/>
-              <a:buChar char="•"/>
-              <a:defRPr sz="2000" kern="1200">
-                <a:solidFill>
-                  <a:schemeClr val="tx1"/>
-                </a:solidFill>
-                <a:latin typeface="+mn-lt"/>
-                <a:ea typeface="+mn-ea"/>
-                <a:cs typeface="+mn-cs"/>
-              </a:defRPr>
-            </a:lvl7pPr>
-            <a:lvl8pPr marL="3429000" indent="-228600" algn="l" defTabSz="457200" rtl="0" eaLnBrk="1" latinLnBrk="0" hangingPunct="1">
-              <a:spcBef>
-                <a:spcPct val="20000"/>
-              </a:spcBef>
-              <a:buFont typeface="Arial"/>
-              <a:buChar char="•"/>
-              <a:defRPr sz="2000" kern="1200">
-                <a:solidFill>
-                  <a:schemeClr val="tx1"/>
-                </a:solidFill>
-                <a:latin typeface="+mn-lt"/>
-                <a:ea typeface="+mn-ea"/>
-                <a:cs typeface="+mn-cs"/>
-              </a:defRPr>
-            </a:lvl8pPr>
-            <a:lvl9pPr marL="3886200" indent="-228600" algn="l" defTabSz="457200" rtl="0" eaLnBrk="1" latinLnBrk="0" hangingPunct="1">
-              <a:spcBef>
-                <a:spcPct val="20000"/>
-              </a:spcBef>
-              <a:buFont typeface="Arial"/>
-              <a:buChar char="•"/>
-              <a:defRPr sz="2000" kern="1200">
-                <a:solidFill>
-                  <a:schemeClr val="tx1"/>
-                </a:solidFill>
-                <a:latin typeface="+mn-lt"/>
-                <a:ea typeface="+mn-ea"/>
-                <a:cs typeface="+mn-cs"/>
-              </a:defRPr>
-            </a:lvl9pPr>
-          </a:lstStyle>
-          <a:p>
-            <a:pPr marL="0" indent="0">
-              <a:buFont typeface="Arial"/>
-              <a:buNone/>
-            </a:pPr>
-            <a:endParaRPr lang="en-US" sz="1400" dirty="0" smtClean="0"/>
-          </a:p>
-        </p:txBody>
-      </p:sp>
-      <p:pic>
-        <p:nvPicPr>
-          <p:cNvPr id="3" name="Picture 2"/>
-          <p:cNvPicPr>
-            <a:picLocks noChangeAspect="1"/>
-          </p:cNvPicPr>
-          <p:nvPr/>
-        </p:nvPicPr>
-        <p:blipFill>
-          <a:blip r:embed="rId3"/>
-          <a:stretch>
-            <a:fillRect/>
-          </a:stretch>
-        </p:blipFill>
-        <p:spPr>
-          <a:xfrm>
-            <a:off x="4363357" y="995679"/>
-            <a:ext cx="4536803" cy="3515360"/>
-          </a:xfrm>
-          <a:prstGeom prst="rect">
-            <a:avLst/>
-          </a:prstGeom>
-        </p:spPr>
-      </p:pic>
-      <p:sp>
-        <p:nvSpPr>
-          <p:cNvPr id="10" name="Content Placeholder 2"/>
-          <p:cNvSpPr>
-            <a:spLocks noGrp="1"/>
-          </p:cNvSpPr>
-          <p:nvPr>
-            <p:ph sz="quarter" idx="10"/>
-          </p:nvPr>
-        </p:nvSpPr>
-        <p:spPr>
-          <a:xfrm>
-            <a:off x="152400" y="996313"/>
-            <a:ext cx="4003039" cy="3667125"/>
-          </a:xfrm>
-        </p:spPr>
-        <p:txBody>
-          <a:bodyPr>
-            <a:normAutofit/>
-          </a:bodyPr>
-          <a:lstStyle/>
-          <a:p>
-            <a:pPr marL="488950" indent="-285750">
-              <a:lnSpc>
-                <a:spcPct val="150000"/>
-              </a:lnSpc>
-            </a:pPr>
-            <a:r>
-              <a:rPr lang="en-US" sz="1400" dirty="0">
-                <a:solidFill>
-                  <a:srgbClr val="FFFFFF"/>
-                </a:solidFill>
-              </a:rPr>
-              <a:t>For this repository, Spring Data </a:t>
-            </a:r>
-            <a:r>
-              <a:rPr lang="en-US" sz="1400" dirty="0" smtClean="0">
-                <a:solidFill>
-                  <a:srgbClr val="FFFFFF"/>
-                </a:solidFill>
-              </a:rPr>
-              <a:t>REST exposes </a:t>
-            </a:r>
-            <a:r>
-              <a:rPr lang="en-US" sz="1400" dirty="0">
-                <a:solidFill>
-                  <a:srgbClr val="FFFFFF"/>
-                </a:solidFill>
-              </a:rPr>
-              <a:t>a resource collection at “</a:t>
-            </a:r>
-            <a:r>
-              <a:rPr lang="en-US" sz="1400" dirty="0" smtClean="0">
-                <a:solidFill>
-                  <a:srgbClr val="FFFFFF"/>
-                </a:solidFill>
-              </a:rPr>
-              <a:t>/cities”</a:t>
-            </a:r>
-          </a:p>
-          <a:p>
-            <a:pPr marL="488950" indent="-285750">
-              <a:lnSpc>
-                <a:spcPct val="150000"/>
-              </a:lnSpc>
-            </a:pPr>
-            <a:r>
-              <a:rPr lang="en-US" sz="1400" dirty="0" smtClean="0">
-                <a:solidFill>
-                  <a:srgbClr val="FFFFFF"/>
-                </a:solidFill>
-              </a:rPr>
-              <a:t>Context path </a:t>
-            </a:r>
-            <a:r>
-              <a:rPr lang="en-US" sz="1400" dirty="0">
-                <a:solidFill>
-                  <a:srgbClr val="FFFFFF"/>
-                </a:solidFill>
-              </a:rPr>
-              <a:t>is </a:t>
-            </a:r>
-            <a:r>
-              <a:rPr lang="en-US" sz="1400" u="sng" dirty="0">
-                <a:solidFill>
-                  <a:srgbClr val="FFFFFF"/>
-                </a:solidFill>
-              </a:rPr>
-              <a:t>derived</a:t>
-            </a:r>
-            <a:r>
-              <a:rPr lang="en-US" sz="1400" dirty="0">
-                <a:solidFill>
-                  <a:srgbClr val="FFFFFF"/>
-                </a:solidFill>
-              </a:rPr>
-              <a:t> from the </a:t>
-            </a:r>
-            <a:r>
-              <a:rPr lang="en-US" sz="1400" i="1" dirty="0" smtClean="0">
-                <a:solidFill>
-                  <a:srgbClr val="FFFFFF"/>
-                </a:solidFill>
-              </a:rPr>
-              <a:t>un-capitalized</a:t>
-            </a:r>
-            <a:r>
-              <a:rPr lang="en-US" sz="1400" dirty="0">
-                <a:solidFill>
-                  <a:srgbClr val="FFFFFF"/>
-                </a:solidFill>
-              </a:rPr>
-              <a:t>, </a:t>
-            </a:r>
-            <a:r>
-              <a:rPr lang="en-US" sz="1400" i="1" dirty="0">
-                <a:solidFill>
-                  <a:srgbClr val="FFFFFF"/>
-                </a:solidFill>
-              </a:rPr>
-              <a:t>pluralized</a:t>
-            </a:r>
-            <a:r>
-              <a:rPr lang="en-US" sz="1400" dirty="0">
-                <a:solidFill>
-                  <a:srgbClr val="FFFFFF"/>
-                </a:solidFill>
-              </a:rPr>
-              <a:t>, </a:t>
-            </a:r>
-            <a:r>
-              <a:rPr lang="en-US" sz="1400" i="1" dirty="0">
-                <a:solidFill>
-                  <a:srgbClr val="FFFFFF"/>
-                </a:solidFill>
-              </a:rPr>
-              <a:t>simple class name</a:t>
-            </a:r>
-            <a:r>
-              <a:rPr lang="en-US" sz="1400" dirty="0">
-                <a:solidFill>
-                  <a:srgbClr val="FFFFFF"/>
-                </a:solidFill>
-              </a:rPr>
-              <a:t> of the domain class being </a:t>
-            </a:r>
-            <a:r>
-              <a:rPr lang="en-US" sz="1400" dirty="0" smtClean="0">
-                <a:solidFill>
-                  <a:srgbClr val="FFFFFF"/>
-                </a:solidFill>
-              </a:rPr>
-              <a:t>managed</a:t>
-            </a:r>
-          </a:p>
-          <a:p>
-            <a:pPr marL="488950" indent="-285750">
-              <a:lnSpc>
-                <a:spcPct val="150000"/>
-              </a:lnSpc>
-            </a:pPr>
-            <a:r>
-              <a:rPr lang="en-US" sz="1400" dirty="0" smtClean="0">
-                <a:solidFill>
-                  <a:srgbClr val="FFFFFF"/>
-                </a:solidFill>
-              </a:rPr>
-              <a:t>Exposes </a:t>
-            </a:r>
-            <a:r>
-              <a:rPr lang="en-US" sz="1400" dirty="0">
-                <a:solidFill>
-                  <a:srgbClr val="FFFFFF"/>
-                </a:solidFill>
-              </a:rPr>
-              <a:t>an item resource for each of these items managed by the repository under the URI template </a:t>
-            </a:r>
-            <a:r>
-              <a:rPr lang="en-US" sz="1400" dirty="0" smtClean="0">
-                <a:solidFill>
-                  <a:srgbClr val="FFFFFF"/>
-                </a:solidFill>
-              </a:rPr>
-              <a:t>/cities/</a:t>
-            </a:r>
-            <a:r>
-              <a:rPr lang="en-US" sz="1400" dirty="0">
-                <a:solidFill>
-                  <a:srgbClr val="FFFFFF"/>
-                </a:solidFill>
-              </a:rPr>
-              <a:t>{id</a:t>
-            </a:r>
-            <a:r>
-              <a:rPr lang="en-US" sz="1400" dirty="0" smtClean="0">
-                <a:solidFill>
-                  <a:srgbClr val="FFFFFF"/>
-                </a:solidFill>
-              </a:rPr>
-              <a:t>}</a:t>
-            </a:r>
-            <a:endParaRPr lang="en-US" sz="1400" dirty="0">
-              <a:solidFill>
-                <a:srgbClr val="FFFFFF"/>
-              </a:solidFill>
-            </a:endParaRPr>
-          </a:p>
-          <a:p>
-            <a:pPr marL="0" indent="0">
-              <a:buNone/>
-            </a:pPr>
-            <a:endParaRPr lang="en-US" sz="1400" dirty="0" smtClean="0"/>
-          </a:p>
-        </p:txBody>
-      </p:sp>
-    </p:spTree>
-    <p:extLst>
-      <p:ext uri="{BB962C8B-B14F-4D97-AF65-F5344CB8AC3E}">
-        <p14:creationId xmlns:p14="http://schemas.microsoft.com/office/powerpoint/2010/main" val="2123814699"/>
-      </p:ext>
-    </p:extLst>
-  </p:cSld>
-  <p:clrMapOvr>
-    <a:masterClrMapping/>
-  </p:clrMapOvr>
-  <mc:AlternateContent xmlns:mc="http://schemas.openxmlformats.org/markup-compatibility/2006" xmlns:p14="http://schemas.microsoft.com/office/powerpoint/2010/main">
-    <mc:Choice Requires="p14">
-      <p:transition spd="slow" p14:dur="2000"/>
-    </mc:Choice>
-    <mc:Fallback xmlns="">
-      <p:transition xmlns:p14="http://schemas.microsoft.com/office/powerpoint/2010/main" spd="slow"/>
-    </mc:Fallback>
-  </mc:AlternateContent>
-  <p:timing>
-    <p:tnLst>
-      <p:par>
-        <p:cTn xmlns:p14="http://schemas.microsoft.com/office/powerpoint/2010/main" id="1" dur="indefinite" restart="never" nodeType="tmRoot"/>
-      </p:par>
-    </p:tnLst>
-  </p:timing>
-</p:sld>
-</file>
-
-<file path=ppt/slides/slide7.xml><?xml version="1.0" encoding="utf-8"?>
-<p:sld xmlns:a="http://schemas.openxmlformats.org/drawingml/2006/main" xmlns:r="http://schemas.openxmlformats.org/officeDocument/2006/relationships" xmlns:p="http://schemas.openxmlformats.org/presentationml/2006/main">
-  <p:cSld>
-    <p:spTree>
-      <p:nvGrpSpPr>
-        <p:cNvPr id="1" name=""/>
-        <p:cNvGrpSpPr/>
-        <p:nvPr/>
-      </p:nvGrpSpPr>
-      <p:grpSpPr>
-        <a:xfrm>
-          <a:off x="0" y="0"/>
-          <a:ext cx="0" cy="0"/>
-          <a:chOff x="0" y="0"/>
-          <a:chExt cx="0" cy="0"/>
-        </a:xfrm>
-      </p:grpSpPr>
-      <p:sp>
-        <p:nvSpPr>
-          <p:cNvPr id="2" name="Title 1"/>
-          <p:cNvSpPr>
-            <a:spLocks noGrp="1"/>
-          </p:cNvSpPr>
-          <p:nvPr>
-            <p:ph type="title"/>
-          </p:nvPr>
-        </p:nvSpPr>
-        <p:spPr/>
-        <p:txBody>
-          <a:bodyPr/>
-          <a:lstStyle/>
-          <a:p>
-            <a:r>
-              <a:rPr lang="en-US" dirty="0" smtClean="0"/>
-              <a:t>Support Search, or findBy*</a:t>
-            </a:r>
-            <a:endParaRPr lang="en-US" dirty="0">
-              <a:solidFill>
-                <a:srgbClr val="138A7E"/>
-              </a:solidFill>
-            </a:endParaRPr>
-          </a:p>
-        </p:txBody>
-      </p:sp>
-      <p:sp>
-        <p:nvSpPr>
-          <p:cNvPr id="7" name="Content Placeholder 2"/>
-          <p:cNvSpPr txBox="1">
-            <a:spLocks/>
-          </p:cNvSpPr>
-          <p:nvPr/>
-        </p:nvSpPr>
-        <p:spPr>
-          <a:xfrm>
-            <a:off x="3749040" y="2212656"/>
-            <a:ext cx="5080000" cy="2298383"/>
-          </a:xfrm>
-          <a:prstGeom prst="rect">
-            <a:avLst/>
-          </a:prstGeom>
-        </p:spPr>
-        <p:txBody>
-          <a:bodyPr>
-            <a:normAutofit/>
-          </a:bodyPr>
-          <a:lstStyle>
-            <a:lvl1pPr marL="342900" indent="-342900" algn="l" defTabSz="457200" rtl="0" eaLnBrk="1" latinLnBrk="0" hangingPunct="1">
-              <a:spcBef>
-                <a:spcPct val="20000"/>
-              </a:spcBef>
-              <a:buFont typeface="Arial"/>
-              <a:buChar char="•"/>
-              <a:defRPr sz="3200" kern="1200">
-                <a:solidFill>
-                  <a:schemeClr val="bg1"/>
-                </a:solidFill>
-                <a:latin typeface="Arial" panose="020B0604020202020204" pitchFamily="34" charset="0"/>
-                <a:ea typeface="+mn-ea"/>
-                <a:cs typeface="Arial" panose="020B0604020202020204" pitchFamily="34" charset="0"/>
-              </a:defRPr>
-            </a:lvl1pPr>
-            <a:lvl2pPr marL="742950" indent="-285750" algn="l" defTabSz="457200" rtl="0" eaLnBrk="1" latinLnBrk="0" hangingPunct="1">
-              <a:spcBef>
-                <a:spcPct val="20000"/>
-              </a:spcBef>
-              <a:buFont typeface="Arial"/>
-              <a:buChar char="–"/>
-              <a:defRPr sz="2800" kern="1200">
-                <a:solidFill>
-                  <a:schemeClr val="bg1"/>
-                </a:solidFill>
-                <a:latin typeface="Arial" panose="020B0604020202020204" pitchFamily="34" charset="0"/>
-                <a:ea typeface="+mn-ea"/>
-                <a:cs typeface="Arial" panose="020B0604020202020204" pitchFamily="34" charset="0"/>
-              </a:defRPr>
-            </a:lvl2pPr>
-            <a:lvl3pPr marL="1143000" indent="-228600" algn="l" defTabSz="457200" rtl="0" eaLnBrk="1" latinLnBrk="0" hangingPunct="1">
-              <a:spcBef>
-                <a:spcPct val="20000"/>
-              </a:spcBef>
-              <a:buFont typeface="Arial"/>
-              <a:buChar char="•"/>
-              <a:defRPr sz="2400" kern="1200">
-                <a:solidFill>
-                  <a:schemeClr val="bg1"/>
-                </a:solidFill>
-                <a:latin typeface="Arial" panose="020B0604020202020204" pitchFamily="34" charset="0"/>
-                <a:ea typeface="+mn-ea"/>
-                <a:cs typeface="Arial" panose="020B0604020202020204" pitchFamily="34" charset="0"/>
-              </a:defRPr>
-            </a:lvl3pPr>
-            <a:lvl4pPr marL="1600200" indent="-228600" algn="l" defTabSz="457200" rtl="0" eaLnBrk="1" latinLnBrk="0" hangingPunct="1">
-              <a:spcBef>
-                <a:spcPct val="20000"/>
-              </a:spcBef>
-              <a:buFont typeface="Arial"/>
-              <a:buChar char="–"/>
-              <a:defRPr sz="2000" kern="1200">
-                <a:solidFill>
-                  <a:schemeClr val="bg1"/>
-                </a:solidFill>
-                <a:latin typeface="Arial" panose="020B0604020202020204" pitchFamily="34" charset="0"/>
-                <a:ea typeface="+mn-ea"/>
-                <a:cs typeface="Arial" panose="020B0604020202020204" pitchFamily="34" charset="0"/>
-              </a:defRPr>
-            </a:lvl4pPr>
-            <a:lvl5pPr marL="2057400" indent="-228600" algn="l" defTabSz="457200" rtl="0" eaLnBrk="1" latinLnBrk="0" hangingPunct="1">
-              <a:spcBef>
-                <a:spcPct val="20000"/>
-              </a:spcBef>
-              <a:buFont typeface="Arial"/>
-              <a:buChar char="»"/>
-              <a:defRPr sz="2000" kern="1200">
-                <a:solidFill>
-                  <a:schemeClr val="bg1"/>
-                </a:solidFill>
-                <a:latin typeface="Arial" panose="020B0604020202020204" pitchFamily="34" charset="0"/>
-                <a:ea typeface="+mn-ea"/>
-                <a:cs typeface="Arial" panose="020B0604020202020204" pitchFamily="34" charset="0"/>
-              </a:defRPr>
-            </a:lvl5pPr>
-            <a:lvl6pPr marL="2514600" indent="-228600" algn="l" defTabSz="457200" rtl="0" eaLnBrk="1" latinLnBrk="0" hangingPunct="1">
-              <a:spcBef>
-                <a:spcPct val="20000"/>
-              </a:spcBef>
-              <a:buFont typeface="Arial"/>
-              <a:buChar char="•"/>
-              <a:defRPr sz="2000" kern="1200">
-                <a:solidFill>
-                  <a:schemeClr val="tx1"/>
-                </a:solidFill>
-                <a:latin typeface="+mn-lt"/>
-                <a:ea typeface="+mn-ea"/>
-                <a:cs typeface="+mn-cs"/>
-              </a:defRPr>
-            </a:lvl6pPr>
-            <a:lvl7pPr marL="2971800" indent="-228600" algn="l" defTabSz="457200" rtl="0" eaLnBrk="1" latinLnBrk="0" hangingPunct="1">
-              <a:spcBef>
-                <a:spcPct val="20000"/>
-              </a:spcBef>
-              <a:buFont typeface="Arial"/>
-              <a:buChar char="•"/>
-              <a:defRPr sz="2000" kern="1200">
-                <a:solidFill>
-                  <a:schemeClr val="tx1"/>
-                </a:solidFill>
-                <a:latin typeface="+mn-lt"/>
-                <a:ea typeface="+mn-ea"/>
-                <a:cs typeface="+mn-cs"/>
-              </a:defRPr>
-            </a:lvl7pPr>
-            <a:lvl8pPr marL="3429000" indent="-228600" algn="l" defTabSz="457200" rtl="0" eaLnBrk="1" latinLnBrk="0" hangingPunct="1">
-              <a:spcBef>
-                <a:spcPct val="20000"/>
-              </a:spcBef>
-              <a:buFont typeface="Arial"/>
-              <a:buChar char="•"/>
-              <a:defRPr sz="2000" kern="1200">
-                <a:solidFill>
-                  <a:schemeClr val="tx1"/>
-                </a:solidFill>
-                <a:latin typeface="+mn-lt"/>
-                <a:ea typeface="+mn-ea"/>
-                <a:cs typeface="+mn-cs"/>
-              </a:defRPr>
-            </a:lvl8pPr>
-            <a:lvl9pPr marL="3886200" indent="-228600" algn="l" defTabSz="457200" rtl="0" eaLnBrk="1" latinLnBrk="0" hangingPunct="1">
-              <a:spcBef>
-                <a:spcPct val="20000"/>
-              </a:spcBef>
-              <a:buFont typeface="Arial"/>
-              <a:buChar char="•"/>
-              <a:defRPr sz="2000" kern="1200">
-                <a:solidFill>
-                  <a:schemeClr val="tx1"/>
-                </a:solidFill>
-                <a:latin typeface="+mn-lt"/>
-                <a:ea typeface="+mn-ea"/>
-                <a:cs typeface="+mn-cs"/>
-              </a:defRPr>
-            </a:lvl9pPr>
-          </a:lstStyle>
-          <a:p>
-            <a:pPr marL="0" indent="0">
-              <a:buFont typeface="Arial"/>
-              <a:buNone/>
-            </a:pPr>
-            <a:endParaRPr lang="en-US" sz="1400" dirty="0" smtClean="0"/>
-          </a:p>
-        </p:txBody>
-      </p:sp>
-      <p:sp>
-        <p:nvSpPr>
-          <p:cNvPr id="8" name="Content Placeholder 2"/>
-          <p:cNvSpPr txBox="1">
-            <a:spLocks/>
-          </p:cNvSpPr>
-          <p:nvPr/>
-        </p:nvSpPr>
-        <p:spPr>
-          <a:xfrm>
-            <a:off x="193039" y="1036321"/>
-            <a:ext cx="8036561" cy="914399"/>
-          </a:xfrm>
-          <a:prstGeom prst="rect">
-            <a:avLst/>
-          </a:prstGeom>
-        </p:spPr>
-        <p:txBody>
-          <a:bodyPr>
-            <a:normAutofit/>
-          </a:bodyPr>
-          <a:lstStyle>
-            <a:lvl1pPr marL="342900" indent="-342900" algn="l" defTabSz="457200" rtl="0" eaLnBrk="1" latinLnBrk="0" hangingPunct="1">
-              <a:spcBef>
-                <a:spcPct val="20000"/>
-              </a:spcBef>
-              <a:buFont typeface="Arial"/>
-              <a:buChar char="•"/>
-              <a:defRPr sz="3200" kern="1200">
-                <a:solidFill>
-                  <a:schemeClr val="bg1"/>
-                </a:solidFill>
-                <a:latin typeface="Arial" panose="020B0604020202020204" pitchFamily="34" charset="0"/>
-                <a:ea typeface="+mn-ea"/>
-                <a:cs typeface="Arial" panose="020B0604020202020204" pitchFamily="34" charset="0"/>
-              </a:defRPr>
-            </a:lvl1pPr>
-            <a:lvl2pPr marL="742950" indent="-285750" algn="l" defTabSz="457200" rtl="0" eaLnBrk="1" latinLnBrk="0" hangingPunct="1">
-              <a:spcBef>
-                <a:spcPct val="20000"/>
-              </a:spcBef>
-              <a:buFont typeface="Arial"/>
-              <a:buChar char="–"/>
-              <a:defRPr sz="2800" kern="1200">
-                <a:solidFill>
-                  <a:schemeClr val="bg1"/>
-                </a:solidFill>
-                <a:latin typeface="Arial" panose="020B0604020202020204" pitchFamily="34" charset="0"/>
-                <a:ea typeface="+mn-ea"/>
-                <a:cs typeface="Arial" panose="020B0604020202020204" pitchFamily="34" charset="0"/>
-              </a:defRPr>
-            </a:lvl2pPr>
-            <a:lvl3pPr marL="1143000" indent="-228600" algn="l" defTabSz="457200" rtl="0" eaLnBrk="1" latinLnBrk="0" hangingPunct="1">
-              <a:spcBef>
-                <a:spcPct val="20000"/>
-              </a:spcBef>
-              <a:buFont typeface="Arial"/>
-              <a:buChar char="•"/>
-              <a:defRPr sz="2400" kern="1200">
-                <a:solidFill>
-                  <a:schemeClr val="bg1"/>
-                </a:solidFill>
-                <a:latin typeface="Arial" panose="020B0604020202020204" pitchFamily="34" charset="0"/>
-                <a:ea typeface="+mn-ea"/>
-                <a:cs typeface="Arial" panose="020B0604020202020204" pitchFamily="34" charset="0"/>
-              </a:defRPr>
-            </a:lvl3pPr>
-            <a:lvl4pPr marL="1600200" indent="-228600" algn="l" defTabSz="457200" rtl="0" eaLnBrk="1" latinLnBrk="0" hangingPunct="1">
-              <a:spcBef>
-                <a:spcPct val="20000"/>
-              </a:spcBef>
-              <a:buFont typeface="Arial"/>
-              <a:buChar char="–"/>
-              <a:defRPr sz="2000" kern="1200">
-                <a:solidFill>
-                  <a:schemeClr val="bg1"/>
-                </a:solidFill>
-                <a:latin typeface="Arial" panose="020B0604020202020204" pitchFamily="34" charset="0"/>
-                <a:ea typeface="+mn-ea"/>
-                <a:cs typeface="Arial" panose="020B0604020202020204" pitchFamily="34" charset="0"/>
-              </a:defRPr>
-            </a:lvl4pPr>
-            <a:lvl5pPr marL="2057400" indent="-228600" algn="l" defTabSz="457200" rtl="0" eaLnBrk="1" latinLnBrk="0" hangingPunct="1">
-              <a:spcBef>
-                <a:spcPct val="20000"/>
-              </a:spcBef>
-              <a:buFont typeface="Arial"/>
-              <a:buChar char="»"/>
-              <a:defRPr sz="2000" kern="1200">
-                <a:solidFill>
-                  <a:schemeClr val="bg1"/>
-                </a:solidFill>
-                <a:latin typeface="Arial" panose="020B0604020202020204" pitchFamily="34" charset="0"/>
-                <a:ea typeface="+mn-ea"/>
-                <a:cs typeface="Arial" panose="020B0604020202020204" pitchFamily="34" charset="0"/>
-              </a:defRPr>
-            </a:lvl5pPr>
-            <a:lvl6pPr marL="2514600" indent="-228600" algn="l" defTabSz="457200" rtl="0" eaLnBrk="1" latinLnBrk="0" hangingPunct="1">
-              <a:spcBef>
-                <a:spcPct val="20000"/>
-              </a:spcBef>
-              <a:buFont typeface="Arial"/>
-              <a:buChar char="•"/>
-              <a:defRPr sz="2000" kern="1200">
-                <a:solidFill>
-                  <a:schemeClr val="tx1"/>
-                </a:solidFill>
-                <a:latin typeface="+mn-lt"/>
-                <a:ea typeface="+mn-ea"/>
-                <a:cs typeface="+mn-cs"/>
-              </a:defRPr>
-            </a:lvl6pPr>
-            <a:lvl7pPr marL="2971800" indent="-228600" algn="l" defTabSz="457200" rtl="0" eaLnBrk="1" latinLnBrk="0" hangingPunct="1">
-              <a:spcBef>
-                <a:spcPct val="20000"/>
-              </a:spcBef>
-              <a:buFont typeface="Arial"/>
-              <a:buChar char="•"/>
-              <a:defRPr sz="2000" kern="1200">
-                <a:solidFill>
-                  <a:schemeClr val="tx1"/>
-                </a:solidFill>
-                <a:latin typeface="+mn-lt"/>
-                <a:ea typeface="+mn-ea"/>
-                <a:cs typeface="+mn-cs"/>
-              </a:defRPr>
-            </a:lvl7pPr>
-            <a:lvl8pPr marL="3429000" indent="-228600" algn="l" defTabSz="457200" rtl="0" eaLnBrk="1" latinLnBrk="0" hangingPunct="1">
-              <a:spcBef>
-                <a:spcPct val="20000"/>
-              </a:spcBef>
-              <a:buFont typeface="Arial"/>
-              <a:buChar char="•"/>
-              <a:defRPr sz="2000" kern="1200">
-                <a:solidFill>
-                  <a:schemeClr val="tx1"/>
-                </a:solidFill>
-                <a:latin typeface="+mn-lt"/>
-                <a:ea typeface="+mn-ea"/>
-                <a:cs typeface="+mn-cs"/>
-              </a:defRPr>
-            </a:lvl8pPr>
-            <a:lvl9pPr marL="3886200" indent="-228600" algn="l" defTabSz="457200" rtl="0" eaLnBrk="1" latinLnBrk="0" hangingPunct="1">
-              <a:spcBef>
-                <a:spcPct val="20000"/>
-              </a:spcBef>
-              <a:buFont typeface="Arial"/>
-              <a:buChar char="•"/>
-              <a:defRPr sz="2000" kern="1200">
-                <a:solidFill>
-                  <a:schemeClr val="tx1"/>
-                </a:solidFill>
-                <a:latin typeface="+mn-lt"/>
-                <a:ea typeface="+mn-ea"/>
-                <a:cs typeface="+mn-cs"/>
-              </a:defRPr>
-            </a:lvl9pPr>
-          </a:lstStyle>
-          <a:p>
-            <a:pPr marL="0" indent="0">
-              <a:buFont typeface="Arial"/>
-              <a:buNone/>
-            </a:pPr>
-            <a:r>
-              <a:rPr lang="en-US" sz="1400" dirty="0" smtClean="0"/>
-              <a:t>Add some search methods using @RestResource to our CityRepository class</a:t>
-            </a:r>
-          </a:p>
-        </p:txBody>
-      </p:sp>
-      <p:pic>
-        <p:nvPicPr>
-          <p:cNvPr id="6" name="Picture 5"/>
-          <p:cNvPicPr>
-            <a:picLocks noChangeAspect="1"/>
-          </p:cNvPicPr>
-          <p:nvPr/>
-        </p:nvPicPr>
-        <p:blipFill>
-          <a:blip r:embed="rId3"/>
-          <a:stretch>
-            <a:fillRect/>
-          </a:stretch>
-        </p:blipFill>
-        <p:spPr>
-          <a:xfrm>
-            <a:off x="721360" y="1625599"/>
-            <a:ext cx="7508240" cy="2545763"/>
-          </a:xfrm>
-          <a:prstGeom prst="rect">
-            <a:avLst/>
-          </a:prstGeom>
-        </p:spPr>
-      </p:pic>
-    </p:spTree>
-    <p:extLst>
-      <p:ext uri="{BB962C8B-B14F-4D97-AF65-F5344CB8AC3E}">
-        <p14:creationId xmlns:p14="http://schemas.microsoft.com/office/powerpoint/2010/main" val="4171838093"/>
-      </p:ext>
-    </p:extLst>
-  </p:cSld>
-  <p:clrMapOvr>
-    <a:masterClrMapping/>
-  </p:clrMapOvr>
-  <mc:AlternateContent xmlns:mc="http://schemas.openxmlformats.org/markup-compatibility/2006" xmlns:p14="http://schemas.microsoft.com/office/powerpoint/2010/main">
-    <mc:Choice Requires="p14">
-      <p:transition spd="slow" p14:dur="2000"/>
-    </mc:Choice>
-    <mc:Fallback xmlns="">
-      <p:transition xmlns:p14="http://schemas.microsoft.com/office/powerpoint/2010/main" spd="slow"/>
-    </mc:Fallback>
-  </mc:AlternateContent>
-  <p:timing>
-    <p:tnLst>
-      <p:par>
-        <p:cTn xmlns:p14="http://schemas.microsoft.com/office/powerpoint/2010/main" id="1" dur="indefinite" restart="never" nodeType="tmRoot"/>
-      </p:par>
-    </p:tnLst>
-  </p:timing>
-</p:sld>
-</file>
-
-<file path=ppt/slides/slide8.xml><?xml version="1.0" encoding="utf-8"?>
-<p:sld xmlns:a="http://schemas.openxmlformats.org/drawingml/2006/main" xmlns:r="http://schemas.openxmlformats.org/officeDocument/2006/relationships" xmlns:p="http://schemas.openxmlformats.org/presentationml/2006/main">
-  <p:cSld>
-    <p:spTree>
-      <p:nvGrpSpPr>
-        <p:cNvPr id="1" name=""/>
-        <p:cNvGrpSpPr/>
-        <p:nvPr/>
-      </p:nvGrpSpPr>
-      <p:grpSpPr>
-        <a:xfrm>
-          <a:off x="0" y="0"/>
-          <a:ext cx="0" cy="0"/>
-          <a:chOff x="0" y="0"/>
-          <a:chExt cx="0" cy="0"/>
-        </a:xfrm>
-      </p:grpSpPr>
-      <p:sp>
-        <p:nvSpPr>
-          <p:cNvPr id="2" name="Title 1"/>
-          <p:cNvSpPr>
-            <a:spLocks noGrp="1"/>
-          </p:cNvSpPr>
-          <p:nvPr>
-            <p:ph type="title"/>
-          </p:nvPr>
-        </p:nvSpPr>
-        <p:spPr/>
-        <p:txBody>
-          <a:bodyPr/>
-          <a:lstStyle/>
-          <a:p>
-            <a:r>
-              <a:rPr lang="en-US" dirty="0" smtClean="0"/>
-              <a:t>Spring Data REST, what happens?</a:t>
-            </a:r>
-            <a:endParaRPr lang="en-US" dirty="0">
-              <a:solidFill>
-                <a:srgbClr val="138A7E"/>
-              </a:solidFill>
-            </a:endParaRPr>
-          </a:p>
-        </p:txBody>
-      </p:sp>
-      <p:sp>
-        <p:nvSpPr>
-          <p:cNvPr id="7" name="Content Placeholder 2"/>
-          <p:cNvSpPr txBox="1">
-            <a:spLocks/>
-          </p:cNvSpPr>
-          <p:nvPr/>
-        </p:nvSpPr>
-        <p:spPr>
-          <a:xfrm>
-            <a:off x="3749040" y="2212656"/>
-            <a:ext cx="5080000" cy="2298383"/>
-          </a:xfrm>
-          <a:prstGeom prst="rect">
-            <a:avLst/>
-          </a:prstGeom>
-        </p:spPr>
-        <p:txBody>
-          <a:bodyPr>
-            <a:normAutofit/>
-          </a:bodyPr>
-          <a:lstStyle>
-            <a:lvl1pPr marL="342900" indent="-342900" algn="l" defTabSz="457200" rtl="0" eaLnBrk="1" latinLnBrk="0" hangingPunct="1">
-              <a:spcBef>
-                <a:spcPct val="20000"/>
-              </a:spcBef>
-              <a:buFont typeface="Arial"/>
-              <a:buChar char="•"/>
-              <a:defRPr sz="3200" kern="1200">
-                <a:solidFill>
-                  <a:schemeClr val="bg1"/>
-                </a:solidFill>
-                <a:latin typeface="Arial" panose="020B0604020202020204" pitchFamily="34" charset="0"/>
-                <a:ea typeface="+mn-ea"/>
-                <a:cs typeface="Arial" panose="020B0604020202020204" pitchFamily="34" charset="0"/>
-              </a:defRPr>
-            </a:lvl1pPr>
-            <a:lvl2pPr marL="742950" indent="-285750" algn="l" defTabSz="457200" rtl="0" eaLnBrk="1" latinLnBrk="0" hangingPunct="1">
-              <a:spcBef>
-                <a:spcPct val="20000"/>
-              </a:spcBef>
-              <a:buFont typeface="Arial"/>
-              <a:buChar char="–"/>
-              <a:defRPr sz="2800" kern="1200">
-                <a:solidFill>
-                  <a:schemeClr val="bg1"/>
-                </a:solidFill>
-                <a:latin typeface="Arial" panose="020B0604020202020204" pitchFamily="34" charset="0"/>
-                <a:ea typeface="+mn-ea"/>
-                <a:cs typeface="Arial" panose="020B0604020202020204" pitchFamily="34" charset="0"/>
-              </a:defRPr>
-            </a:lvl2pPr>
-            <a:lvl3pPr marL="1143000" indent="-228600" algn="l" defTabSz="457200" rtl="0" eaLnBrk="1" latinLnBrk="0" hangingPunct="1">
-              <a:spcBef>
-                <a:spcPct val="20000"/>
-              </a:spcBef>
-              <a:buFont typeface="Arial"/>
-              <a:buChar char="•"/>
-              <a:defRPr sz="2400" kern="1200">
-                <a:solidFill>
-                  <a:schemeClr val="bg1"/>
-                </a:solidFill>
-                <a:latin typeface="Arial" panose="020B0604020202020204" pitchFamily="34" charset="0"/>
-                <a:ea typeface="+mn-ea"/>
-                <a:cs typeface="Arial" panose="020B0604020202020204" pitchFamily="34" charset="0"/>
-              </a:defRPr>
-            </a:lvl3pPr>
-            <a:lvl4pPr marL="1600200" indent="-228600" algn="l" defTabSz="457200" rtl="0" eaLnBrk="1" latinLnBrk="0" hangingPunct="1">
-              <a:spcBef>
-                <a:spcPct val="20000"/>
-              </a:spcBef>
-              <a:buFont typeface="Arial"/>
-              <a:buChar char="–"/>
-              <a:defRPr sz="2000" kern="1200">
-                <a:solidFill>
-                  <a:schemeClr val="bg1"/>
-                </a:solidFill>
-                <a:latin typeface="Arial" panose="020B0604020202020204" pitchFamily="34" charset="0"/>
-                <a:ea typeface="+mn-ea"/>
-                <a:cs typeface="Arial" panose="020B0604020202020204" pitchFamily="34" charset="0"/>
-              </a:defRPr>
-            </a:lvl4pPr>
-            <a:lvl5pPr marL="2057400" indent="-228600" algn="l" defTabSz="457200" rtl="0" eaLnBrk="1" latinLnBrk="0" hangingPunct="1">
-              <a:spcBef>
-                <a:spcPct val="20000"/>
-              </a:spcBef>
-              <a:buFont typeface="Arial"/>
-              <a:buChar char="»"/>
-              <a:defRPr sz="2000" kern="1200">
-                <a:solidFill>
-                  <a:schemeClr val="bg1"/>
-                </a:solidFill>
-                <a:latin typeface="Arial" panose="020B0604020202020204" pitchFamily="34" charset="0"/>
-                <a:ea typeface="+mn-ea"/>
-                <a:cs typeface="Arial" panose="020B0604020202020204" pitchFamily="34" charset="0"/>
-              </a:defRPr>
-            </a:lvl5pPr>
-            <a:lvl6pPr marL="2514600" indent="-228600" algn="l" defTabSz="457200" rtl="0" eaLnBrk="1" latinLnBrk="0" hangingPunct="1">
-              <a:spcBef>
-                <a:spcPct val="20000"/>
-              </a:spcBef>
-              <a:buFont typeface="Arial"/>
-              <a:buChar char="•"/>
-              <a:defRPr sz="2000" kern="1200">
-                <a:solidFill>
-                  <a:schemeClr val="tx1"/>
-                </a:solidFill>
-                <a:latin typeface="+mn-lt"/>
-                <a:ea typeface="+mn-ea"/>
-                <a:cs typeface="+mn-cs"/>
-              </a:defRPr>
-            </a:lvl6pPr>
-            <a:lvl7pPr marL="2971800" indent="-228600" algn="l" defTabSz="457200" rtl="0" eaLnBrk="1" latinLnBrk="0" hangingPunct="1">
-              <a:spcBef>
-                <a:spcPct val="20000"/>
-              </a:spcBef>
-              <a:buFont typeface="Arial"/>
-              <a:buChar char="•"/>
-              <a:defRPr sz="2000" kern="1200">
-                <a:solidFill>
-                  <a:schemeClr val="tx1"/>
-                </a:solidFill>
-                <a:latin typeface="+mn-lt"/>
-                <a:ea typeface="+mn-ea"/>
-                <a:cs typeface="+mn-cs"/>
-              </a:defRPr>
-            </a:lvl7pPr>
-            <a:lvl8pPr marL="3429000" indent="-228600" algn="l" defTabSz="457200" rtl="0" eaLnBrk="1" latinLnBrk="0" hangingPunct="1">
-              <a:spcBef>
-                <a:spcPct val="20000"/>
-              </a:spcBef>
-              <a:buFont typeface="Arial"/>
-              <a:buChar char="•"/>
-              <a:defRPr sz="2000" kern="1200">
-                <a:solidFill>
-                  <a:schemeClr val="tx1"/>
-                </a:solidFill>
-                <a:latin typeface="+mn-lt"/>
-                <a:ea typeface="+mn-ea"/>
-                <a:cs typeface="+mn-cs"/>
-              </a:defRPr>
-            </a:lvl8pPr>
-            <a:lvl9pPr marL="3886200" indent="-228600" algn="l" defTabSz="457200" rtl="0" eaLnBrk="1" latinLnBrk="0" hangingPunct="1">
-              <a:spcBef>
-                <a:spcPct val="20000"/>
-              </a:spcBef>
-              <a:buFont typeface="Arial"/>
-              <a:buChar char="•"/>
-              <a:defRPr sz="2000" kern="1200">
-                <a:solidFill>
-                  <a:schemeClr val="tx1"/>
-                </a:solidFill>
-                <a:latin typeface="+mn-lt"/>
-                <a:ea typeface="+mn-ea"/>
-                <a:cs typeface="+mn-cs"/>
-              </a:defRPr>
-            </a:lvl9pPr>
-          </a:lstStyle>
-          <a:p>
-            <a:pPr marL="0" indent="0">
-              <a:buFont typeface="Arial"/>
-              <a:buNone/>
-            </a:pPr>
-            <a:endParaRPr lang="en-US" sz="1400" dirty="0" smtClean="0"/>
-          </a:p>
-        </p:txBody>
-      </p:sp>
-      <p:sp>
-        <p:nvSpPr>
-          <p:cNvPr id="10" name="Content Placeholder 2"/>
-          <p:cNvSpPr>
-            <a:spLocks noGrp="1"/>
-          </p:cNvSpPr>
-          <p:nvPr>
-            <p:ph sz="quarter" idx="10"/>
-          </p:nvPr>
-        </p:nvSpPr>
-        <p:spPr>
-          <a:xfrm>
-            <a:off x="152401" y="996313"/>
-            <a:ext cx="2631440" cy="2153287"/>
-          </a:xfrm>
-        </p:spPr>
-        <p:txBody>
-          <a:bodyPr>
-            <a:normAutofit/>
-          </a:bodyPr>
-          <a:lstStyle/>
-          <a:p>
-            <a:pPr marL="203200" indent="0">
-              <a:lnSpc>
-                <a:spcPct val="200000"/>
-              </a:lnSpc>
-              <a:buNone/>
-            </a:pPr>
-            <a:r>
-              <a:rPr lang="en-US" sz="1400" dirty="0">
-                <a:solidFill>
-                  <a:srgbClr val="FFFFFF"/>
-                </a:solidFill>
-              </a:rPr>
-              <a:t>For this repository, </a:t>
-            </a:r>
-            <a:r>
-              <a:rPr lang="en-US" sz="1400" dirty="0" smtClean="0">
-                <a:solidFill>
-                  <a:srgbClr val="FFFFFF"/>
-                </a:solidFill>
-              </a:rPr>
-              <a:t>we now see search methods when we hit the /{repository}/search endpoint</a:t>
-            </a:r>
-            <a:endParaRPr lang="en-US" sz="1400" dirty="0">
-              <a:solidFill>
-                <a:srgbClr val="FFFFFF"/>
-              </a:solidFill>
-            </a:endParaRPr>
-          </a:p>
-          <a:p>
-            <a:pPr marL="0" indent="0">
-              <a:buNone/>
-            </a:pPr>
-            <a:endParaRPr lang="en-US" sz="1400" dirty="0" smtClean="0"/>
-          </a:p>
-        </p:txBody>
-      </p:sp>
-      <p:pic>
-        <p:nvPicPr>
-          <p:cNvPr id="4" name="Picture 3"/>
-          <p:cNvPicPr>
-            <a:picLocks noChangeAspect="1"/>
-          </p:cNvPicPr>
-          <p:nvPr/>
-        </p:nvPicPr>
-        <p:blipFill>
-          <a:blip r:embed="rId3"/>
-          <a:stretch>
-            <a:fillRect/>
-          </a:stretch>
-        </p:blipFill>
-        <p:spPr>
-          <a:xfrm>
-            <a:off x="3152760" y="1013518"/>
-            <a:ext cx="5676280" cy="3091122"/>
-          </a:xfrm>
-          <a:prstGeom prst="rect">
-            <a:avLst/>
-          </a:prstGeom>
-        </p:spPr>
-      </p:pic>
-    </p:spTree>
-    <p:extLst>
-      <p:ext uri="{BB962C8B-B14F-4D97-AF65-F5344CB8AC3E}">
-        <p14:creationId xmlns:p14="http://schemas.microsoft.com/office/powerpoint/2010/main" val="3361395639"/>
-      </p:ext>
-    </p:extLst>
-  </p:cSld>
-  <p:clrMapOvr>
-    <a:masterClrMapping/>
-  </p:clrMapOvr>
-  <mc:AlternateContent xmlns:mc="http://schemas.openxmlformats.org/markup-compatibility/2006" xmlns:p14="http://schemas.microsoft.com/office/powerpoint/2010/main">
-    <mc:Choice Requires="p14">
-      <p:transition spd="slow" p14:dur="2000"/>
-    </mc:Choice>
-    <mc:Fallback xmlns="">
-      <p:transition xmlns:p14="http://schemas.microsoft.com/office/powerpoint/2010/main" spd="slow"/>
-    </mc:Fallback>
-  </mc:AlternateContent>
-  <p:timing>
-    <p:tnLst>
-      <p:par>
-        <p:cTn xmlns:p14="http://schemas.microsoft.com/office/powerpoint/2010/main" id="1" dur="indefinite" restart="never" nodeType="tmRoot"/>
-      </p:par>
-    </p:tnLst>
-  </p:timing>
-</p:sld>
-</file>
-
-<file path=ppt/slides/slide9.xml><?xml version="1.0" encoding="utf-8"?>
-<p:sld xmlns:a="http://schemas.openxmlformats.org/drawingml/2006/main" xmlns:r="http://schemas.openxmlformats.org/officeDocument/2006/relationships" xmlns:p="http://schemas.openxmlformats.org/presentationml/2006/main">
-  <p:cSld>
-    <p:spTree>
-      <p:nvGrpSpPr>
-        <p:cNvPr id="1" name=""/>
-        <p:cNvGrpSpPr/>
-        <p:nvPr/>
-      </p:nvGrpSpPr>
-      <p:grpSpPr>
-        <a:xfrm>
-          <a:off x="0" y="0"/>
-          <a:ext cx="0" cy="0"/>
-          <a:chOff x="0" y="0"/>
-          <a:chExt cx="0" cy="0"/>
-        </a:xfrm>
-      </p:grpSpPr>
-      <p:sp>
-        <p:nvSpPr>
-          <p:cNvPr id="2" name="Title 1"/>
-          <p:cNvSpPr>
-            <a:spLocks noGrp="1"/>
-          </p:cNvSpPr>
-          <p:nvPr>
-            <p:ph type="title"/>
-          </p:nvPr>
-        </p:nvSpPr>
-        <p:spPr/>
-        <p:txBody>
-          <a:bodyPr/>
-          <a:lstStyle/>
-          <a:p>
-            <a:r>
-              <a:rPr lang="en-US" dirty="0" smtClean="0"/>
-              <a:t>Spring Data REST, Custom Queries</a:t>
-            </a:r>
-            <a:endParaRPr lang="en-US" dirty="0">
-              <a:solidFill>
-                <a:srgbClr val="138A7E"/>
-              </a:solidFill>
-            </a:endParaRPr>
-          </a:p>
-        </p:txBody>
-      </p:sp>
-      <p:sp>
-        <p:nvSpPr>
-          <p:cNvPr id="7" name="Content Placeholder 2"/>
-          <p:cNvSpPr txBox="1">
-            <a:spLocks/>
-          </p:cNvSpPr>
-          <p:nvPr/>
-        </p:nvSpPr>
-        <p:spPr>
-          <a:xfrm>
-            <a:off x="3749040" y="2212656"/>
-            <a:ext cx="5080000" cy="2298383"/>
-          </a:xfrm>
-          <a:prstGeom prst="rect">
-            <a:avLst/>
-          </a:prstGeom>
-        </p:spPr>
-        <p:txBody>
-          <a:bodyPr>
-            <a:normAutofit/>
-          </a:bodyPr>
-          <a:lstStyle>
-            <a:lvl1pPr marL="342900" indent="-342900" algn="l" defTabSz="457200" rtl="0" eaLnBrk="1" latinLnBrk="0" hangingPunct="1">
-              <a:spcBef>
-                <a:spcPct val="20000"/>
-              </a:spcBef>
-              <a:buFont typeface="Arial"/>
-              <a:buChar char="•"/>
-              <a:defRPr sz="3200" kern="1200">
-                <a:solidFill>
-                  <a:schemeClr val="bg1"/>
-                </a:solidFill>
-                <a:latin typeface="Arial" panose="020B0604020202020204" pitchFamily="34" charset="0"/>
-                <a:ea typeface="+mn-ea"/>
-                <a:cs typeface="Arial" panose="020B0604020202020204" pitchFamily="34" charset="0"/>
-              </a:defRPr>
-            </a:lvl1pPr>
-            <a:lvl2pPr marL="742950" indent="-285750" algn="l" defTabSz="457200" rtl="0" eaLnBrk="1" latinLnBrk="0" hangingPunct="1">
-              <a:spcBef>
-                <a:spcPct val="20000"/>
-              </a:spcBef>
-              <a:buFont typeface="Arial"/>
-              <a:buChar char="–"/>
-              <a:defRPr sz="2800" kern="1200">
-                <a:solidFill>
-                  <a:schemeClr val="bg1"/>
-                </a:solidFill>
-                <a:latin typeface="Arial" panose="020B0604020202020204" pitchFamily="34" charset="0"/>
-                <a:ea typeface="+mn-ea"/>
-                <a:cs typeface="Arial" panose="020B0604020202020204" pitchFamily="34" charset="0"/>
-              </a:defRPr>
-            </a:lvl2pPr>
-            <a:lvl3pPr marL="1143000" indent="-228600" algn="l" defTabSz="457200" rtl="0" eaLnBrk="1" latinLnBrk="0" hangingPunct="1">
-              <a:spcBef>
-                <a:spcPct val="20000"/>
-              </a:spcBef>
-              <a:buFont typeface="Arial"/>
-              <a:buChar char="•"/>
-              <a:defRPr sz="2400" kern="1200">
-                <a:solidFill>
-                  <a:schemeClr val="bg1"/>
-                </a:solidFill>
-                <a:latin typeface="Arial" panose="020B0604020202020204" pitchFamily="34" charset="0"/>
-                <a:ea typeface="+mn-ea"/>
-                <a:cs typeface="Arial" panose="020B0604020202020204" pitchFamily="34" charset="0"/>
-              </a:defRPr>
-            </a:lvl3pPr>
-            <a:lvl4pPr marL="1600200" indent="-228600" algn="l" defTabSz="457200" rtl="0" eaLnBrk="1" latinLnBrk="0" hangingPunct="1">
-              <a:spcBef>
-                <a:spcPct val="20000"/>
-              </a:spcBef>
-              <a:buFont typeface="Arial"/>
-              <a:buChar char="–"/>
-              <a:defRPr sz="2000" kern="1200">
-                <a:solidFill>
-                  <a:schemeClr val="bg1"/>
-                </a:solidFill>
-                <a:latin typeface="Arial" panose="020B0604020202020204" pitchFamily="34" charset="0"/>
-                <a:ea typeface="+mn-ea"/>
-                <a:cs typeface="Arial" panose="020B0604020202020204" pitchFamily="34" charset="0"/>
-              </a:defRPr>
-            </a:lvl4pPr>
-            <a:lvl5pPr marL="2057400" indent="-228600" algn="l" defTabSz="457200" rtl="0" eaLnBrk="1" latinLnBrk="0" hangingPunct="1">
-              <a:spcBef>
-                <a:spcPct val="20000"/>
-              </a:spcBef>
-              <a:buFont typeface="Arial"/>
-              <a:buChar char="»"/>
-              <a:defRPr sz="2000" kern="1200">
-                <a:solidFill>
-                  <a:schemeClr val="bg1"/>
-                </a:solidFill>
-                <a:latin typeface="Arial" panose="020B0604020202020204" pitchFamily="34" charset="0"/>
-                <a:ea typeface="+mn-ea"/>
-                <a:cs typeface="Arial" panose="020B0604020202020204" pitchFamily="34" charset="0"/>
-              </a:defRPr>
-            </a:lvl5pPr>
-            <a:lvl6pPr marL="2514600" indent="-228600" algn="l" defTabSz="457200" rtl="0" eaLnBrk="1" latinLnBrk="0" hangingPunct="1">
-              <a:spcBef>
-                <a:spcPct val="20000"/>
-              </a:spcBef>
-              <a:buFont typeface="Arial"/>
-              <a:buChar char="•"/>
-              <a:defRPr sz="2000" kern="1200">
-                <a:solidFill>
-                  <a:schemeClr val="tx1"/>
-                </a:solidFill>
-                <a:latin typeface="+mn-lt"/>
-                <a:ea typeface="+mn-ea"/>
-                <a:cs typeface="+mn-cs"/>
-              </a:defRPr>
-            </a:lvl6pPr>
-            <a:lvl7pPr marL="2971800" indent="-228600" algn="l" defTabSz="457200" rtl="0" eaLnBrk="1" latinLnBrk="0" hangingPunct="1">
-              <a:spcBef>
-                <a:spcPct val="20000"/>
-              </a:spcBef>
-              <a:buFont typeface="Arial"/>
-              <a:buChar char="•"/>
-              <a:defRPr sz="2000" kern="1200">
-                <a:solidFill>
-                  <a:schemeClr val="tx1"/>
-                </a:solidFill>
-                <a:latin typeface="+mn-lt"/>
-                <a:ea typeface="+mn-ea"/>
-                <a:cs typeface="+mn-cs"/>
-              </a:defRPr>
-            </a:lvl7pPr>
-            <a:lvl8pPr marL="3429000" indent="-228600" algn="l" defTabSz="457200" rtl="0" eaLnBrk="1" latinLnBrk="0" hangingPunct="1">
-              <a:spcBef>
-                <a:spcPct val="20000"/>
-              </a:spcBef>
-              <a:buFont typeface="Arial"/>
-              <a:buChar char="•"/>
-              <a:defRPr sz="2000" kern="1200">
-                <a:solidFill>
-                  <a:schemeClr val="tx1"/>
-                </a:solidFill>
-                <a:latin typeface="+mn-lt"/>
-                <a:ea typeface="+mn-ea"/>
-                <a:cs typeface="+mn-cs"/>
-              </a:defRPr>
-            </a:lvl8pPr>
-            <a:lvl9pPr marL="3886200" indent="-228600" algn="l" defTabSz="457200" rtl="0" eaLnBrk="1" latinLnBrk="0" hangingPunct="1">
-              <a:spcBef>
-                <a:spcPct val="20000"/>
-              </a:spcBef>
-              <a:buFont typeface="Arial"/>
-              <a:buChar char="•"/>
-              <a:defRPr sz="2000" kern="1200">
-                <a:solidFill>
-                  <a:schemeClr val="tx1"/>
-                </a:solidFill>
-                <a:latin typeface="+mn-lt"/>
-                <a:ea typeface="+mn-ea"/>
-                <a:cs typeface="+mn-cs"/>
-              </a:defRPr>
-            </a:lvl9pPr>
-          </a:lstStyle>
-          <a:p>
-            <a:pPr marL="0" indent="0">
-              <a:buFont typeface="Arial"/>
-              <a:buNone/>
-            </a:pPr>
-            <a:endParaRPr lang="en-US" sz="1400" dirty="0" smtClean="0"/>
-          </a:p>
-        </p:txBody>
-      </p:sp>
-      <p:sp>
-        <p:nvSpPr>
-          <p:cNvPr id="10" name="Content Placeholder 2"/>
-          <p:cNvSpPr>
-            <a:spLocks noGrp="1"/>
-          </p:cNvSpPr>
-          <p:nvPr>
-            <p:ph sz="quarter" idx="10"/>
-          </p:nvPr>
-        </p:nvSpPr>
-        <p:spPr>
-          <a:xfrm>
-            <a:off x="152400" y="1270633"/>
-            <a:ext cx="8371840" cy="1035687"/>
-          </a:xfrm>
-        </p:spPr>
-        <p:txBody>
-          <a:bodyPr>
-            <a:normAutofit/>
-          </a:bodyPr>
-          <a:lstStyle/>
-          <a:p>
-            <a:pPr marL="0" indent="0">
-              <a:buNone/>
-            </a:pPr>
-            <a:r>
-              <a:rPr lang="en-US" sz="1400" dirty="0" smtClean="0"/>
-              <a:t>Add a method “findByStateCode” to our CityRepository that defines an custom query using @Query notation and takes an @Param argument for the stateCode</a:t>
-            </a:r>
-          </a:p>
-        </p:txBody>
-      </p:sp>
-      <p:pic>
-        <p:nvPicPr>
-          <p:cNvPr id="5" name="Picture 4"/>
-          <p:cNvPicPr>
-            <a:picLocks noChangeAspect="1"/>
-          </p:cNvPicPr>
-          <p:nvPr/>
-        </p:nvPicPr>
-        <p:blipFill>
-          <a:blip r:embed="rId3"/>
-          <a:stretch>
-            <a:fillRect/>
-          </a:stretch>
-        </p:blipFill>
-        <p:spPr>
-          <a:xfrm>
-            <a:off x="688340" y="2631440"/>
-            <a:ext cx="7340600" cy="495300"/>
-          </a:xfrm>
-          <a:prstGeom prst="rect">
-            <a:avLst/>
-          </a:prstGeom>
-        </p:spPr>
-      </p:pic>
-    </p:spTree>
-    <p:extLst>
-      <p:ext uri="{BB962C8B-B14F-4D97-AF65-F5344CB8AC3E}">
-        <p14:creationId xmlns:p14="http://schemas.microsoft.com/office/powerpoint/2010/main" val="2894491218"/>
-      </p:ext>
-    </p:extLst>
-  </p:cSld>
-  <p:clrMapOvr>
-    <a:masterClrMapping/>
-  </p:clrMapOvr>
-  <mc:AlternateContent xmlns:mc="http://schemas.openxmlformats.org/markup-compatibility/2006" xmlns:p14="http://schemas.microsoft.com/office/powerpoint/2010/main">
-    <mc:Choice Requires="p14">
-      <p:transition spd="slow" p14:dur="2000"/>
-    </mc:Choice>
-    <mc:Fallback xmlns="">
-      <p:transition xmlns:p14="http://schemas.microsoft.com/office/powerpoint/2010/main" spd="slow"/>
     </mc:Fallback>
   </mc:AlternateContent>
   <p:timing>
